--- a/report/TSP_Report.pptx
+++ b/report/TSP_Report.pptx
@@ -115,11 +115,12 @@
       </a:defRPr>
     </a:lvl9pPr>
   </p:defaultTextStyle>
+  <p:extLst>
+    <p:ext uri="{EFAFB233-063F-42B5-8137-9DF3F51BA10A}">
+      <p15:sldGuideLst xmlns:p15="http://schemas.microsoft.com/office/powerpoint/2012/main"/>
+    </p:ext>
+  </p:extLst>
 </p:presentation>
-</file>
-
-<file path=ppt/revisionInfo.xml><?xml version="1.0" encoding="utf-8"?>
-<p1510:revInfo xmlns:a="http://schemas.openxmlformats.org/drawingml/2006/main" xmlns:r="http://schemas.openxmlformats.org/officeDocument/2006/relationships" xmlns:p1510="http://schemas.microsoft.com/office/powerpoint/2015/10/main"/>
 </file>
 
 <file path=ppt/slideLayouts/slideLayout1.xml><?xml version="1.0" encoding="utf-8"?>
@@ -525,7 +526,7 @@
           <a:p>
             <a:fld id="{48A87A34-81AB-432B-8DAE-1953F412C126}" type="datetimeFigureOut">
               <a:rPr lang="en-US" smtClean="0"/>
-              <a:t>4/13/2018</a:t>
+              <a:t>4/15/2018</a:t>
             </a:fld>
             <a:endParaRPr lang="en-US" dirty="0"/>
           </a:p>
@@ -704,7 +705,7 @@
           <a:p>
             <a:fld id="{48A87A34-81AB-432B-8DAE-1953F412C126}" type="datetimeFigureOut">
               <a:rPr lang="en-US" smtClean="0"/>
-              <a:t>4/13/2018</a:t>
+              <a:t>4/15/2018</a:t>
             </a:fld>
             <a:endParaRPr lang="en-US" dirty="0"/>
           </a:p>
@@ -884,7 +885,7 @@
           <a:p>
             <a:fld id="{48A87A34-81AB-432B-8DAE-1953F412C126}" type="datetimeFigureOut">
               <a:rPr lang="en-US" smtClean="0"/>
-              <a:t>4/13/2018</a:t>
+              <a:t>4/15/2018</a:t>
             </a:fld>
             <a:endParaRPr lang="en-US" dirty="0"/>
           </a:p>
@@ -1054,7 +1055,7 @@
           <a:p>
             <a:fld id="{48A87A34-81AB-432B-8DAE-1953F412C126}" type="datetimeFigureOut">
               <a:rPr lang="en-US" smtClean="0"/>
-              <a:t>4/13/2018</a:t>
+              <a:t>4/15/2018</a:t>
             </a:fld>
             <a:endParaRPr lang="en-US" dirty="0"/>
           </a:p>
@@ -1367,7 +1368,7 @@
           <a:p>
             <a:fld id="{48A87A34-81AB-432B-8DAE-1953F412C126}" type="datetimeFigureOut">
               <a:rPr lang="en-US" smtClean="0"/>
-              <a:t>4/13/2018</a:t>
+              <a:t>4/15/2018</a:t>
             </a:fld>
             <a:endParaRPr lang="en-US" dirty="0"/>
           </a:p>
@@ -1753,7 +1754,7 @@
           <a:p>
             <a:fld id="{48A87A34-81AB-432B-8DAE-1953F412C126}" type="datetimeFigureOut">
               <a:rPr lang="en-US" smtClean="0"/>
-              <a:t>4/13/2018</a:t>
+              <a:t>4/15/2018</a:t>
             </a:fld>
             <a:endParaRPr lang="en-US" dirty="0"/>
           </a:p>
@@ -2187,7 +2188,7 @@
           <a:p>
             <a:fld id="{48A87A34-81AB-432B-8DAE-1953F412C126}" type="datetimeFigureOut">
               <a:rPr lang="en-US" smtClean="0"/>
-              <a:t>4/13/2018</a:t>
+              <a:t>4/15/2018</a:t>
             </a:fld>
             <a:endParaRPr lang="en-US" dirty="0"/>
           </a:p>
@@ -2305,7 +2306,7 @@
           <a:p>
             <a:fld id="{48A87A34-81AB-432B-8DAE-1953F412C126}" type="datetimeFigureOut">
               <a:rPr lang="en-US" smtClean="0"/>
-              <a:t>4/13/2018</a:t>
+              <a:t>4/15/2018</a:t>
             </a:fld>
             <a:endParaRPr lang="en-US" dirty="0"/>
           </a:p>
@@ -2400,7 +2401,7 @@
           <a:p>
             <a:fld id="{48A87A34-81AB-432B-8DAE-1953F412C126}" type="datetimeFigureOut">
               <a:rPr lang="en-US" smtClean="0"/>
-              <a:t>4/13/2018</a:t>
+              <a:t>4/15/2018</a:t>
             </a:fld>
             <a:endParaRPr lang="en-US" dirty="0"/>
           </a:p>
@@ -2750,7 +2751,7 @@
           <a:p>
             <a:fld id="{48A87A34-81AB-432B-8DAE-1953F412C126}" type="datetimeFigureOut">
               <a:rPr lang="en-US" smtClean="0"/>
-              <a:t>4/13/2018</a:t>
+              <a:t>4/15/2018</a:t>
             </a:fld>
             <a:endParaRPr lang="en-US" dirty="0"/>
           </a:p>
@@ -3175,7 +3176,7 @@
           <a:p>
             <a:fld id="{48A87A34-81AB-432B-8DAE-1953F412C126}" type="datetimeFigureOut">
               <a:rPr lang="en-US" smtClean="0"/>
-              <a:t>4/13/2018</a:t>
+              <a:t>4/15/2018</a:t>
             </a:fld>
             <a:endParaRPr lang="en-US" dirty="0"/>
           </a:p>
@@ -3457,7 +3458,7 @@
             <a:fld id="{48A87A34-81AB-432B-8DAE-1953F412C126}" type="datetimeFigureOut">
               <a:rPr lang="en-US" smtClean="0"/>
               <a:pPr/>
-              <a:t>4/13/2018</a:t>
+              <a:t>4/15/2018</a:t>
             </a:fld>
             <a:endParaRPr lang="en-US" dirty="0"/>
           </a:p>
@@ -4062,15 +4063,7 @@
           <a:p>
             <a:r>
               <a:rPr lang="en-US" dirty="0"/>
-              <a:t>Travelling </a:t>
-            </a:r>
-            <a:r>
-              <a:rPr lang="en-US" dirty="0" err="1"/>
-              <a:t>SalesMan</a:t>
-            </a:r>
-            <a:r>
-              <a:rPr lang="en-US" dirty="0"/>
-              <a:t> Problem</a:t>
+              <a:t>Travelling Salesman Problem</a:t>
             </a:r>
           </a:p>
         </p:txBody>
@@ -4093,8 +4086,8 @@
         </p:nvSpPr>
         <p:spPr>
           <a:xfrm>
-            <a:off x="6759452" y="4977992"/>
-            <a:ext cx="4979702" cy="1057048"/>
+            <a:off x="8368796" y="5416904"/>
+            <a:ext cx="3006340" cy="1057048"/>
           </a:xfrm>
         </p:spPr>
         <p:txBody>
@@ -4208,7 +4201,7 @@
         </p:blipFill>
         <p:spPr>
           <a:xfrm>
-            <a:off x="2586007" y="2086346"/>
+            <a:off x="1223551" y="1940042"/>
             <a:ext cx="7399197" cy="4128024"/>
           </a:xfrm>
           <a:prstGeom prst="rect">
@@ -4327,7 +4320,7 @@
         </p:blipFill>
         <p:spPr>
           <a:xfrm>
-            <a:off x="2009177" y="1988760"/>
+            <a:off x="1158785" y="1988760"/>
             <a:ext cx="7720750" cy="4316087"/>
           </a:xfrm>
           <a:prstGeom prst="rect">
@@ -4393,15 +4386,7 @@
           <a:p>
             <a:r>
               <a:rPr lang="en-US" dirty="0"/>
-              <a:t>RESULT (</a:t>
-            </a:r>
-            <a:r>
-              <a:rPr lang="en-US" dirty="0" err="1"/>
-              <a:t>OPTIMal</a:t>
-            </a:r>
-            <a:r>
-              <a:rPr lang="en-US" dirty="0"/>
-              <a:t> Solution)</a:t>
+              <a:t>RESULT (Optimal Solution)</a:t>
             </a:r>
           </a:p>
         </p:txBody>
@@ -4498,13 +4483,8 @@
           <a:p>
             <a:r>
               <a:rPr lang="en-US" dirty="0"/>
-              <a:t>PROBLEM </a:t>
-            </a:r>
-            <a:r>
-              <a:rPr lang="en-US" dirty="0" err="1"/>
-              <a:t>STATEMENt</a:t>
-            </a:r>
-            <a:endParaRPr lang="en-US" dirty="0"/>
+              <a:t>PROBLEM Statement</a:t>
+            </a:r>
           </a:p>
         </p:txBody>
       </p:sp>
@@ -4526,29 +4506,49 @@
         </p:nvSpPr>
         <p:spPr>
           <a:xfrm>
-            <a:off x="1069848" y="2121408"/>
-            <a:ext cx="8562424" cy="4050792"/>
+            <a:off x="1069848" y="1954359"/>
+            <a:ext cx="8830290" cy="4050792"/>
           </a:xfrm>
         </p:spPr>
         <p:txBody>
           <a:bodyPr/>
           <a:lstStyle/>
           <a:p>
+            <a:pPr>
+              <a:lnSpc>
+                <a:spcPct val="100000"/>
+              </a:lnSpc>
+            </a:pPr>
             <a:endParaRPr lang="en-US" dirty="0"/>
           </a:p>
           <a:p>
+            <a:pPr>
+              <a:lnSpc>
+                <a:spcPct val="100000"/>
+              </a:lnSpc>
+            </a:pPr>
             <a:r>
               <a:rPr lang="en-US" dirty="0"/>
               <a:t>Given a list of cities and the distances between each pair of cities, what is the shortest possible route that visits each city.</a:t>
             </a:r>
           </a:p>
           <a:p>
+            <a:pPr>
+              <a:lnSpc>
+                <a:spcPct val="100000"/>
+              </a:lnSpc>
+            </a:pPr>
             <a:r>
               <a:rPr lang="en-US" dirty="0"/>
               <a:t> Genetic algorithms are an evolutionary technique that use crossover and mutation operators to solve optimization problems using a survival of the fittest idea.</a:t>
             </a:r>
           </a:p>
           <a:p>
+            <a:pPr>
+              <a:lnSpc>
+                <a:spcPct val="100000"/>
+              </a:lnSpc>
+            </a:pPr>
             <a:r>
               <a:rPr lang="en-US" dirty="0"/>
               <a:t>The </a:t>
@@ -4694,7 +4694,7 @@
         <p:spPr>
           <a:xfrm>
             <a:off x="1069848" y="484632"/>
-            <a:ext cx="10058400" cy="678343"/>
+            <a:ext cx="3102923" cy="678343"/>
           </a:xfrm>
         </p:spPr>
         <p:txBody>
@@ -4742,55 +4742,6 @@
             <a:r>
               <a:rPr lang="en-US" dirty="0"/>
               <a:t>   </a:t>
-            </a:r>
-          </a:p>
-        </p:txBody>
-      </p:sp>
-      <p:sp>
-        <p:nvSpPr>
-          <p:cNvPr id="4" name="Rectangle 3">
-            <a:extLst>
-              <a:ext uri="{FF2B5EF4-FFF2-40B4-BE49-F238E27FC236}">
-                <a16:creationId xmlns:a16="http://schemas.microsoft.com/office/drawing/2014/main" id="{597130F3-EB48-47C2-A455-8A4B6A306046}"/>
-              </a:ext>
-            </a:extLst>
-          </p:cNvPr>
-          <p:cNvSpPr/>
-          <p:nvPr/>
-        </p:nvSpPr>
-        <p:spPr>
-          <a:xfrm>
-            <a:off x="4199138" y="442862"/>
-            <a:ext cx="4057095" cy="461638"/>
-          </a:xfrm>
-          <a:prstGeom prst="rect">
-            <a:avLst/>
-          </a:prstGeom>
-        </p:spPr>
-        <p:style>
-          <a:lnRef idx="2">
-            <a:schemeClr val="accent1">
-              <a:shade val="50000"/>
-            </a:schemeClr>
-          </a:lnRef>
-          <a:fillRef idx="1">
-            <a:schemeClr val="accent1"/>
-          </a:fillRef>
-          <a:effectRef idx="0">
-            <a:schemeClr val="accent1"/>
-          </a:effectRef>
-          <a:fontRef idx="minor">
-            <a:schemeClr val="lt1"/>
-          </a:fontRef>
-        </p:style>
-        <p:txBody>
-          <a:bodyPr rtlCol="0" anchor="ctr"/>
-          <a:lstStyle/>
-          <a:p>
-            <a:pPr algn="ctr"/>
-            <a:r>
-              <a:rPr lang="en-US" dirty="0"/>
-              <a:t>Generate genome using random sequences of genes</a:t>
             </a:r>
           </a:p>
         </p:txBody>
@@ -4811,8 +4762,8 @@
         </p:nvCxnSpPr>
         <p:spPr>
           <a:xfrm>
-            <a:off x="6090259" y="926695"/>
-            <a:ext cx="8789" cy="355106"/>
+            <a:off x="6265050" y="1441952"/>
+            <a:ext cx="7226" cy="305560"/>
           </a:xfrm>
           <a:prstGeom prst="straightConnector1">
             <a:avLst/>
@@ -4823,68 +4774,19 @@
         </p:spPr>
         <p:style>
           <a:lnRef idx="1">
-            <a:schemeClr val="accent1"/>
+            <a:schemeClr val="dk1"/>
           </a:lnRef>
           <a:fillRef idx="0">
-            <a:schemeClr val="accent1"/>
+            <a:schemeClr val="dk1"/>
           </a:fillRef>
           <a:effectRef idx="0">
-            <a:schemeClr val="accent1"/>
+            <a:schemeClr val="dk1"/>
           </a:effectRef>
           <a:fontRef idx="minor">
             <a:schemeClr val="tx1"/>
           </a:fontRef>
         </p:style>
       </p:cxnSp>
-      <p:sp>
-        <p:nvSpPr>
-          <p:cNvPr id="8" name="Rectangle 7">
-            <a:extLst>
-              <a:ext uri="{FF2B5EF4-FFF2-40B4-BE49-F238E27FC236}">
-                <a16:creationId xmlns:a16="http://schemas.microsoft.com/office/drawing/2014/main" id="{4FF572B7-9414-47C1-ABB4-FED135B23A37}"/>
-              </a:ext>
-            </a:extLst>
-          </p:cNvPr>
-          <p:cNvSpPr/>
-          <p:nvPr/>
-        </p:nvSpPr>
-        <p:spPr>
-          <a:xfrm>
-            <a:off x="3844031" y="1276160"/>
-            <a:ext cx="5007006" cy="488271"/>
-          </a:xfrm>
-          <a:prstGeom prst="rect">
-            <a:avLst/>
-          </a:prstGeom>
-        </p:spPr>
-        <p:style>
-          <a:lnRef idx="2">
-            <a:schemeClr val="accent1">
-              <a:shade val="50000"/>
-            </a:schemeClr>
-          </a:lnRef>
-          <a:fillRef idx="1">
-            <a:schemeClr val="accent1"/>
-          </a:fillRef>
-          <a:effectRef idx="0">
-            <a:schemeClr val="accent1"/>
-          </a:effectRef>
-          <a:fontRef idx="minor">
-            <a:schemeClr val="lt1"/>
-          </a:fontRef>
-        </p:style>
-        <p:txBody>
-          <a:bodyPr rtlCol="0" anchor="ctr"/>
-          <a:lstStyle/>
-          <a:p>
-            <a:pPr algn="ctr"/>
-            <a:r>
-              <a:rPr lang="en-US" dirty="0"/>
-              <a:t>Initiate Population by mapping genome to phenome(different routes of the cities)</a:t>
-            </a:r>
-          </a:p>
-        </p:txBody>
-      </p:sp>
       <p:cxnSp>
         <p:nvCxnSpPr>
           <p:cNvPr id="9" name="Straight Arrow Connector 8">
@@ -4901,8 +4803,8 @@
         </p:nvCxnSpPr>
         <p:spPr>
           <a:xfrm>
-            <a:off x="6112365" y="1643516"/>
-            <a:ext cx="8789" cy="355106"/>
+            <a:off x="6283224" y="2058759"/>
+            <a:ext cx="7226" cy="305560"/>
           </a:xfrm>
           <a:prstGeom prst="straightConnector1">
             <a:avLst/>
@@ -4913,68 +4815,19 @@
         </p:spPr>
         <p:style>
           <a:lnRef idx="1">
-            <a:schemeClr val="accent1"/>
+            <a:schemeClr val="dk1"/>
           </a:lnRef>
           <a:fillRef idx="0">
-            <a:schemeClr val="accent1"/>
+            <a:schemeClr val="dk1"/>
           </a:fillRef>
           <a:effectRef idx="0">
-            <a:schemeClr val="accent1"/>
+            <a:schemeClr val="dk1"/>
           </a:effectRef>
           <a:fontRef idx="minor">
             <a:schemeClr val="tx1"/>
           </a:fontRef>
         </p:style>
       </p:cxnSp>
-      <p:sp>
-        <p:nvSpPr>
-          <p:cNvPr id="10" name="Rectangle 9">
-            <a:extLst>
-              <a:ext uri="{FF2B5EF4-FFF2-40B4-BE49-F238E27FC236}">
-                <a16:creationId xmlns:a16="http://schemas.microsoft.com/office/drawing/2014/main" id="{C3CDD65F-E61C-4A2A-90B9-94A9A909F483}"/>
-              </a:ext>
-            </a:extLst>
-          </p:cNvPr>
-          <p:cNvSpPr/>
-          <p:nvPr/>
-        </p:nvSpPr>
-        <p:spPr>
-          <a:xfrm>
-            <a:off x="3844031" y="1997013"/>
-            <a:ext cx="5007006" cy="448322"/>
-          </a:xfrm>
-          <a:prstGeom prst="rect">
-            <a:avLst/>
-          </a:prstGeom>
-        </p:spPr>
-        <p:style>
-          <a:lnRef idx="2">
-            <a:schemeClr val="accent1">
-              <a:shade val="50000"/>
-            </a:schemeClr>
-          </a:lnRef>
-          <a:fillRef idx="1">
-            <a:schemeClr val="accent1"/>
-          </a:fillRef>
-          <a:effectRef idx="0">
-            <a:schemeClr val="accent1"/>
-          </a:effectRef>
-          <a:fontRef idx="minor">
-            <a:schemeClr val="lt1"/>
-          </a:fontRef>
-        </p:style>
-        <p:txBody>
-          <a:bodyPr rtlCol="0" anchor="ctr"/>
-          <a:lstStyle/>
-          <a:p>
-            <a:pPr algn="ctr"/>
-            <a:r>
-              <a:rPr lang="en-US" dirty="0"/>
-              <a:t>Evaluate fitness and distance of each child in the population and sort the population</a:t>
-            </a:r>
-          </a:p>
-        </p:txBody>
-      </p:sp>
       <p:sp>
         <p:nvSpPr>
           <p:cNvPr id="12" name="Rectangle 11">
@@ -4989,24 +4842,30 @@
         </p:nvSpPr>
         <p:spPr>
           <a:xfrm>
-            <a:off x="3761892" y="3892291"/>
-            <a:ext cx="5007006" cy="801191"/>
+            <a:off x="4350820" y="3993778"/>
+            <a:ext cx="4116429" cy="689406"/>
           </a:xfrm>
           <a:prstGeom prst="rect">
             <a:avLst/>
           </a:prstGeom>
+          <a:solidFill>
+            <a:schemeClr val="dk1">
+              <a:alpha val="50000"/>
+            </a:schemeClr>
+          </a:solidFill>
+          <a:ln>
+            <a:noFill/>
+          </a:ln>
         </p:spPr>
         <p:style>
-          <a:lnRef idx="2">
-            <a:schemeClr val="accent1">
-              <a:shade val="50000"/>
-            </a:schemeClr>
+          <a:lnRef idx="0">
+            <a:scrgbClr r="0" g="0" b="0"/>
           </a:lnRef>
-          <a:fillRef idx="1">
-            <a:schemeClr val="accent1"/>
+          <a:fillRef idx="0">
+            <a:scrgbClr r="0" g="0" b="0"/>
           </a:fillRef>
           <a:effectRef idx="0">
-            <a:schemeClr val="accent1"/>
+            <a:scrgbClr r="0" g="0" b="0"/>
           </a:effectRef>
           <a:fontRef idx="minor">
             <a:schemeClr val="lt1"/>
@@ -5018,7 +4877,11 @@
           <a:p>
             <a:pPr algn="ctr"/>
             <a:r>
-              <a:rPr lang="en-US" dirty="0"/>
+              <a:rPr lang="en-US" sz="1200" dirty="0">
+                <a:solidFill>
+                  <a:schemeClr val="bg1"/>
+                </a:solidFill>
+              </a:rPr>
               <a:t>Select Parents for the next generation by picking top phenome(routes ) from the current generation</a:t>
             </a:r>
           </a:p>
@@ -5040,8 +4903,8 @@
         </p:nvCxnSpPr>
         <p:spPr>
           <a:xfrm>
-            <a:off x="6081470" y="4671872"/>
-            <a:ext cx="8789" cy="355106"/>
+            <a:off x="6257824" y="4664590"/>
+            <a:ext cx="7226" cy="305560"/>
           </a:xfrm>
           <a:prstGeom prst="straightConnector1">
             <a:avLst/>
@@ -5052,13 +4915,13 @@
         </p:spPr>
         <p:style>
           <a:lnRef idx="1">
-            <a:schemeClr val="accent1"/>
+            <a:schemeClr val="dk1"/>
           </a:lnRef>
           <a:fillRef idx="0">
-            <a:schemeClr val="accent1"/>
+            <a:schemeClr val="dk1"/>
           </a:fillRef>
           <a:effectRef idx="0">
-            <a:schemeClr val="accent1"/>
+            <a:schemeClr val="dk1"/>
           </a:effectRef>
           <a:fontRef idx="minor">
             <a:schemeClr val="tx1"/>
@@ -5079,24 +4942,30 @@
         </p:nvSpPr>
         <p:spPr>
           <a:xfrm>
-            <a:off x="3759652" y="5018174"/>
-            <a:ext cx="5007006" cy="737971"/>
+            <a:off x="4348979" y="4962574"/>
+            <a:ext cx="4116429" cy="635007"/>
           </a:xfrm>
           <a:prstGeom prst="rect">
             <a:avLst/>
           </a:prstGeom>
+          <a:solidFill>
+            <a:schemeClr val="dk1">
+              <a:alpha val="50000"/>
+            </a:schemeClr>
+          </a:solidFill>
+          <a:ln>
+            <a:noFill/>
+          </a:ln>
         </p:spPr>
         <p:style>
-          <a:lnRef idx="2">
-            <a:schemeClr val="accent1">
-              <a:shade val="50000"/>
-            </a:schemeClr>
+          <a:lnRef idx="0">
+            <a:scrgbClr r="0" g="0" b="0"/>
           </a:lnRef>
-          <a:fillRef idx="1">
-            <a:schemeClr val="accent1"/>
+          <a:fillRef idx="0">
+            <a:scrgbClr r="0" g="0" b="0"/>
           </a:fillRef>
           <a:effectRef idx="0">
-            <a:schemeClr val="accent1"/>
+            <a:scrgbClr r="0" g="0" b="0"/>
           </a:effectRef>
           <a:fontRef idx="minor">
             <a:schemeClr val="lt1"/>
@@ -5108,7 +4977,11 @@
           <a:p>
             <a:pPr algn="ctr"/>
             <a:r>
-              <a:rPr lang="en-US" dirty="0"/>
+              <a:rPr lang="en-US" sz="1200" dirty="0">
+                <a:solidFill>
+                  <a:schemeClr val="bg1"/>
+                </a:solidFill>
+              </a:rPr>
               <a:t>Generate next generation’s genome by crossover between top selected parents of current generation</a:t>
             </a:r>
           </a:p>
@@ -5130,8 +5003,8 @@
         </p:nvCxnSpPr>
         <p:spPr>
           <a:xfrm>
-            <a:off x="6098914" y="5785332"/>
-            <a:ext cx="8789" cy="355106"/>
+            <a:off x="6272165" y="5622696"/>
+            <a:ext cx="7226" cy="305560"/>
           </a:xfrm>
           <a:prstGeom prst="straightConnector1">
             <a:avLst/>
@@ -5142,13 +5015,13 @@
         </p:spPr>
         <p:style>
           <a:lnRef idx="1">
-            <a:schemeClr val="accent1"/>
+            <a:schemeClr val="dk1"/>
           </a:lnRef>
           <a:fillRef idx="0">
-            <a:schemeClr val="accent1"/>
+            <a:schemeClr val="dk1"/>
           </a:fillRef>
           <a:effectRef idx="0">
-            <a:schemeClr val="accent1"/>
+            <a:schemeClr val="dk1"/>
           </a:effectRef>
           <a:fontRef idx="minor">
             <a:schemeClr val="tx1"/>
@@ -5169,24 +5042,30 @@
         </p:nvSpPr>
         <p:spPr>
           <a:xfrm>
-            <a:off x="3724182" y="6119463"/>
-            <a:ext cx="5007006" cy="463873"/>
+            <a:off x="4319818" y="5910208"/>
+            <a:ext cx="4116429" cy="399152"/>
           </a:xfrm>
           <a:prstGeom prst="rect">
             <a:avLst/>
           </a:prstGeom>
+          <a:solidFill>
+            <a:schemeClr val="dk1">
+              <a:alpha val="50000"/>
+            </a:schemeClr>
+          </a:solidFill>
+          <a:ln>
+            <a:noFill/>
+          </a:ln>
         </p:spPr>
         <p:style>
-          <a:lnRef idx="2">
-            <a:schemeClr val="accent1">
-              <a:shade val="50000"/>
-            </a:schemeClr>
+          <a:lnRef idx="0">
+            <a:scrgbClr r="0" g="0" b="0"/>
           </a:lnRef>
-          <a:fillRef idx="1">
-            <a:schemeClr val="accent1"/>
+          <a:fillRef idx="0">
+            <a:scrgbClr r="0" g="0" b="0"/>
           </a:fillRef>
           <a:effectRef idx="0">
-            <a:schemeClr val="accent1"/>
+            <a:scrgbClr r="0" g="0" b="0"/>
           </a:effectRef>
           <a:fontRef idx="minor">
             <a:schemeClr val="lt1"/>
@@ -5198,57 +5077,12 @@
           <a:p>
             <a:pPr algn="ctr"/>
             <a:r>
-              <a:rPr lang="en-US" dirty="0"/>
+              <a:rPr lang="en-US" sz="1200" dirty="0">
+                <a:solidFill>
+                  <a:schemeClr val="bg1"/>
+                </a:solidFill>
+              </a:rPr>
               <a:t>Generate new generation based on the new genome</a:t>
-            </a:r>
-          </a:p>
-        </p:txBody>
-      </p:sp>
-      <p:sp>
-        <p:nvSpPr>
-          <p:cNvPr id="19" name="Rectangle 18">
-            <a:extLst>
-              <a:ext uri="{FF2B5EF4-FFF2-40B4-BE49-F238E27FC236}">
-                <a16:creationId xmlns:a16="http://schemas.microsoft.com/office/drawing/2014/main" id="{A8D7AF3B-B565-4855-A6F6-B5A43823311C}"/>
-              </a:ext>
-            </a:extLst>
-          </p:cNvPr>
-          <p:cNvSpPr/>
-          <p:nvPr/>
-        </p:nvSpPr>
-        <p:spPr>
-          <a:xfrm>
-            <a:off x="9024065" y="2716569"/>
-            <a:ext cx="1624613" cy="1180728"/>
-          </a:xfrm>
-          <a:prstGeom prst="rect">
-            <a:avLst/>
-          </a:prstGeom>
-        </p:spPr>
-        <p:style>
-          <a:lnRef idx="2">
-            <a:schemeClr val="accent1">
-              <a:shade val="50000"/>
-            </a:schemeClr>
-          </a:lnRef>
-          <a:fillRef idx="1">
-            <a:schemeClr val="accent1"/>
-          </a:fillRef>
-          <a:effectRef idx="0">
-            <a:schemeClr val="accent1"/>
-          </a:effectRef>
-          <a:fontRef idx="minor">
-            <a:schemeClr val="lt1"/>
-          </a:fontRef>
-        </p:style>
-        <p:txBody>
-          <a:bodyPr rtlCol="0" anchor="ctr"/>
-          <a:lstStyle/>
-          <a:p>
-            <a:pPr algn="ctr"/>
-            <a:r>
-              <a:rPr lang="en-US" dirty="0"/>
-              <a:t>New Generation </a:t>
             </a:r>
           </a:p>
         </p:txBody>
@@ -5269,8 +5103,8 @@
         </p:nvCxnSpPr>
         <p:spPr>
           <a:xfrm>
-            <a:off x="8327210" y="6238775"/>
-            <a:ext cx="1509161" cy="0"/>
+            <a:off x="8104123" y="6012873"/>
+            <a:ext cx="1240732" cy="0"/>
           </a:xfrm>
           <a:prstGeom prst="straightConnector1">
             <a:avLst/>
@@ -5281,185 +5115,13 @@
         </p:spPr>
         <p:style>
           <a:lnRef idx="1">
-            <a:schemeClr val="accent1"/>
+            <a:schemeClr val="dk1"/>
           </a:lnRef>
           <a:fillRef idx="0">
-            <a:schemeClr val="accent1"/>
+            <a:schemeClr val="dk1"/>
           </a:fillRef>
           <a:effectRef idx="0">
-            <a:schemeClr val="accent1"/>
-          </a:effectRef>
-          <a:fontRef idx="minor">
-            <a:schemeClr val="tx1"/>
-          </a:fontRef>
-        </p:style>
-      </p:cxnSp>
-      <p:cxnSp>
-        <p:nvCxnSpPr>
-          <p:cNvPr id="23" name="Straight Arrow Connector 22">
-            <a:extLst>
-              <a:ext uri="{FF2B5EF4-FFF2-40B4-BE49-F238E27FC236}">
-                <a16:creationId xmlns:a16="http://schemas.microsoft.com/office/drawing/2014/main" id="{09A4C842-5F3A-46D3-91E2-F23BDE99309F}"/>
-              </a:ext>
-            </a:extLst>
-          </p:cNvPr>
-          <p:cNvCxnSpPr>
-            <a:cxnSpLocks/>
-            <a:endCxn id="19" idx="2"/>
-          </p:cNvCxnSpPr>
-          <p:nvPr/>
-        </p:nvCxnSpPr>
-        <p:spPr>
-          <a:xfrm flipV="1">
-            <a:off x="9836371" y="3897297"/>
-            <a:ext cx="1" cy="2341478"/>
-          </a:xfrm>
-          <a:prstGeom prst="straightConnector1">
-            <a:avLst/>
-          </a:prstGeom>
-          <a:ln>
-            <a:tailEnd type="triangle"/>
-          </a:ln>
-        </p:spPr>
-        <p:style>
-          <a:lnRef idx="1">
-            <a:schemeClr val="accent1"/>
-          </a:lnRef>
-          <a:fillRef idx="0">
-            <a:schemeClr val="accent1"/>
-          </a:fillRef>
-          <a:effectRef idx="0">
-            <a:schemeClr val="accent1"/>
-          </a:effectRef>
-          <a:fontRef idx="minor">
-            <a:schemeClr val="tx1"/>
-          </a:fontRef>
-        </p:style>
-      </p:cxnSp>
-      <p:cxnSp>
-        <p:nvCxnSpPr>
-          <p:cNvPr id="28" name="Straight Arrow Connector 27">
-            <a:extLst>
-              <a:ext uri="{FF2B5EF4-FFF2-40B4-BE49-F238E27FC236}">
-                <a16:creationId xmlns:a16="http://schemas.microsoft.com/office/drawing/2014/main" id="{BFA3EE37-2D22-494A-A734-8A5D1959C36F}"/>
-              </a:ext>
-            </a:extLst>
-          </p:cNvPr>
-          <p:cNvCxnSpPr/>
-          <p:nvPr/>
-        </p:nvCxnSpPr>
-        <p:spPr>
-          <a:xfrm>
-            <a:off x="2086252" y="5202315"/>
-            <a:ext cx="0" cy="0"/>
-          </a:xfrm>
-          <a:prstGeom prst="straightConnector1">
-            <a:avLst/>
-          </a:prstGeom>
-          <a:ln>
-            <a:tailEnd type="triangle"/>
-          </a:ln>
-        </p:spPr>
-        <p:style>
-          <a:lnRef idx="1">
-            <a:schemeClr val="accent1"/>
-          </a:lnRef>
-          <a:fillRef idx="0">
-            <a:schemeClr val="accent1"/>
-          </a:fillRef>
-          <a:effectRef idx="0">
-            <a:schemeClr val="accent1"/>
-          </a:effectRef>
-          <a:fontRef idx="minor">
-            <a:schemeClr val="tx1"/>
-          </a:fontRef>
-        </p:style>
-      </p:cxnSp>
-      <p:sp>
-        <p:nvSpPr>
-          <p:cNvPr id="29" name="Diamond 28">
-            <a:extLst>
-              <a:ext uri="{FF2B5EF4-FFF2-40B4-BE49-F238E27FC236}">
-                <a16:creationId xmlns:a16="http://schemas.microsoft.com/office/drawing/2014/main" id="{C7FA8993-904A-41E7-B9FC-A4E6AEE58E67}"/>
-              </a:ext>
-            </a:extLst>
-          </p:cNvPr>
-          <p:cNvSpPr/>
-          <p:nvPr/>
-        </p:nvSpPr>
-        <p:spPr>
-          <a:xfrm>
-            <a:off x="4813895" y="2667734"/>
-            <a:ext cx="2614518" cy="839432"/>
-          </a:xfrm>
-          <a:prstGeom prst="diamond">
-            <a:avLst/>
-          </a:prstGeom>
-        </p:spPr>
-        <p:style>
-          <a:lnRef idx="2">
-            <a:schemeClr val="accent1">
-              <a:shade val="50000"/>
-            </a:schemeClr>
-          </a:lnRef>
-          <a:fillRef idx="1">
-            <a:schemeClr val="accent1"/>
-          </a:fillRef>
-          <a:effectRef idx="0">
-            <a:schemeClr val="accent1"/>
-          </a:effectRef>
-          <a:fontRef idx="minor">
-            <a:schemeClr val="lt1"/>
-          </a:fontRef>
-        </p:style>
-        <p:txBody>
-          <a:bodyPr rtlCol="0" anchor="ctr"/>
-          <a:lstStyle/>
-          <a:p>
-            <a:pPr algn="ctr"/>
-            <a:r>
-              <a:rPr lang="en-US" dirty="0"/>
-              <a:t>Optimal solution met?</a:t>
-            </a:r>
-          </a:p>
-        </p:txBody>
-      </p:sp>
-      <p:cxnSp>
-        <p:nvCxnSpPr>
-          <p:cNvPr id="31" name="Straight Arrow Connector 30">
-            <a:extLst>
-              <a:ext uri="{FF2B5EF4-FFF2-40B4-BE49-F238E27FC236}">
-                <a16:creationId xmlns:a16="http://schemas.microsoft.com/office/drawing/2014/main" id="{1E274D27-E991-4F6D-A159-359576913D98}"/>
-              </a:ext>
-            </a:extLst>
-          </p:cNvPr>
-          <p:cNvCxnSpPr>
-            <a:cxnSpLocks/>
-            <a:endCxn id="29" idx="0"/>
-          </p:cNvCxnSpPr>
-          <p:nvPr/>
-        </p:nvCxnSpPr>
-        <p:spPr>
-          <a:xfrm>
-            <a:off x="6119046" y="2330942"/>
-            <a:ext cx="2108" cy="336792"/>
-          </a:xfrm>
-          <a:prstGeom prst="straightConnector1">
-            <a:avLst/>
-          </a:prstGeom>
-          <a:ln>
-            <a:tailEnd type="triangle"/>
-          </a:ln>
-        </p:spPr>
-        <p:style>
-          <a:lnRef idx="1">
-            <a:schemeClr val="accent1"/>
-          </a:lnRef>
-          <a:fillRef idx="0">
-            <a:schemeClr val="accent1"/>
-          </a:fillRef>
-          <a:effectRef idx="0">
-            <a:schemeClr val="accent1"/>
+            <a:schemeClr val="dk1"/>
           </a:effectRef>
           <a:fontRef idx="minor">
             <a:schemeClr val="tx1"/>
@@ -5477,14 +5139,13 @@
           </p:cNvPr>
           <p:cNvCxnSpPr>
             <a:cxnSpLocks/>
-            <a:stCxn id="29" idx="2"/>
           </p:cNvCxnSpPr>
           <p:nvPr/>
         </p:nvCxnSpPr>
         <p:spPr>
           <a:xfrm flipH="1">
-            <a:off x="6112366" y="3507166"/>
-            <a:ext cx="8788" cy="385125"/>
+            <a:off x="6283224" y="3662387"/>
+            <a:ext cx="7225" cy="331391"/>
           </a:xfrm>
           <a:prstGeom prst="straightConnector1">
             <a:avLst/>
@@ -5495,13 +5156,13 @@
         </p:spPr>
         <p:style>
           <a:lnRef idx="1">
-            <a:schemeClr val="accent1"/>
+            <a:schemeClr val="dk1"/>
           </a:lnRef>
           <a:fillRef idx="0">
-            <a:schemeClr val="accent1"/>
+            <a:schemeClr val="dk1"/>
           </a:fillRef>
           <a:effectRef idx="0">
-            <a:schemeClr val="accent1"/>
+            <a:schemeClr val="dk1"/>
           </a:effectRef>
           <a:fontRef idx="minor">
             <a:schemeClr val="tx1"/>
@@ -5522,27 +5183,30 @@
         </p:nvSpPr>
         <p:spPr>
           <a:xfrm>
-            <a:off x="5792394" y="3592947"/>
-            <a:ext cx="692459" cy="136618"/>
+            <a:off x="6020165" y="3736200"/>
+            <a:ext cx="569294" cy="117557"/>
           </a:xfrm>
           <a:prstGeom prst="rect">
             <a:avLst/>
           </a:prstGeom>
           <a:solidFill>
-            <a:schemeClr val="bg1"/>
+            <a:schemeClr val="dk1">
+              <a:alpha val="50000"/>
+            </a:schemeClr>
           </a:solidFill>
+          <a:ln>
+            <a:noFill/>
+          </a:ln>
         </p:spPr>
         <p:style>
-          <a:lnRef idx="2">
-            <a:schemeClr val="accent1">
-              <a:shade val="50000"/>
-            </a:schemeClr>
+          <a:lnRef idx="0">
+            <a:scrgbClr r="0" g="0" b="0"/>
           </a:lnRef>
-          <a:fillRef idx="1">
-            <a:schemeClr val="accent1"/>
+          <a:fillRef idx="0">
+            <a:scrgbClr r="0" g="0" b="0"/>
           </a:fillRef>
           <a:effectRef idx="0">
-            <a:schemeClr val="accent1"/>
+            <a:scrgbClr r="0" g="0" b="0"/>
           </a:effectRef>
           <a:fontRef idx="minor">
             <a:schemeClr val="lt1"/>
@@ -5554,9 +5218,9 @@
           <a:p>
             <a:pPr algn="ctr"/>
             <a:r>
-              <a:rPr lang="en-US" dirty="0">
+              <a:rPr lang="en-US" sz="1200" dirty="0">
                 <a:solidFill>
-                  <a:schemeClr val="tx1"/>
+                  <a:schemeClr val="bg1"/>
                 </a:solidFill>
               </a:rPr>
               <a:t>NO</a:t>
@@ -5575,14 +5239,13 @@
           </p:cNvPr>
           <p:cNvCxnSpPr>
             <a:cxnSpLocks/>
-            <a:endCxn id="29" idx="1"/>
           </p:cNvCxnSpPr>
           <p:nvPr/>
         </p:nvCxnSpPr>
         <p:spPr>
           <a:xfrm flipV="1">
-            <a:off x="4813895" y="3087450"/>
-            <a:ext cx="0" cy="24168"/>
+            <a:off x="5215708" y="3301231"/>
+            <a:ext cx="0" cy="20796"/>
           </a:xfrm>
           <a:prstGeom prst="straightConnector1">
             <a:avLst/>
@@ -5593,13 +5256,13 @@
         </p:spPr>
         <p:style>
           <a:lnRef idx="1">
-            <a:schemeClr val="accent1"/>
+            <a:schemeClr val="dk1"/>
           </a:lnRef>
           <a:fillRef idx="0">
-            <a:schemeClr val="accent1"/>
+            <a:schemeClr val="dk1"/>
           </a:fillRef>
           <a:effectRef idx="0">
-            <a:schemeClr val="accent1"/>
+            <a:schemeClr val="dk1"/>
           </a:effectRef>
           <a:fontRef idx="minor">
             <a:schemeClr val="tx1"/>
@@ -5622,8 +5285,8 @@
         </p:nvCxnSpPr>
         <p:spPr>
           <a:xfrm flipH="1">
-            <a:off x="2938509" y="3111616"/>
-            <a:ext cx="1811046" cy="0"/>
+            <a:off x="3673889" y="3322025"/>
+            <a:ext cx="1488922" cy="0"/>
           </a:xfrm>
           <a:prstGeom prst="straightConnector1">
             <a:avLst/>
@@ -5634,13 +5297,13 @@
         </p:spPr>
         <p:style>
           <a:lnRef idx="1">
-            <a:schemeClr val="accent1"/>
+            <a:schemeClr val="dk1"/>
           </a:lnRef>
           <a:fillRef idx="0">
-            <a:schemeClr val="accent1"/>
+            <a:schemeClr val="dk1"/>
           </a:fillRef>
           <a:effectRef idx="0">
-            <a:schemeClr val="accent1"/>
+            <a:schemeClr val="dk1"/>
           </a:effectRef>
           <a:fontRef idx="minor">
             <a:schemeClr val="tx1"/>
@@ -5663,8 +5326,8 @@
         </p:nvCxnSpPr>
         <p:spPr>
           <a:xfrm>
-            <a:off x="2938509" y="3111616"/>
-            <a:ext cx="0" cy="698829"/>
+            <a:off x="3673889" y="3322025"/>
+            <a:ext cx="0" cy="601326"/>
           </a:xfrm>
           <a:prstGeom prst="straightConnector1">
             <a:avLst/>
@@ -5675,13 +5338,13 @@
         </p:spPr>
         <p:style>
           <a:lnRef idx="1">
-            <a:schemeClr val="accent1"/>
+            <a:schemeClr val="dk1"/>
           </a:lnRef>
           <a:fillRef idx="0">
-            <a:schemeClr val="accent1"/>
+            <a:schemeClr val="dk1"/>
           </a:fillRef>
           <a:effectRef idx="0">
-            <a:schemeClr val="accent1"/>
+            <a:schemeClr val="dk1"/>
           </a:effectRef>
           <a:fontRef idx="minor">
             <a:schemeClr val="tx1"/>
@@ -5702,24 +5365,30 @@
         </p:nvSpPr>
         <p:spPr>
           <a:xfrm>
-            <a:off x="2153235" y="3810445"/>
-            <a:ext cx="1518034" cy="883037"/>
+            <a:off x="3028289" y="3923352"/>
+            <a:ext cx="1248027" cy="759833"/>
           </a:xfrm>
           <a:prstGeom prst="rect">
             <a:avLst/>
           </a:prstGeom>
+          <a:solidFill>
+            <a:schemeClr val="dk1">
+              <a:alpha val="50000"/>
+            </a:schemeClr>
+          </a:solidFill>
+          <a:ln>
+            <a:noFill/>
+          </a:ln>
         </p:spPr>
         <p:style>
-          <a:lnRef idx="2">
-            <a:schemeClr val="accent1">
-              <a:shade val="50000"/>
-            </a:schemeClr>
+          <a:lnRef idx="0">
+            <a:scrgbClr r="0" g="0" b="0"/>
           </a:lnRef>
-          <a:fillRef idx="1">
-            <a:schemeClr val="accent1"/>
+          <a:fillRef idx="0">
+            <a:scrgbClr r="0" g="0" b="0"/>
           </a:fillRef>
           <a:effectRef idx="0">
-            <a:schemeClr val="accent1"/>
+            <a:scrgbClr r="0" g="0" b="0"/>
           </a:effectRef>
           <a:fontRef idx="minor">
             <a:schemeClr val="lt1"/>
@@ -5731,7 +5400,11 @@
           <a:p>
             <a:pPr algn="ctr"/>
             <a:r>
-              <a:rPr lang="en-US" dirty="0"/>
+              <a:rPr lang="en-US" sz="1200" dirty="0">
+                <a:solidFill>
+                  <a:schemeClr val="bg1"/>
+                </a:solidFill>
+              </a:rPr>
               <a:t>Best Route Found</a:t>
             </a:r>
           </a:p>
@@ -5751,8 +5424,8 @@
         </p:nvCxnSpPr>
         <p:spPr>
           <a:xfrm>
-            <a:off x="2875292" y="4745110"/>
-            <a:ext cx="0" cy="563737"/>
+            <a:off x="3621916" y="4727609"/>
+            <a:ext cx="0" cy="485083"/>
           </a:xfrm>
           <a:prstGeom prst="straightConnector1">
             <a:avLst/>
@@ -5763,13 +5436,13 @@
         </p:spPr>
         <p:style>
           <a:lnRef idx="1">
-            <a:schemeClr val="accent1"/>
+            <a:schemeClr val="dk1"/>
           </a:lnRef>
           <a:fillRef idx="0">
-            <a:schemeClr val="accent1"/>
+            <a:schemeClr val="dk1"/>
           </a:fillRef>
           <a:effectRef idx="0">
-            <a:schemeClr val="accent1"/>
+            <a:schemeClr val="dk1"/>
           </a:effectRef>
           <a:fontRef idx="minor">
             <a:schemeClr val="tx1"/>
@@ -5790,24 +5463,30 @@
         </p:nvSpPr>
         <p:spPr>
           <a:xfrm>
-            <a:off x="2379216" y="5308847"/>
-            <a:ext cx="932155" cy="473825"/>
+            <a:off x="3214076" y="5212692"/>
+            <a:ext cx="766356" cy="407715"/>
           </a:xfrm>
           <a:prstGeom prst="rect">
             <a:avLst/>
           </a:prstGeom>
+          <a:solidFill>
+            <a:schemeClr val="dk1">
+              <a:alpha val="50000"/>
+            </a:schemeClr>
+          </a:solidFill>
+          <a:ln>
+            <a:noFill/>
+          </a:ln>
         </p:spPr>
         <p:style>
-          <a:lnRef idx="2">
-            <a:schemeClr val="accent1">
-              <a:shade val="50000"/>
-            </a:schemeClr>
+          <a:lnRef idx="0">
+            <a:scrgbClr r="0" g="0" b="0"/>
           </a:lnRef>
-          <a:fillRef idx="1">
-            <a:schemeClr val="accent1"/>
+          <a:fillRef idx="0">
+            <a:scrgbClr r="0" g="0" b="0"/>
           </a:fillRef>
           <a:effectRef idx="0">
-            <a:schemeClr val="accent1"/>
+            <a:scrgbClr r="0" g="0" b="0"/>
           </a:effectRef>
           <a:fontRef idx="minor">
             <a:schemeClr val="lt1"/>
@@ -5819,7 +5498,11 @@
           <a:p>
             <a:pPr algn="ctr"/>
             <a:r>
-              <a:rPr lang="en-US" dirty="0"/>
+              <a:rPr lang="en-US" sz="1200" dirty="0">
+                <a:solidFill>
+                  <a:schemeClr val="bg1"/>
+                </a:solidFill>
+              </a:rPr>
               <a:t>END</a:t>
             </a:r>
           </a:p>
@@ -5827,10 +5510,10 @@
       </p:sp>
       <p:sp>
         <p:nvSpPr>
-          <p:cNvPr id="52" name="Rectangle 51">
+          <p:cNvPr id="30" name="Rectangle 29">
             <a:extLst>
               <a:ext uri="{FF2B5EF4-FFF2-40B4-BE49-F238E27FC236}">
-                <a16:creationId xmlns:a16="http://schemas.microsoft.com/office/drawing/2014/main" id="{F9DE075D-EC66-4689-A01D-4BE3BBF7783A}"/>
+                <a16:creationId xmlns:a16="http://schemas.microsoft.com/office/drawing/2014/main" id="{70855347-2EA9-400F-84CD-D41E6B1DE335}"/>
               </a:ext>
             </a:extLst>
           </p:cNvPr>
@@ -5839,27 +5522,28 @@
         </p:nvSpPr>
         <p:spPr>
           <a:xfrm>
-            <a:off x="3451104" y="2939765"/>
-            <a:ext cx="692459" cy="335675"/>
+            <a:off x="4399248" y="966706"/>
+            <a:ext cx="4116429" cy="397229"/>
           </a:xfrm>
           <a:prstGeom prst="rect">
             <a:avLst/>
           </a:prstGeom>
           <a:solidFill>
-            <a:schemeClr val="bg1"/>
+            <a:srgbClr val="408CBF"/>
           </a:solidFill>
+          <a:ln>
+            <a:noFill/>
+          </a:ln>
         </p:spPr>
         <p:style>
-          <a:lnRef idx="2">
-            <a:schemeClr val="accent1">
-              <a:shade val="50000"/>
-            </a:schemeClr>
+          <a:lnRef idx="0">
+            <a:scrgbClr r="0" g="0" b="0"/>
           </a:lnRef>
-          <a:fillRef idx="1">
-            <a:schemeClr val="accent1"/>
+          <a:fillRef idx="0">
+            <a:scrgbClr r="0" g="0" b="0"/>
           </a:fillRef>
           <a:effectRef idx="0">
-            <a:schemeClr val="accent1"/>
+            <a:scrgbClr r="0" g="0" b="0"/>
           </a:effectRef>
           <a:fontRef idx="minor">
             <a:schemeClr val="lt1"/>
@@ -5871,9 +5555,1048 @@
           <a:p>
             <a:pPr algn="ctr"/>
             <a:r>
-              <a:rPr lang="en-US" dirty="0">
+              <a:rPr lang="en-US" sz="1200" dirty="0">
                 <a:solidFill>
-                  <a:schemeClr val="tx1"/>
+                  <a:schemeClr val="bg1"/>
+                </a:solidFill>
+              </a:rPr>
+              <a:t>Generate genome using random sequences of genes</a:t>
+            </a:r>
+          </a:p>
+        </p:txBody>
+      </p:sp>
+      <p:cxnSp>
+        <p:nvCxnSpPr>
+          <p:cNvPr id="32" name="Straight Arrow Connector 31">
+            <a:extLst>
+              <a:ext uri="{FF2B5EF4-FFF2-40B4-BE49-F238E27FC236}">
+                <a16:creationId xmlns:a16="http://schemas.microsoft.com/office/drawing/2014/main" id="{1E8FA2D6-A7B5-4B3B-9650-82565E029BE1}"/>
+              </a:ext>
+            </a:extLst>
+          </p:cNvPr>
+          <p:cNvCxnSpPr>
+            <a:cxnSpLocks/>
+          </p:cNvCxnSpPr>
+          <p:nvPr/>
+        </p:nvCxnSpPr>
+        <p:spPr>
+          <a:xfrm>
+            <a:off x="6265050" y="1426820"/>
+            <a:ext cx="7226" cy="305560"/>
+          </a:xfrm>
+          <a:prstGeom prst="straightConnector1">
+            <a:avLst/>
+          </a:prstGeom>
+          <a:ln>
+            <a:tailEnd type="triangle"/>
+          </a:ln>
+        </p:spPr>
+        <p:style>
+          <a:lnRef idx="1">
+            <a:schemeClr val="dk1"/>
+          </a:lnRef>
+          <a:fillRef idx="0">
+            <a:schemeClr val="dk1"/>
+          </a:fillRef>
+          <a:effectRef idx="0">
+            <a:schemeClr val="dk1"/>
+          </a:effectRef>
+          <a:fontRef idx="minor">
+            <a:schemeClr val="tx1"/>
+          </a:fontRef>
+        </p:style>
+      </p:cxnSp>
+      <p:sp>
+        <p:nvSpPr>
+          <p:cNvPr id="33" name="Rectangle 32">
+            <a:extLst>
+              <a:ext uri="{FF2B5EF4-FFF2-40B4-BE49-F238E27FC236}">
+                <a16:creationId xmlns:a16="http://schemas.microsoft.com/office/drawing/2014/main" id="{5BA335BE-B040-4A55-855E-FD18F4B93301}"/>
+              </a:ext>
+            </a:extLst>
+          </p:cNvPr>
+          <p:cNvSpPr/>
+          <p:nvPr/>
+        </p:nvSpPr>
+        <p:spPr>
+          <a:xfrm>
+            <a:off x="4399248" y="1666465"/>
+            <a:ext cx="4116429" cy="420146"/>
+          </a:xfrm>
+          <a:prstGeom prst="rect">
+            <a:avLst/>
+          </a:prstGeom>
+          <a:solidFill>
+            <a:srgbClr val="408CBF"/>
+          </a:solidFill>
+          <a:ln>
+            <a:noFill/>
+          </a:ln>
+        </p:spPr>
+        <p:style>
+          <a:lnRef idx="0">
+            <a:scrgbClr r="0" g="0" b="0"/>
+          </a:lnRef>
+          <a:fillRef idx="0">
+            <a:scrgbClr r="0" g="0" b="0"/>
+          </a:fillRef>
+          <a:effectRef idx="0">
+            <a:scrgbClr r="0" g="0" b="0"/>
+          </a:effectRef>
+          <a:fontRef idx="minor">
+            <a:schemeClr val="lt1"/>
+          </a:fontRef>
+        </p:style>
+        <p:txBody>
+          <a:bodyPr rtlCol="0" anchor="ctr"/>
+          <a:lstStyle/>
+          <a:p>
+            <a:pPr algn="ctr"/>
+            <a:r>
+              <a:rPr lang="en-US" sz="1200" dirty="0">
+                <a:solidFill>
+                  <a:schemeClr val="bg1"/>
+                </a:solidFill>
+              </a:rPr>
+              <a:t>Initiate Population by mapping genome to phenome(different routes of the cities)</a:t>
+            </a:r>
+          </a:p>
+        </p:txBody>
+      </p:sp>
+      <p:cxnSp>
+        <p:nvCxnSpPr>
+          <p:cNvPr id="35" name="Straight Arrow Connector 34">
+            <a:extLst>
+              <a:ext uri="{FF2B5EF4-FFF2-40B4-BE49-F238E27FC236}">
+                <a16:creationId xmlns:a16="http://schemas.microsoft.com/office/drawing/2014/main" id="{C4690FD1-DC72-4AA9-B6DC-AC00856551CA}"/>
+              </a:ext>
+            </a:extLst>
+          </p:cNvPr>
+          <p:cNvCxnSpPr>
+            <a:cxnSpLocks/>
+          </p:cNvCxnSpPr>
+          <p:nvPr/>
+        </p:nvCxnSpPr>
+        <p:spPr>
+          <a:xfrm>
+            <a:off x="6283224" y="2043628"/>
+            <a:ext cx="7226" cy="305560"/>
+          </a:xfrm>
+          <a:prstGeom prst="straightConnector1">
+            <a:avLst/>
+          </a:prstGeom>
+          <a:ln>
+            <a:tailEnd type="triangle"/>
+          </a:ln>
+        </p:spPr>
+        <p:style>
+          <a:lnRef idx="1">
+            <a:schemeClr val="dk1"/>
+          </a:lnRef>
+          <a:fillRef idx="0">
+            <a:schemeClr val="dk1"/>
+          </a:fillRef>
+          <a:effectRef idx="0">
+            <a:schemeClr val="dk1"/>
+          </a:effectRef>
+          <a:fontRef idx="minor">
+            <a:schemeClr val="tx1"/>
+          </a:fontRef>
+        </p:style>
+      </p:cxnSp>
+      <p:sp>
+        <p:nvSpPr>
+          <p:cNvPr id="37" name="Rectangle 36">
+            <a:extLst>
+              <a:ext uri="{FF2B5EF4-FFF2-40B4-BE49-F238E27FC236}">
+                <a16:creationId xmlns:a16="http://schemas.microsoft.com/office/drawing/2014/main" id="{229C2308-EEF2-4A72-A30B-F26B102D9F9B}"/>
+              </a:ext>
+            </a:extLst>
+          </p:cNvPr>
+          <p:cNvSpPr/>
+          <p:nvPr/>
+        </p:nvSpPr>
+        <p:spPr>
+          <a:xfrm>
+            <a:off x="4399249" y="2331342"/>
+            <a:ext cx="4116429" cy="385771"/>
+          </a:xfrm>
+          <a:prstGeom prst="rect">
+            <a:avLst/>
+          </a:prstGeom>
+          <a:solidFill>
+            <a:srgbClr val="408CBF"/>
+          </a:solidFill>
+          <a:ln>
+            <a:noFill/>
+          </a:ln>
+        </p:spPr>
+        <p:style>
+          <a:lnRef idx="0">
+            <a:scrgbClr r="0" g="0" b="0"/>
+          </a:lnRef>
+          <a:fillRef idx="0">
+            <a:scrgbClr r="0" g="0" b="0"/>
+          </a:fillRef>
+          <a:effectRef idx="0">
+            <a:scrgbClr r="0" g="0" b="0"/>
+          </a:effectRef>
+          <a:fontRef idx="minor">
+            <a:schemeClr val="lt1"/>
+          </a:fontRef>
+        </p:style>
+        <p:txBody>
+          <a:bodyPr rtlCol="0" anchor="ctr"/>
+          <a:lstStyle/>
+          <a:p>
+            <a:pPr algn="ctr"/>
+            <a:r>
+              <a:rPr lang="en-US" sz="1200" dirty="0">
+                <a:solidFill>
+                  <a:schemeClr val="bg1"/>
+                </a:solidFill>
+              </a:rPr>
+              <a:t>Evaluate fitness and distance of each child in the population and sort the population</a:t>
+            </a:r>
+          </a:p>
+        </p:txBody>
+      </p:sp>
+      <p:sp>
+        <p:nvSpPr>
+          <p:cNvPr id="39" name="Rectangle 38">
+            <a:extLst>
+              <a:ext uri="{FF2B5EF4-FFF2-40B4-BE49-F238E27FC236}">
+                <a16:creationId xmlns:a16="http://schemas.microsoft.com/office/drawing/2014/main" id="{3FFBD973-8C40-4EB9-8742-546B4EE60F78}"/>
+              </a:ext>
+            </a:extLst>
+          </p:cNvPr>
+          <p:cNvSpPr/>
+          <p:nvPr/>
+        </p:nvSpPr>
+        <p:spPr>
+          <a:xfrm>
+            <a:off x="4350820" y="3978647"/>
+            <a:ext cx="4116429" cy="689406"/>
+          </a:xfrm>
+          <a:prstGeom prst="rect">
+            <a:avLst/>
+          </a:prstGeom>
+          <a:solidFill>
+            <a:srgbClr val="408CBF"/>
+          </a:solidFill>
+          <a:ln>
+            <a:noFill/>
+          </a:ln>
+        </p:spPr>
+        <p:style>
+          <a:lnRef idx="0">
+            <a:scrgbClr r="0" g="0" b="0"/>
+          </a:lnRef>
+          <a:fillRef idx="0">
+            <a:scrgbClr r="0" g="0" b="0"/>
+          </a:fillRef>
+          <a:effectRef idx="0">
+            <a:scrgbClr r="0" g="0" b="0"/>
+          </a:effectRef>
+          <a:fontRef idx="minor">
+            <a:schemeClr val="lt1"/>
+          </a:fontRef>
+        </p:style>
+        <p:txBody>
+          <a:bodyPr rtlCol="0" anchor="ctr"/>
+          <a:lstStyle/>
+          <a:p>
+            <a:pPr algn="ctr"/>
+            <a:r>
+              <a:rPr lang="en-US" sz="1200" dirty="0">
+                <a:solidFill>
+                  <a:schemeClr val="bg1"/>
+                </a:solidFill>
+              </a:rPr>
+              <a:t>Select Parents for the next generation by picking top phenome(routes ) from the current generation</a:t>
+            </a:r>
+          </a:p>
+        </p:txBody>
+      </p:sp>
+      <p:cxnSp>
+        <p:nvCxnSpPr>
+          <p:cNvPr id="40" name="Straight Arrow Connector 39">
+            <a:extLst>
+              <a:ext uri="{FF2B5EF4-FFF2-40B4-BE49-F238E27FC236}">
+                <a16:creationId xmlns:a16="http://schemas.microsoft.com/office/drawing/2014/main" id="{39582D56-D7C5-4E18-9EFD-8F7E0B56A204}"/>
+              </a:ext>
+            </a:extLst>
+          </p:cNvPr>
+          <p:cNvCxnSpPr>
+            <a:cxnSpLocks/>
+          </p:cNvCxnSpPr>
+          <p:nvPr/>
+        </p:nvCxnSpPr>
+        <p:spPr>
+          <a:xfrm>
+            <a:off x="6257824" y="4649458"/>
+            <a:ext cx="7226" cy="305560"/>
+          </a:xfrm>
+          <a:prstGeom prst="straightConnector1">
+            <a:avLst/>
+          </a:prstGeom>
+          <a:ln>
+            <a:tailEnd type="triangle"/>
+          </a:ln>
+        </p:spPr>
+        <p:style>
+          <a:lnRef idx="1">
+            <a:schemeClr val="dk1"/>
+          </a:lnRef>
+          <a:fillRef idx="0">
+            <a:schemeClr val="dk1"/>
+          </a:fillRef>
+          <a:effectRef idx="0">
+            <a:schemeClr val="dk1"/>
+          </a:effectRef>
+          <a:fontRef idx="minor">
+            <a:schemeClr val="tx1"/>
+          </a:fontRef>
+        </p:style>
+      </p:cxnSp>
+      <p:sp>
+        <p:nvSpPr>
+          <p:cNvPr id="42" name="Rectangle 41">
+            <a:extLst>
+              <a:ext uri="{FF2B5EF4-FFF2-40B4-BE49-F238E27FC236}">
+                <a16:creationId xmlns:a16="http://schemas.microsoft.com/office/drawing/2014/main" id="{97B13BC3-F114-4A77-9F38-D01A8E4B18AF}"/>
+              </a:ext>
+            </a:extLst>
+          </p:cNvPr>
+          <p:cNvSpPr/>
+          <p:nvPr/>
+        </p:nvSpPr>
+        <p:spPr>
+          <a:xfrm>
+            <a:off x="4348979" y="4947443"/>
+            <a:ext cx="4116429" cy="635007"/>
+          </a:xfrm>
+          <a:prstGeom prst="rect">
+            <a:avLst/>
+          </a:prstGeom>
+          <a:solidFill>
+            <a:srgbClr val="408CBF"/>
+          </a:solidFill>
+          <a:ln>
+            <a:noFill/>
+          </a:ln>
+        </p:spPr>
+        <p:style>
+          <a:lnRef idx="0">
+            <a:scrgbClr r="0" g="0" b="0"/>
+          </a:lnRef>
+          <a:fillRef idx="0">
+            <a:scrgbClr r="0" g="0" b="0"/>
+          </a:fillRef>
+          <a:effectRef idx="0">
+            <a:scrgbClr r="0" g="0" b="0"/>
+          </a:effectRef>
+          <a:fontRef idx="minor">
+            <a:schemeClr val="lt1"/>
+          </a:fontRef>
+        </p:style>
+        <p:txBody>
+          <a:bodyPr rtlCol="0" anchor="ctr"/>
+          <a:lstStyle/>
+          <a:p>
+            <a:pPr algn="ctr"/>
+            <a:r>
+              <a:rPr lang="en-US" sz="1200" dirty="0">
+                <a:solidFill>
+                  <a:schemeClr val="bg1"/>
+                </a:solidFill>
+              </a:rPr>
+              <a:t>Generate next generation’s genome by crossover between top selected parents of current generation</a:t>
+            </a:r>
+          </a:p>
+        </p:txBody>
+      </p:sp>
+      <p:cxnSp>
+        <p:nvCxnSpPr>
+          <p:cNvPr id="43" name="Straight Arrow Connector 42">
+            <a:extLst>
+              <a:ext uri="{FF2B5EF4-FFF2-40B4-BE49-F238E27FC236}">
+                <a16:creationId xmlns:a16="http://schemas.microsoft.com/office/drawing/2014/main" id="{7A515F39-BA73-4C7E-9101-CA82620381A2}"/>
+              </a:ext>
+            </a:extLst>
+          </p:cNvPr>
+          <p:cNvCxnSpPr>
+            <a:cxnSpLocks/>
+          </p:cNvCxnSpPr>
+          <p:nvPr/>
+        </p:nvCxnSpPr>
+        <p:spPr>
+          <a:xfrm>
+            <a:off x="6272165" y="5607565"/>
+            <a:ext cx="7226" cy="305560"/>
+          </a:xfrm>
+          <a:prstGeom prst="straightConnector1">
+            <a:avLst/>
+          </a:prstGeom>
+          <a:ln>
+            <a:tailEnd type="triangle"/>
+          </a:ln>
+        </p:spPr>
+        <p:style>
+          <a:lnRef idx="1">
+            <a:schemeClr val="dk1"/>
+          </a:lnRef>
+          <a:fillRef idx="0">
+            <a:schemeClr val="dk1"/>
+          </a:fillRef>
+          <a:effectRef idx="0">
+            <a:schemeClr val="dk1"/>
+          </a:effectRef>
+          <a:fontRef idx="minor">
+            <a:schemeClr val="tx1"/>
+          </a:fontRef>
+        </p:style>
+      </p:cxnSp>
+      <p:sp>
+        <p:nvSpPr>
+          <p:cNvPr id="44" name="Rectangle 43">
+            <a:extLst>
+              <a:ext uri="{FF2B5EF4-FFF2-40B4-BE49-F238E27FC236}">
+                <a16:creationId xmlns:a16="http://schemas.microsoft.com/office/drawing/2014/main" id="{EDF476C7-5004-4F68-BECB-38FBCEEE09D8}"/>
+              </a:ext>
+            </a:extLst>
+          </p:cNvPr>
+          <p:cNvSpPr/>
+          <p:nvPr/>
+        </p:nvSpPr>
+        <p:spPr>
+          <a:xfrm>
+            <a:off x="4319818" y="5895077"/>
+            <a:ext cx="4116429" cy="399152"/>
+          </a:xfrm>
+          <a:prstGeom prst="rect">
+            <a:avLst/>
+          </a:prstGeom>
+          <a:solidFill>
+            <a:srgbClr val="408CBF"/>
+          </a:solidFill>
+          <a:ln>
+            <a:noFill/>
+          </a:ln>
+        </p:spPr>
+        <p:style>
+          <a:lnRef idx="0">
+            <a:scrgbClr r="0" g="0" b="0"/>
+          </a:lnRef>
+          <a:fillRef idx="0">
+            <a:scrgbClr r="0" g="0" b="0"/>
+          </a:fillRef>
+          <a:effectRef idx="0">
+            <a:scrgbClr r="0" g="0" b="0"/>
+          </a:effectRef>
+          <a:fontRef idx="minor">
+            <a:schemeClr val="lt1"/>
+          </a:fontRef>
+        </p:style>
+        <p:txBody>
+          <a:bodyPr rtlCol="0" anchor="ctr"/>
+          <a:lstStyle/>
+          <a:p>
+            <a:pPr algn="ctr"/>
+            <a:r>
+              <a:rPr lang="en-US" sz="1200" dirty="0">
+                <a:solidFill>
+                  <a:schemeClr val="bg1"/>
+                </a:solidFill>
+              </a:rPr>
+              <a:t>Generate new generation based on the new genome</a:t>
+            </a:r>
+          </a:p>
+        </p:txBody>
+      </p:sp>
+      <p:sp>
+        <p:nvSpPr>
+          <p:cNvPr id="46" name="Rectangle 45">
+            <a:extLst>
+              <a:ext uri="{FF2B5EF4-FFF2-40B4-BE49-F238E27FC236}">
+                <a16:creationId xmlns:a16="http://schemas.microsoft.com/office/drawing/2014/main" id="{A32495AE-580E-4EE1-AFE2-37058282937C}"/>
+              </a:ext>
+            </a:extLst>
+          </p:cNvPr>
+          <p:cNvSpPr/>
+          <p:nvPr/>
+        </p:nvSpPr>
+        <p:spPr>
+          <a:xfrm>
+            <a:off x="8684697" y="2982096"/>
+            <a:ext cx="1335649" cy="1015989"/>
+          </a:xfrm>
+          <a:prstGeom prst="rect">
+            <a:avLst/>
+          </a:prstGeom>
+          <a:solidFill>
+            <a:srgbClr val="408CBF"/>
+          </a:solidFill>
+          <a:ln>
+            <a:noFill/>
+          </a:ln>
+        </p:spPr>
+        <p:style>
+          <a:lnRef idx="0">
+            <a:scrgbClr r="0" g="0" b="0"/>
+          </a:lnRef>
+          <a:fillRef idx="0">
+            <a:scrgbClr r="0" g="0" b="0"/>
+          </a:fillRef>
+          <a:effectRef idx="0">
+            <a:scrgbClr r="0" g="0" b="0"/>
+          </a:effectRef>
+          <a:fontRef idx="minor">
+            <a:schemeClr val="lt1"/>
+          </a:fontRef>
+        </p:style>
+        <p:txBody>
+          <a:bodyPr rtlCol="0" anchor="ctr"/>
+          <a:lstStyle/>
+          <a:p>
+            <a:pPr algn="ctr"/>
+            <a:r>
+              <a:rPr lang="en-US" sz="1200" dirty="0">
+                <a:solidFill>
+                  <a:schemeClr val="bg1"/>
+                </a:solidFill>
+              </a:rPr>
+              <a:t>New Generation </a:t>
+            </a:r>
+          </a:p>
+        </p:txBody>
+      </p:sp>
+      <p:cxnSp>
+        <p:nvCxnSpPr>
+          <p:cNvPr id="51" name="Straight Arrow Connector 50">
+            <a:extLst>
+              <a:ext uri="{FF2B5EF4-FFF2-40B4-BE49-F238E27FC236}">
+                <a16:creationId xmlns:a16="http://schemas.microsoft.com/office/drawing/2014/main" id="{51C01CFD-5D95-4976-9E06-D54499D0A477}"/>
+              </a:ext>
+            </a:extLst>
+          </p:cNvPr>
+          <p:cNvCxnSpPr>
+            <a:cxnSpLocks/>
+            <a:endCxn id="46" idx="2"/>
+          </p:cNvCxnSpPr>
+          <p:nvPr/>
+        </p:nvCxnSpPr>
+        <p:spPr>
+          <a:xfrm flipV="1">
+            <a:off x="9352521" y="3998085"/>
+            <a:ext cx="1" cy="2014788"/>
+          </a:xfrm>
+          <a:prstGeom prst="straightConnector1">
+            <a:avLst/>
+          </a:prstGeom>
+          <a:ln>
+            <a:tailEnd type="triangle"/>
+          </a:ln>
+        </p:spPr>
+        <p:style>
+          <a:lnRef idx="1">
+            <a:schemeClr val="dk1"/>
+          </a:lnRef>
+          <a:fillRef idx="0">
+            <a:schemeClr val="dk1"/>
+          </a:fillRef>
+          <a:effectRef idx="0">
+            <a:schemeClr val="dk1"/>
+          </a:effectRef>
+          <a:fontRef idx="minor">
+            <a:schemeClr val="tx1"/>
+          </a:fontRef>
+        </p:style>
+      </p:cxnSp>
+      <p:sp>
+        <p:nvSpPr>
+          <p:cNvPr id="54" name="Diamond 53">
+            <a:extLst>
+              <a:ext uri="{FF2B5EF4-FFF2-40B4-BE49-F238E27FC236}">
+                <a16:creationId xmlns:a16="http://schemas.microsoft.com/office/drawing/2014/main" id="{C6E3B0D7-85AA-496A-92EC-6FA23D66C24A}"/>
+              </a:ext>
+            </a:extLst>
+          </p:cNvPr>
+          <p:cNvSpPr/>
+          <p:nvPr/>
+        </p:nvSpPr>
+        <p:spPr>
+          <a:xfrm>
+            <a:off x="5229800" y="2951501"/>
+            <a:ext cx="2149484" cy="722312"/>
+          </a:xfrm>
+          <a:prstGeom prst="diamond">
+            <a:avLst/>
+          </a:prstGeom>
+          <a:solidFill>
+            <a:srgbClr val="408CBF"/>
+          </a:solidFill>
+          <a:ln>
+            <a:noFill/>
+          </a:ln>
+        </p:spPr>
+        <p:style>
+          <a:lnRef idx="0">
+            <a:scrgbClr r="0" g="0" b="0"/>
+          </a:lnRef>
+          <a:fillRef idx="0">
+            <a:scrgbClr r="0" g="0" b="0"/>
+          </a:fillRef>
+          <a:effectRef idx="0">
+            <a:scrgbClr r="0" g="0" b="0"/>
+          </a:effectRef>
+          <a:fontRef idx="minor">
+            <a:schemeClr val="lt1"/>
+          </a:fontRef>
+        </p:style>
+        <p:txBody>
+          <a:bodyPr rtlCol="0" anchor="ctr"/>
+          <a:lstStyle/>
+          <a:p>
+            <a:pPr algn="ctr"/>
+            <a:r>
+              <a:rPr lang="en-US" sz="1200" dirty="0">
+                <a:solidFill>
+                  <a:schemeClr val="bg1"/>
+                </a:solidFill>
+              </a:rPr>
+              <a:t>Optimal solution met?</a:t>
+            </a:r>
+          </a:p>
+        </p:txBody>
+      </p:sp>
+      <p:cxnSp>
+        <p:nvCxnSpPr>
+          <p:cNvPr id="55" name="Straight Arrow Connector 54">
+            <a:extLst>
+              <a:ext uri="{FF2B5EF4-FFF2-40B4-BE49-F238E27FC236}">
+                <a16:creationId xmlns:a16="http://schemas.microsoft.com/office/drawing/2014/main" id="{E3CD56F6-09B9-4129-B5DA-BA6D46B880EC}"/>
+              </a:ext>
+            </a:extLst>
+          </p:cNvPr>
+          <p:cNvCxnSpPr>
+            <a:cxnSpLocks/>
+            <a:endCxn id="54" idx="0"/>
+          </p:cNvCxnSpPr>
+          <p:nvPr/>
+        </p:nvCxnSpPr>
+        <p:spPr>
+          <a:xfrm>
+            <a:off x="6302808" y="2661699"/>
+            <a:ext cx="1733" cy="289802"/>
+          </a:xfrm>
+          <a:prstGeom prst="straightConnector1">
+            <a:avLst/>
+          </a:prstGeom>
+          <a:ln>
+            <a:tailEnd type="triangle"/>
+          </a:ln>
+        </p:spPr>
+        <p:style>
+          <a:lnRef idx="1">
+            <a:schemeClr val="dk1"/>
+          </a:lnRef>
+          <a:fillRef idx="0">
+            <a:schemeClr val="dk1"/>
+          </a:fillRef>
+          <a:effectRef idx="0">
+            <a:schemeClr val="dk1"/>
+          </a:effectRef>
+          <a:fontRef idx="minor">
+            <a:schemeClr val="tx1"/>
+          </a:fontRef>
+        </p:style>
+      </p:cxnSp>
+      <p:cxnSp>
+        <p:nvCxnSpPr>
+          <p:cNvPr id="56" name="Straight Arrow Connector 55">
+            <a:extLst>
+              <a:ext uri="{FF2B5EF4-FFF2-40B4-BE49-F238E27FC236}">
+                <a16:creationId xmlns:a16="http://schemas.microsoft.com/office/drawing/2014/main" id="{E2FFFEFB-C3D2-45A9-80C7-296E79B27F2E}"/>
+              </a:ext>
+            </a:extLst>
+          </p:cNvPr>
+          <p:cNvCxnSpPr>
+            <a:cxnSpLocks/>
+            <a:stCxn id="54" idx="2"/>
+          </p:cNvCxnSpPr>
+          <p:nvPr/>
+        </p:nvCxnSpPr>
+        <p:spPr>
+          <a:xfrm flipH="1">
+            <a:off x="6297316" y="3673813"/>
+            <a:ext cx="7225" cy="331391"/>
+          </a:xfrm>
+          <a:prstGeom prst="straightConnector1">
+            <a:avLst/>
+          </a:prstGeom>
+          <a:ln>
+            <a:tailEnd type="triangle"/>
+          </a:ln>
+        </p:spPr>
+        <p:style>
+          <a:lnRef idx="1">
+            <a:schemeClr val="dk1"/>
+          </a:lnRef>
+          <a:fillRef idx="0">
+            <a:schemeClr val="dk1"/>
+          </a:fillRef>
+          <a:effectRef idx="0">
+            <a:schemeClr val="dk1"/>
+          </a:effectRef>
+          <a:fontRef idx="minor">
+            <a:schemeClr val="tx1"/>
+          </a:fontRef>
+        </p:style>
+      </p:cxnSp>
+      <p:sp>
+        <p:nvSpPr>
+          <p:cNvPr id="57" name="Rectangle 56">
+            <a:extLst>
+              <a:ext uri="{FF2B5EF4-FFF2-40B4-BE49-F238E27FC236}">
+                <a16:creationId xmlns:a16="http://schemas.microsoft.com/office/drawing/2014/main" id="{FFD4C5AB-7EC7-433D-B22E-3F92B4FB1FCF}"/>
+              </a:ext>
+            </a:extLst>
+          </p:cNvPr>
+          <p:cNvSpPr/>
+          <p:nvPr/>
+        </p:nvSpPr>
+        <p:spPr>
+          <a:xfrm>
+            <a:off x="6020165" y="3721068"/>
+            <a:ext cx="569294" cy="117557"/>
+          </a:xfrm>
+          <a:prstGeom prst="rect">
+            <a:avLst/>
+          </a:prstGeom>
+          <a:solidFill>
+            <a:srgbClr val="408CBF"/>
+          </a:solidFill>
+          <a:ln>
+            <a:noFill/>
+          </a:ln>
+        </p:spPr>
+        <p:style>
+          <a:lnRef idx="0">
+            <a:scrgbClr r="0" g="0" b="0"/>
+          </a:lnRef>
+          <a:fillRef idx="0">
+            <a:scrgbClr r="0" g="0" b="0"/>
+          </a:fillRef>
+          <a:effectRef idx="0">
+            <a:scrgbClr r="0" g="0" b="0"/>
+          </a:effectRef>
+          <a:fontRef idx="minor">
+            <a:schemeClr val="lt1"/>
+          </a:fontRef>
+        </p:style>
+        <p:txBody>
+          <a:bodyPr rtlCol="0" anchor="ctr"/>
+          <a:lstStyle/>
+          <a:p>
+            <a:pPr algn="ctr"/>
+            <a:r>
+              <a:rPr lang="en-US" sz="1200" dirty="0">
+                <a:solidFill>
+                  <a:schemeClr val="bg1"/>
+                </a:solidFill>
+              </a:rPr>
+              <a:t>NO</a:t>
+            </a:r>
+          </a:p>
+        </p:txBody>
+      </p:sp>
+      <p:cxnSp>
+        <p:nvCxnSpPr>
+          <p:cNvPr id="58" name="Straight Arrow Connector 57">
+            <a:extLst>
+              <a:ext uri="{FF2B5EF4-FFF2-40B4-BE49-F238E27FC236}">
+                <a16:creationId xmlns:a16="http://schemas.microsoft.com/office/drawing/2014/main" id="{CDD81F14-985A-4DC0-972A-890C637233AE}"/>
+              </a:ext>
+            </a:extLst>
+          </p:cNvPr>
+          <p:cNvCxnSpPr>
+            <a:cxnSpLocks/>
+            <a:endCxn id="54" idx="1"/>
+          </p:cNvCxnSpPr>
+          <p:nvPr/>
+        </p:nvCxnSpPr>
+        <p:spPr>
+          <a:xfrm flipV="1">
+            <a:off x="5229800" y="3312657"/>
+            <a:ext cx="0" cy="20796"/>
+          </a:xfrm>
+          <a:prstGeom prst="straightConnector1">
+            <a:avLst/>
+          </a:prstGeom>
+          <a:ln>
+            <a:tailEnd type="triangle"/>
+          </a:ln>
+        </p:spPr>
+        <p:style>
+          <a:lnRef idx="1">
+            <a:schemeClr val="dk1"/>
+          </a:lnRef>
+          <a:fillRef idx="0">
+            <a:schemeClr val="dk1"/>
+          </a:fillRef>
+          <a:effectRef idx="0">
+            <a:schemeClr val="dk1"/>
+          </a:effectRef>
+          <a:fontRef idx="minor">
+            <a:schemeClr val="tx1"/>
+          </a:fontRef>
+        </p:style>
+      </p:cxnSp>
+      <p:cxnSp>
+        <p:nvCxnSpPr>
+          <p:cNvPr id="60" name="Straight Arrow Connector 59">
+            <a:extLst>
+              <a:ext uri="{FF2B5EF4-FFF2-40B4-BE49-F238E27FC236}">
+                <a16:creationId xmlns:a16="http://schemas.microsoft.com/office/drawing/2014/main" id="{2948D361-AA92-4EEF-88DF-5B04CE61561A}"/>
+              </a:ext>
+            </a:extLst>
+          </p:cNvPr>
+          <p:cNvCxnSpPr>
+            <a:cxnSpLocks/>
+          </p:cNvCxnSpPr>
+          <p:nvPr/>
+        </p:nvCxnSpPr>
+        <p:spPr>
+          <a:xfrm>
+            <a:off x="3673889" y="3306894"/>
+            <a:ext cx="0" cy="601326"/>
+          </a:xfrm>
+          <a:prstGeom prst="straightConnector1">
+            <a:avLst/>
+          </a:prstGeom>
+          <a:ln>
+            <a:tailEnd type="triangle"/>
+          </a:ln>
+        </p:spPr>
+        <p:style>
+          <a:lnRef idx="1">
+            <a:schemeClr val="dk1"/>
+          </a:lnRef>
+          <a:fillRef idx="0">
+            <a:schemeClr val="dk1"/>
+          </a:fillRef>
+          <a:effectRef idx="0">
+            <a:schemeClr val="dk1"/>
+          </a:effectRef>
+          <a:fontRef idx="minor">
+            <a:schemeClr val="tx1"/>
+          </a:fontRef>
+        </p:style>
+      </p:cxnSp>
+      <p:sp>
+        <p:nvSpPr>
+          <p:cNvPr id="61" name="Rectangle 60">
+            <a:extLst>
+              <a:ext uri="{FF2B5EF4-FFF2-40B4-BE49-F238E27FC236}">
+                <a16:creationId xmlns:a16="http://schemas.microsoft.com/office/drawing/2014/main" id="{C72B84B8-A0C9-4C2C-B6D8-93F3604FDAC7}"/>
+              </a:ext>
+            </a:extLst>
+          </p:cNvPr>
+          <p:cNvSpPr/>
+          <p:nvPr/>
+        </p:nvSpPr>
+        <p:spPr>
+          <a:xfrm>
+            <a:off x="3028289" y="3908220"/>
+            <a:ext cx="1248027" cy="759833"/>
+          </a:xfrm>
+          <a:prstGeom prst="rect">
+            <a:avLst/>
+          </a:prstGeom>
+          <a:solidFill>
+            <a:srgbClr val="408CBF"/>
+          </a:solidFill>
+          <a:ln>
+            <a:noFill/>
+          </a:ln>
+        </p:spPr>
+        <p:style>
+          <a:lnRef idx="0">
+            <a:scrgbClr r="0" g="0" b="0"/>
+          </a:lnRef>
+          <a:fillRef idx="0">
+            <a:scrgbClr r="0" g="0" b="0"/>
+          </a:fillRef>
+          <a:effectRef idx="0">
+            <a:scrgbClr r="0" g="0" b="0"/>
+          </a:effectRef>
+          <a:fontRef idx="minor">
+            <a:schemeClr val="lt1"/>
+          </a:fontRef>
+        </p:style>
+        <p:txBody>
+          <a:bodyPr rtlCol="0" anchor="ctr"/>
+          <a:lstStyle/>
+          <a:p>
+            <a:pPr algn="ctr"/>
+            <a:r>
+              <a:rPr lang="en-US" sz="1200" dirty="0">
+                <a:solidFill>
+                  <a:schemeClr val="bg1"/>
+                </a:solidFill>
+              </a:rPr>
+              <a:t>Best Route Found</a:t>
+            </a:r>
+          </a:p>
+        </p:txBody>
+      </p:sp>
+      <p:cxnSp>
+        <p:nvCxnSpPr>
+          <p:cNvPr id="62" name="Straight Arrow Connector 61">
+            <a:extLst>
+              <a:ext uri="{FF2B5EF4-FFF2-40B4-BE49-F238E27FC236}">
+                <a16:creationId xmlns:a16="http://schemas.microsoft.com/office/drawing/2014/main" id="{F47A7358-93D4-4836-823A-91242ADBCBAB}"/>
+              </a:ext>
+            </a:extLst>
+          </p:cNvPr>
+          <p:cNvCxnSpPr/>
+          <p:nvPr/>
+        </p:nvCxnSpPr>
+        <p:spPr>
+          <a:xfrm>
+            <a:off x="3621916" y="4712478"/>
+            <a:ext cx="0" cy="485083"/>
+          </a:xfrm>
+          <a:prstGeom prst="straightConnector1">
+            <a:avLst/>
+          </a:prstGeom>
+          <a:ln>
+            <a:tailEnd type="triangle"/>
+          </a:ln>
+        </p:spPr>
+        <p:style>
+          <a:lnRef idx="1">
+            <a:schemeClr val="dk1"/>
+          </a:lnRef>
+          <a:fillRef idx="0">
+            <a:schemeClr val="dk1"/>
+          </a:fillRef>
+          <a:effectRef idx="0">
+            <a:schemeClr val="dk1"/>
+          </a:effectRef>
+          <a:fontRef idx="minor">
+            <a:schemeClr val="tx1"/>
+          </a:fontRef>
+        </p:style>
+      </p:cxnSp>
+      <p:sp>
+        <p:nvSpPr>
+          <p:cNvPr id="63" name="Rectangle 62">
+            <a:extLst>
+              <a:ext uri="{FF2B5EF4-FFF2-40B4-BE49-F238E27FC236}">
+                <a16:creationId xmlns:a16="http://schemas.microsoft.com/office/drawing/2014/main" id="{8D7B197F-79A0-4618-B57C-84867D78DDD2}"/>
+              </a:ext>
+            </a:extLst>
+          </p:cNvPr>
+          <p:cNvSpPr/>
+          <p:nvPr/>
+        </p:nvSpPr>
+        <p:spPr>
+          <a:xfrm>
+            <a:off x="3214076" y="5197560"/>
+            <a:ext cx="766356" cy="407715"/>
+          </a:xfrm>
+          <a:prstGeom prst="rect">
+            <a:avLst/>
+          </a:prstGeom>
+          <a:solidFill>
+            <a:srgbClr val="408CBF"/>
+          </a:solidFill>
+          <a:ln>
+            <a:noFill/>
+          </a:ln>
+        </p:spPr>
+        <p:style>
+          <a:lnRef idx="0">
+            <a:scrgbClr r="0" g="0" b="0"/>
+          </a:lnRef>
+          <a:fillRef idx="0">
+            <a:scrgbClr r="0" g="0" b="0"/>
+          </a:fillRef>
+          <a:effectRef idx="0">
+            <a:scrgbClr r="0" g="0" b="0"/>
+          </a:effectRef>
+          <a:fontRef idx="minor">
+            <a:schemeClr val="lt1"/>
+          </a:fontRef>
+        </p:style>
+        <p:txBody>
+          <a:bodyPr rtlCol="0" anchor="ctr"/>
+          <a:lstStyle/>
+          <a:p>
+            <a:pPr algn="ctr"/>
+            <a:r>
+              <a:rPr lang="en-US" sz="1200" dirty="0">
+                <a:solidFill>
+                  <a:schemeClr val="bg1"/>
+                </a:solidFill>
+              </a:rPr>
+              <a:t>END</a:t>
+            </a:r>
+          </a:p>
+        </p:txBody>
+      </p:sp>
+      <p:sp>
+        <p:nvSpPr>
+          <p:cNvPr id="64" name="Rectangle 63">
+            <a:extLst>
+              <a:ext uri="{FF2B5EF4-FFF2-40B4-BE49-F238E27FC236}">
+                <a16:creationId xmlns:a16="http://schemas.microsoft.com/office/drawing/2014/main" id="{B8016686-223C-4728-923C-AA3484E1FC40}"/>
+              </a:ext>
+            </a:extLst>
+          </p:cNvPr>
+          <p:cNvSpPr/>
+          <p:nvPr/>
+        </p:nvSpPr>
+        <p:spPr>
+          <a:xfrm>
+            <a:off x="4139407" y="3148829"/>
+            <a:ext cx="569294" cy="288841"/>
+          </a:xfrm>
+          <a:prstGeom prst="rect">
+            <a:avLst/>
+          </a:prstGeom>
+          <a:solidFill>
+            <a:srgbClr val="408CBF"/>
+          </a:solidFill>
+          <a:ln>
+            <a:noFill/>
+          </a:ln>
+        </p:spPr>
+        <p:style>
+          <a:lnRef idx="0">
+            <a:scrgbClr r="0" g="0" b="0"/>
+          </a:lnRef>
+          <a:fillRef idx="0">
+            <a:scrgbClr r="0" g="0" b="0"/>
+          </a:fillRef>
+          <a:effectRef idx="0">
+            <a:scrgbClr r="0" g="0" b="0"/>
+          </a:effectRef>
+          <a:fontRef idx="minor">
+            <a:schemeClr val="lt1"/>
+          </a:fontRef>
+        </p:style>
+        <p:txBody>
+          <a:bodyPr rtlCol="0" anchor="ctr"/>
+          <a:lstStyle/>
+          <a:p>
+            <a:pPr algn="ctr"/>
+            <a:r>
+              <a:rPr lang="en-US" sz="1200" dirty="0">
+                <a:solidFill>
+                  <a:schemeClr val="bg1"/>
                 </a:solidFill>
               </a:rPr>
               <a:t>YES</a:t>
@@ -5941,13 +6664,8 @@
           <a:p>
             <a:r>
               <a:rPr lang="en-US" dirty="0"/>
-              <a:t>Details of the </a:t>
-            </a:r>
-            <a:r>
-              <a:rPr lang="en-US" dirty="0" err="1"/>
-              <a:t>ALgoRITHM</a:t>
-            </a:r>
-            <a:endParaRPr lang="en-US" dirty="0"/>
+              <a:t>Details of the Algorithm</a:t>
+            </a:r>
           </a:p>
         </p:txBody>
       </p:sp>
@@ -5989,53 +6707,69 @@
             <a:endParaRPr lang="en-US" sz="1800" dirty="0"/>
           </a:p>
           <a:p>
-            <a:pPr lvl="1"/>
+            <a:pPr lvl="1">
+              <a:spcAft>
+                <a:spcPts val="600"/>
+              </a:spcAft>
+            </a:pPr>
             <a:r>
               <a:rPr lang="en-US" dirty="0"/>
-              <a:t> </a:t>
-            </a:r>
-            <a:r>
-              <a:rPr lang="en-US" dirty="0" err="1"/>
-              <a:t>GenoType</a:t>
-            </a:r>
+              <a:t>Genotype                        Gene Expression and Phenotype</a:t>
+            </a:r>
+          </a:p>
+          <a:p>
+            <a:pPr lvl="1">
+              <a:spcAft>
+                <a:spcPts val="600"/>
+              </a:spcAft>
+            </a:pPr>
             <a:r>
               <a:rPr lang="en-US" dirty="0"/>
-              <a:t>             -        Gene Expression and Phenotype</a:t>
-            </a:r>
-          </a:p>
-          <a:p>
-            <a:pPr lvl="1"/>
+              <a:t>Gene Expression            Gene String is a string array of 8 numbers where every number  		                    represents the index of the city stored in the phenotype</a:t>
+            </a:r>
+          </a:p>
+          <a:p>
+            <a:pPr lvl="1">
+              <a:spcAft>
+                <a:spcPts val="600"/>
+              </a:spcAft>
+            </a:pPr>
             <a:r>
               <a:rPr lang="en-US" dirty="0"/>
-              <a:t>Gene Expression  -        Gene String is a string array of 8 numbers where every number  		                    represents the index of the city stored in the phenotype.</a:t>
-            </a:r>
-          </a:p>
-          <a:p>
-            <a:pPr lvl="1"/>
+              <a:t>Phenotype  	                    Every phenotype is mapped to Genotype	                                  			    A phenotype consists of list of cities representing the route.</a:t>
+            </a:r>
+          </a:p>
+          <a:p>
+            <a:pPr lvl="1">
+              <a:spcAft>
+                <a:spcPts val="600"/>
+              </a:spcAft>
+            </a:pPr>
             <a:r>
               <a:rPr lang="en-US" dirty="0"/>
-              <a:t> Phenotype  	          -         Every phenotype is mapped to Genotype. 	                                  			    A phenotype consists of list of cities representing the route.</a:t>
-            </a:r>
-          </a:p>
-          <a:p>
-            <a:pPr lvl="1"/>
+              <a:t>Fitness Function              Fitness of every phenotype is based on the total distance of that                     	                                    route</a:t>
+            </a:r>
+          </a:p>
+          <a:p>
+            <a:pPr lvl="1">
+              <a:spcAft>
+                <a:spcPts val="600"/>
+              </a:spcAft>
+            </a:pPr>
             <a:r>
               <a:rPr lang="en-US" dirty="0"/>
-              <a:t>Fitness Function    -         Fitness of every phenotype is based on the total distance of that                     	                                    route.</a:t>
-            </a:r>
-          </a:p>
-          <a:p>
-            <a:pPr lvl="1"/>
+              <a:t>Sort Function                    Sorting of the phenome is based on the fitness of every    	   	                                    phenotype</a:t>
+            </a:r>
+          </a:p>
+          <a:p>
+            <a:pPr lvl="1">
+              <a:spcAft>
+                <a:spcPts val="600"/>
+              </a:spcAft>
+            </a:pPr>
             <a:r>
               <a:rPr lang="en-US" dirty="0"/>
-              <a:t>Sort Function          -        Sorting of the phenome is based on the fitness of every    	   	                                    phenotype.</a:t>
-            </a:r>
-          </a:p>
-          <a:p>
-            <a:pPr lvl="1"/>
-            <a:r>
-              <a:rPr lang="en-US" dirty="0"/>
-              <a:t>Evolution Mechanism -  Find the optimal solution until the minimum distance is                        			    constant in a range for 20 generations. Creation of new 				    generations would go until maximum of 100 generations.</a:t>
+              <a:t>Evolution Mechanism    Find the optimal solution until the minimum distance is                        			    constant in a range for 20 generations. Creation of new 				    generations would go until maximum of 100 generations</a:t>
             </a:r>
           </a:p>
           <a:p>
@@ -6100,7 +6834,7 @@
         </p:nvSpPr>
         <p:spPr>
           <a:xfrm>
-            <a:off x="1069848" y="0"/>
+            <a:off x="1078992" y="210312"/>
             <a:ext cx="10058400" cy="985421"/>
           </a:xfrm>
         </p:spPr>
@@ -6133,7 +6867,7 @@
         </p:nvSpPr>
         <p:spPr>
           <a:xfrm>
-            <a:off x="1069848" y="896645"/>
+            <a:off x="1069848" y="1079525"/>
             <a:ext cx="10058400" cy="5275555"/>
           </a:xfrm>
         </p:spPr>
@@ -6170,7 +6904,7 @@
         </p:blipFill>
         <p:spPr>
           <a:xfrm>
-            <a:off x="1988598" y="1979721"/>
+            <a:off x="1348518" y="2354625"/>
             <a:ext cx="7910003" cy="3799642"/>
           </a:xfrm>
           <a:prstGeom prst="rect">
@@ -6301,7 +7035,7 @@
         </p:blipFill>
         <p:spPr>
           <a:xfrm>
-            <a:off x="1902545" y="2290439"/>
+            <a:off x="1262465" y="2290439"/>
             <a:ext cx="9225703" cy="3290332"/>
           </a:xfrm>
           <a:prstGeom prst="rect">
@@ -6355,16 +7089,20 @@
             <p:ph type="title"/>
           </p:nvPr>
         </p:nvSpPr>
-        <p:spPr/>
+        <p:spPr>
+          <a:xfrm>
+            <a:off x="1069848" y="484632"/>
+            <a:ext cx="10058400" cy="896112"/>
+          </a:xfrm>
+        </p:spPr>
         <p:txBody>
           <a:bodyPr/>
           <a:lstStyle/>
           <a:p>
             <a:r>
-              <a:rPr lang="en-US" dirty="0" err="1"/>
-              <a:t>CRossover</a:t>
-            </a:r>
-            <a:endParaRPr lang="en-US" dirty="0"/>
+              <a:rPr lang="en-US" dirty="0"/>
+              <a:t>Crossover</a:t>
+            </a:r>
           </a:p>
         </p:txBody>
       </p:sp>
@@ -6384,7 +7122,12 @@
             <p:ph idx="1"/>
           </p:nvPr>
         </p:nvSpPr>
-        <p:spPr/>
+        <p:spPr>
+          <a:xfrm>
+            <a:off x="1069848" y="1572768"/>
+            <a:ext cx="10058400" cy="1161288"/>
+          </a:xfrm>
+        </p:spPr>
         <p:txBody>
           <a:bodyPr/>
           <a:lstStyle/>
@@ -6394,7 +7137,7 @@
             </a:pPr>
             <a:r>
               <a:rPr lang="en-US" dirty="0"/>
-              <a:t> For Crossover, select gene from top selected parent 1 and parent 2. Create new gene for next generation using first half gene of parent 1 and second half of other parent. </a:t>
+              <a:t>For Crossover, select gene from top selected parent 1 and parent 2. Create new gene for next generation using first half gene of parent 1 and second half of other parent. </a:t>
             </a:r>
           </a:p>
         </p:txBody>
@@ -6421,7 +7164,7 @@
         </p:blipFill>
         <p:spPr>
           <a:xfrm>
-            <a:off x="1690919" y="3187083"/>
+            <a:off x="1224575" y="2976771"/>
             <a:ext cx="9148716" cy="2760956"/>
           </a:xfrm>
           <a:prstGeom prst="rect">
@@ -6511,7 +7254,7 @@
         </p:blipFill>
         <p:spPr>
           <a:xfrm>
-            <a:off x="3209504" y="2120900"/>
+            <a:off x="1197824" y="2120900"/>
             <a:ext cx="6635832" cy="4051300"/>
           </a:xfrm>
           <a:prstGeom prst="rect">
@@ -6601,7 +7344,7 @@
         </p:blipFill>
         <p:spPr>
           <a:xfrm>
-            <a:off x="2844182" y="2120900"/>
+            <a:off x="1280558" y="2120900"/>
             <a:ext cx="7755756" cy="4051300"/>
           </a:xfrm>
           <a:prstGeom prst="rect">

--- a/report/TSP_Report.pptx
+++ b/report/TSP_Report.pptx
@@ -4694,7 +4694,7 @@
         <p:spPr>
           <a:xfrm>
             <a:off x="1069848" y="484632"/>
-            <a:ext cx="3102923" cy="678343"/>
+            <a:ext cx="9480921" cy="678343"/>
           </a:xfrm>
         </p:spPr>
         <p:txBody>
@@ -4705,1905 +4705,1853 @@
           <a:p>
             <a:r>
               <a:rPr lang="en-US" dirty="0"/>
-              <a:t>Flow Chart</a:t>
-            </a:r>
-          </a:p>
-        </p:txBody>
-      </p:sp>
-      <p:sp>
-        <p:nvSpPr>
-          <p:cNvPr id="3" name="Content Placeholder 2">
+              <a:t>Sequence of Steps</a:t>
+            </a:r>
+          </a:p>
+        </p:txBody>
+      </p:sp>
+      <p:grpSp>
+        <p:nvGrpSpPr>
+          <p:cNvPr id="74" name="Group 73">
             <a:extLst>
               <a:ext uri="{FF2B5EF4-FFF2-40B4-BE49-F238E27FC236}">
-                <a16:creationId xmlns:a16="http://schemas.microsoft.com/office/drawing/2014/main" id="{8D4B0D57-9160-46AA-BAAA-DF3D4DE13FAB}"/>
+                <a16:creationId xmlns:a16="http://schemas.microsoft.com/office/drawing/2014/main" id="{37B356ED-3F3D-4A74-814D-0F80F5A035D6}"/>
               </a:ext>
             </a:extLst>
           </p:cNvPr>
-          <p:cNvSpPr>
-            <a:spLocks noGrp="1"/>
-          </p:cNvSpPr>
-          <p:nvPr>
-            <p:ph idx="1"/>
-          </p:nvPr>
-        </p:nvSpPr>
-        <p:spPr>
+          <p:cNvGrpSpPr/>
+          <p:nvPr/>
+        </p:nvGrpSpPr>
+        <p:grpSpPr>
           <a:xfrm>
-            <a:off x="1069848" y="150920"/>
-            <a:ext cx="10058400" cy="6542843"/>
+            <a:off x="770910" y="1283230"/>
+            <a:ext cx="9163711" cy="5090138"/>
+            <a:chOff x="3028289" y="966706"/>
+            <a:chExt cx="6992057" cy="5342654"/>
           </a:xfrm>
-        </p:spPr>
-        <p:txBody>
-          <a:bodyPr/>
-          <a:lstStyle/>
-          <a:p>
-            <a:pPr marL="0" indent="0">
-              <a:buNone/>
-            </a:pPr>
-            <a:r>
-              <a:rPr lang="en-US" dirty="0"/>
-              <a:t>   </a:t>
-            </a:r>
-          </a:p>
-        </p:txBody>
-      </p:sp>
-      <p:cxnSp>
-        <p:nvCxnSpPr>
-          <p:cNvPr id="6" name="Straight Arrow Connector 5">
-            <a:extLst>
-              <a:ext uri="{FF2B5EF4-FFF2-40B4-BE49-F238E27FC236}">
-                <a16:creationId xmlns:a16="http://schemas.microsoft.com/office/drawing/2014/main" id="{623CA5E0-1167-4E3A-9F0F-ADD952A0DE1C}"/>
-              </a:ext>
-            </a:extLst>
-          </p:cNvPr>
-          <p:cNvCxnSpPr>
-            <a:cxnSpLocks/>
-          </p:cNvCxnSpPr>
-          <p:nvPr/>
-        </p:nvCxnSpPr>
-        <p:spPr>
-          <a:xfrm>
-            <a:off x="6265050" y="1441952"/>
-            <a:ext cx="7226" cy="305560"/>
-          </a:xfrm>
-          <a:prstGeom prst="straightConnector1">
-            <a:avLst/>
-          </a:prstGeom>
-          <a:ln>
-            <a:tailEnd type="triangle"/>
-          </a:ln>
-        </p:spPr>
-        <p:style>
-          <a:lnRef idx="1">
-            <a:schemeClr val="dk1"/>
-          </a:lnRef>
-          <a:fillRef idx="0">
-            <a:schemeClr val="dk1"/>
-          </a:fillRef>
-          <a:effectRef idx="0">
-            <a:schemeClr val="dk1"/>
-          </a:effectRef>
-          <a:fontRef idx="minor">
-            <a:schemeClr val="tx1"/>
-          </a:fontRef>
-        </p:style>
-      </p:cxnSp>
-      <p:cxnSp>
-        <p:nvCxnSpPr>
-          <p:cNvPr id="9" name="Straight Arrow Connector 8">
-            <a:extLst>
-              <a:ext uri="{FF2B5EF4-FFF2-40B4-BE49-F238E27FC236}">
-                <a16:creationId xmlns:a16="http://schemas.microsoft.com/office/drawing/2014/main" id="{689FF746-AF19-4B40-B1FE-1587197ECF03}"/>
-              </a:ext>
-            </a:extLst>
-          </p:cNvPr>
-          <p:cNvCxnSpPr>
-            <a:cxnSpLocks/>
-          </p:cNvCxnSpPr>
-          <p:nvPr/>
-        </p:nvCxnSpPr>
-        <p:spPr>
-          <a:xfrm>
-            <a:off x="6283224" y="2058759"/>
-            <a:ext cx="7226" cy="305560"/>
-          </a:xfrm>
-          <a:prstGeom prst="straightConnector1">
-            <a:avLst/>
-          </a:prstGeom>
-          <a:ln>
-            <a:tailEnd type="triangle"/>
-          </a:ln>
-        </p:spPr>
-        <p:style>
-          <a:lnRef idx="1">
-            <a:schemeClr val="dk1"/>
-          </a:lnRef>
-          <a:fillRef idx="0">
-            <a:schemeClr val="dk1"/>
-          </a:fillRef>
-          <a:effectRef idx="0">
-            <a:schemeClr val="dk1"/>
-          </a:effectRef>
-          <a:fontRef idx="minor">
-            <a:schemeClr val="tx1"/>
-          </a:fontRef>
-        </p:style>
-      </p:cxnSp>
-      <p:sp>
-        <p:nvSpPr>
-          <p:cNvPr id="12" name="Rectangle 11">
-            <a:extLst>
-              <a:ext uri="{FF2B5EF4-FFF2-40B4-BE49-F238E27FC236}">
-                <a16:creationId xmlns:a16="http://schemas.microsoft.com/office/drawing/2014/main" id="{190600D7-ABF3-4B4F-9892-79A912D8C15A}"/>
-              </a:ext>
-            </a:extLst>
-          </p:cNvPr>
-          <p:cNvSpPr/>
-          <p:nvPr/>
-        </p:nvSpPr>
-        <p:spPr>
-          <a:xfrm>
-            <a:off x="4350820" y="3993778"/>
-            <a:ext cx="4116429" cy="689406"/>
-          </a:xfrm>
-          <a:prstGeom prst="rect">
-            <a:avLst/>
-          </a:prstGeom>
-          <a:solidFill>
-            <a:schemeClr val="dk1">
-              <a:alpha val="50000"/>
-            </a:schemeClr>
-          </a:solidFill>
-          <a:ln>
-            <a:noFill/>
-          </a:ln>
-        </p:spPr>
-        <p:style>
-          <a:lnRef idx="0">
-            <a:scrgbClr r="0" g="0" b="0"/>
-          </a:lnRef>
-          <a:fillRef idx="0">
-            <a:scrgbClr r="0" g="0" b="0"/>
-          </a:fillRef>
-          <a:effectRef idx="0">
-            <a:scrgbClr r="0" g="0" b="0"/>
-          </a:effectRef>
-          <a:fontRef idx="minor">
-            <a:schemeClr val="lt1"/>
-          </a:fontRef>
-        </p:style>
-        <p:txBody>
-          <a:bodyPr rtlCol="0" anchor="ctr"/>
-          <a:lstStyle/>
-          <a:p>
-            <a:pPr algn="ctr"/>
-            <a:r>
-              <a:rPr lang="en-US" sz="1200" dirty="0">
-                <a:solidFill>
-                  <a:schemeClr val="bg1"/>
-                </a:solidFill>
-              </a:rPr>
-              <a:t>Select Parents for the next generation by picking top phenome(routes ) from the current generation</a:t>
-            </a:r>
-          </a:p>
-        </p:txBody>
-      </p:sp>
-      <p:cxnSp>
-        <p:nvCxnSpPr>
-          <p:cNvPr id="13" name="Straight Arrow Connector 12">
-            <a:extLst>
-              <a:ext uri="{FF2B5EF4-FFF2-40B4-BE49-F238E27FC236}">
-                <a16:creationId xmlns:a16="http://schemas.microsoft.com/office/drawing/2014/main" id="{9C095FB2-1A12-4B42-A8BC-9B8A2C391D79}"/>
-              </a:ext>
-            </a:extLst>
-          </p:cNvPr>
-          <p:cNvCxnSpPr>
-            <a:cxnSpLocks/>
-          </p:cNvCxnSpPr>
-          <p:nvPr/>
-        </p:nvCxnSpPr>
-        <p:spPr>
-          <a:xfrm>
-            <a:off x="6257824" y="4664590"/>
-            <a:ext cx="7226" cy="305560"/>
-          </a:xfrm>
-          <a:prstGeom prst="straightConnector1">
-            <a:avLst/>
-          </a:prstGeom>
-          <a:ln>
-            <a:tailEnd type="triangle"/>
-          </a:ln>
-        </p:spPr>
-        <p:style>
-          <a:lnRef idx="1">
-            <a:schemeClr val="dk1"/>
-          </a:lnRef>
-          <a:fillRef idx="0">
-            <a:schemeClr val="dk1"/>
-          </a:fillRef>
-          <a:effectRef idx="0">
-            <a:schemeClr val="dk1"/>
-          </a:effectRef>
-          <a:fontRef idx="minor">
-            <a:schemeClr val="tx1"/>
-          </a:fontRef>
-        </p:style>
-      </p:cxnSp>
-      <p:sp>
-        <p:nvSpPr>
-          <p:cNvPr id="14" name="Rectangle 13">
-            <a:extLst>
-              <a:ext uri="{FF2B5EF4-FFF2-40B4-BE49-F238E27FC236}">
-                <a16:creationId xmlns:a16="http://schemas.microsoft.com/office/drawing/2014/main" id="{1BA6CB74-8C34-4DBE-B2A8-3A422EF7CA63}"/>
-              </a:ext>
-            </a:extLst>
-          </p:cNvPr>
-          <p:cNvSpPr/>
-          <p:nvPr/>
-        </p:nvSpPr>
-        <p:spPr>
-          <a:xfrm>
-            <a:off x="4348979" y="4962574"/>
-            <a:ext cx="4116429" cy="635007"/>
-          </a:xfrm>
-          <a:prstGeom prst="rect">
-            <a:avLst/>
-          </a:prstGeom>
-          <a:solidFill>
-            <a:schemeClr val="dk1">
-              <a:alpha val="50000"/>
-            </a:schemeClr>
-          </a:solidFill>
-          <a:ln>
-            <a:noFill/>
-          </a:ln>
-        </p:spPr>
-        <p:style>
-          <a:lnRef idx="0">
-            <a:scrgbClr r="0" g="0" b="0"/>
-          </a:lnRef>
-          <a:fillRef idx="0">
-            <a:scrgbClr r="0" g="0" b="0"/>
-          </a:fillRef>
-          <a:effectRef idx="0">
-            <a:scrgbClr r="0" g="0" b="0"/>
-          </a:effectRef>
-          <a:fontRef idx="minor">
-            <a:schemeClr val="lt1"/>
-          </a:fontRef>
-        </p:style>
-        <p:txBody>
-          <a:bodyPr rtlCol="0" anchor="ctr"/>
-          <a:lstStyle/>
-          <a:p>
-            <a:pPr algn="ctr"/>
-            <a:r>
-              <a:rPr lang="en-US" sz="1200" dirty="0">
-                <a:solidFill>
-                  <a:schemeClr val="bg1"/>
-                </a:solidFill>
-              </a:rPr>
-              <a:t>Generate next generation’s genome by crossover between top selected parents of current generation</a:t>
-            </a:r>
-          </a:p>
-        </p:txBody>
-      </p:sp>
-      <p:cxnSp>
-        <p:nvCxnSpPr>
-          <p:cNvPr id="15" name="Straight Arrow Connector 14">
-            <a:extLst>
-              <a:ext uri="{FF2B5EF4-FFF2-40B4-BE49-F238E27FC236}">
-                <a16:creationId xmlns:a16="http://schemas.microsoft.com/office/drawing/2014/main" id="{A721384F-4643-43EA-AD0D-DB4B75F143F7}"/>
-              </a:ext>
-            </a:extLst>
-          </p:cNvPr>
-          <p:cNvCxnSpPr>
-            <a:cxnSpLocks/>
-          </p:cNvCxnSpPr>
-          <p:nvPr/>
-        </p:nvCxnSpPr>
-        <p:spPr>
-          <a:xfrm>
-            <a:off x="6272165" y="5622696"/>
-            <a:ext cx="7226" cy="305560"/>
-          </a:xfrm>
-          <a:prstGeom prst="straightConnector1">
-            <a:avLst/>
-          </a:prstGeom>
-          <a:ln>
-            <a:tailEnd type="triangle"/>
-          </a:ln>
-        </p:spPr>
-        <p:style>
-          <a:lnRef idx="1">
-            <a:schemeClr val="dk1"/>
-          </a:lnRef>
-          <a:fillRef idx="0">
-            <a:schemeClr val="dk1"/>
-          </a:fillRef>
-          <a:effectRef idx="0">
-            <a:schemeClr val="dk1"/>
-          </a:effectRef>
-          <a:fontRef idx="minor">
-            <a:schemeClr val="tx1"/>
-          </a:fontRef>
-        </p:style>
-      </p:cxnSp>
-      <p:sp>
-        <p:nvSpPr>
-          <p:cNvPr id="18" name="Rectangle 17">
-            <a:extLst>
-              <a:ext uri="{FF2B5EF4-FFF2-40B4-BE49-F238E27FC236}">
-                <a16:creationId xmlns:a16="http://schemas.microsoft.com/office/drawing/2014/main" id="{406BC614-0C21-4097-85D0-768F27B72EFD}"/>
-              </a:ext>
-            </a:extLst>
-          </p:cNvPr>
-          <p:cNvSpPr/>
-          <p:nvPr/>
-        </p:nvSpPr>
-        <p:spPr>
-          <a:xfrm>
-            <a:off x="4319818" y="5910208"/>
-            <a:ext cx="4116429" cy="399152"/>
-          </a:xfrm>
-          <a:prstGeom prst="rect">
-            <a:avLst/>
-          </a:prstGeom>
-          <a:solidFill>
-            <a:schemeClr val="dk1">
-              <a:alpha val="50000"/>
-            </a:schemeClr>
-          </a:solidFill>
-          <a:ln>
-            <a:noFill/>
-          </a:ln>
-        </p:spPr>
-        <p:style>
-          <a:lnRef idx="0">
-            <a:scrgbClr r="0" g="0" b="0"/>
-          </a:lnRef>
-          <a:fillRef idx="0">
-            <a:scrgbClr r="0" g="0" b="0"/>
-          </a:fillRef>
-          <a:effectRef idx="0">
-            <a:scrgbClr r="0" g="0" b="0"/>
-          </a:effectRef>
-          <a:fontRef idx="minor">
-            <a:schemeClr val="lt1"/>
-          </a:fontRef>
-        </p:style>
-        <p:txBody>
-          <a:bodyPr rtlCol="0" anchor="ctr"/>
-          <a:lstStyle/>
-          <a:p>
-            <a:pPr algn="ctr"/>
-            <a:r>
-              <a:rPr lang="en-US" sz="1200" dirty="0">
-                <a:solidFill>
-                  <a:schemeClr val="bg1"/>
-                </a:solidFill>
-              </a:rPr>
-              <a:t>Generate new generation based on the new genome</a:t>
-            </a:r>
-          </a:p>
-        </p:txBody>
-      </p:sp>
-      <p:cxnSp>
-        <p:nvCxnSpPr>
-          <p:cNvPr id="21" name="Straight Arrow Connector 20">
-            <a:extLst>
-              <a:ext uri="{FF2B5EF4-FFF2-40B4-BE49-F238E27FC236}">
-                <a16:creationId xmlns:a16="http://schemas.microsoft.com/office/drawing/2014/main" id="{8121911A-4D02-4327-B3F5-CCF21FC2CC99}"/>
-              </a:ext>
-            </a:extLst>
-          </p:cNvPr>
-          <p:cNvCxnSpPr>
-            <a:cxnSpLocks/>
-          </p:cNvCxnSpPr>
-          <p:nvPr/>
-        </p:nvCxnSpPr>
-        <p:spPr>
-          <a:xfrm>
-            <a:off x="8104123" y="6012873"/>
-            <a:ext cx="1240732" cy="0"/>
-          </a:xfrm>
-          <a:prstGeom prst="straightConnector1">
-            <a:avLst/>
-          </a:prstGeom>
-          <a:ln>
-            <a:tailEnd type="triangle"/>
-          </a:ln>
-        </p:spPr>
-        <p:style>
-          <a:lnRef idx="1">
-            <a:schemeClr val="dk1"/>
-          </a:lnRef>
-          <a:fillRef idx="0">
-            <a:schemeClr val="dk1"/>
-          </a:fillRef>
-          <a:effectRef idx="0">
-            <a:schemeClr val="dk1"/>
-          </a:effectRef>
-          <a:fontRef idx="minor">
-            <a:schemeClr val="tx1"/>
-          </a:fontRef>
-        </p:style>
-      </p:cxnSp>
-      <p:cxnSp>
-        <p:nvCxnSpPr>
-          <p:cNvPr id="34" name="Straight Arrow Connector 33">
-            <a:extLst>
-              <a:ext uri="{FF2B5EF4-FFF2-40B4-BE49-F238E27FC236}">
-                <a16:creationId xmlns:a16="http://schemas.microsoft.com/office/drawing/2014/main" id="{D95DA0CE-5807-4D03-A687-FE6664CD9A9E}"/>
-              </a:ext>
-            </a:extLst>
-          </p:cNvPr>
-          <p:cNvCxnSpPr>
-            <a:cxnSpLocks/>
-          </p:cNvCxnSpPr>
-          <p:nvPr/>
-        </p:nvCxnSpPr>
-        <p:spPr>
-          <a:xfrm flipH="1">
-            <a:off x="6283224" y="3662387"/>
-            <a:ext cx="7225" cy="331391"/>
-          </a:xfrm>
-          <a:prstGeom prst="straightConnector1">
-            <a:avLst/>
-          </a:prstGeom>
-          <a:ln>
-            <a:tailEnd type="triangle"/>
-          </a:ln>
-        </p:spPr>
-        <p:style>
-          <a:lnRef idx="1">
-            <a:schemeClr val="dk1"/>
-          </a:lnRef>
-          <a:fillRef idx="0">
-            <a:schemeClr val="dk1"/>
-          </a:fillRef>
-          <a:effectRef idx="0">
-            <a:schemeClr val="dk1"/>
-          </a:effectRef>
-          <a:fontRef idx="minor">
-            <a:schemeClr val="tx1"/>
-          </a:fontRef>
-        </p:style>
-      </p:cxnSp>
-      <p:sp>
-        <p:nvSpPr>
-          <p:cNvPr id="36" name="Rectangle 35">
-            <a:extLst>
-              <a:ext uri="{FF2B5EF4-FFF2-40B4-BE49-F238E27FC236}">
-                <a16:creationId xmlns:a16="http://schemas.microsoft.com/office/drawing/2014/main" id="{A4CB5D04-2FF2-4B13-89AA-1C8671E5C43A}"/>
-              </a:ext>
-            </a:extLst>
-          </p:cNvPr>
-          <p:cNvSpPr/>
-          <p:nvPr/>
-        </p:nvSpPr>
-        <p:spPr>
-          <a:xfrm>
-            <a:off x="6020165" y="3736200"/>
-            <a:ext cx="569294" cy="117557"/>
-          </a:xfrm>
-          <a:prstGeom prst="rect">
-            <a:avLst/>
-          </a:prstGeom>
-          <a:solidFill>
-            <a:schemeClr val="dk1">
-              <a:alpha val="50000"/>
-            </a:schemeClr>
-          </a:solidFill>
-          <a:ln>
-            <a:noFill/>
-          </a:ln>
-        </p:spPr>
-        <p:style>
-          <a:lnRef idx="0">
-            <a:scrgbClr r="0" g="0" b="0"/>
-          </a:lnRef>
-          <a:fillRef idx="0">
-            <a:scrgbClr r="0" g="0" b="0"/>
-          </a:fillRef>
-          <a:effectRef idx="0">
-            <a:scrgbClr r="0" g="0" b="0"/>
-          </a:effectRef>
-          <a:fontRef idx="minor">
-            <a:schemeClr val="lt1"/>
-          </a:fontRef>
-        </p:style>
-        <p:txBody>
-          <a:bodyPr rtlCol="0" anchor="ctr"/>
-          <a:lstStyle/>
-          <a:p>
-            <a:pPr algn="ctr"/>
-            <a:r>
-              <a:rPr lang="en-US" sz="1200" dirty="0">
-                <a:solidFill>
-                  <a:schemeClr val="bg1"/>
-                </a:solidFill>
-              </a:rPr>
-              <a:t>NO</a:t>
-            </a:r>
-          </a:p>
-        </p:txBody>
-      </p:sp>
-      <p:cxnSp>
-        <p:nvCxnSpPr>
-          <p:cNvPr id="38" name="Straight Arrow Connector 37">
-            <a:extLst>
-              <a:ext uri="{FF2B5EF4-FFF2-40B4-BE49-F238E27FC236}">
-                <a16:creationId xmlns:a16="http://schemas.microsoft.com/office/drawing/2014/main" id="{56E065D4-8C4F-4B9F-A9A7-97BAD7DF95C9}"/>
-              </a:ext>
-            </a:extLst>
-          </p:cNvPr>
-          <p:cNvCxnSpPr>
-            <a:cxnSpLocks/>
-          </p:cNvCxnSpPr>
-          <p:nvPr/>
-        </p:nvCxnSpPr>
-        <p:spPr>
-          <a:xfrm flipV="1">
-            <a:off x="5215708" y="3301231"/>
-            <a:ext cx="0" cy="20796"/>
-          </a:xfrm>
-          <a:prstGeom prst="straightConnector1">
-            <a:avLst/>
-          </a:prstGeom>
-          <a:ln>
-            <a:tailEnd type="triangle"/>
-          </a:ln>
-        </p:spPr>
-        <p:style>
-          <a:lnRef idx="1">
-            <a:schemeClr val="dk1"/>
-          </a:lnRef>
-          <a:fillRef idx="0">
-            <a:schemeClr val="dk1"/>
-          </a:fillRef>
-          <a:effectRef idx="0">
-            <a:schemeClr val="dk1"/>
-          </a:effectRef>
-          <a:fontRef idx="minor">
-            <a:schemeClr val="tx1"/>
-          </a:fontRef>
-        </p:style>
-      </p:cxnSp>
-      <p:cxnSp>
-        <p:nvCxnSpPr>
-          <p:cNvPr id="41" name="Straight Arrow Connector 40">
-            <a:extLst>
-              <a:ext uri="{FF2B5EF4-FFF2-40B4-BE49-F238E27FC236}">
-                <a16:creationId xmlns:a16="http://schemas.microsoft.com/office/drawing/2014/main" id="{03621F82-3FB3-480A-9E7F-76BBC184D90D}"/>
-              </a:ext>
-            </a:extLst>
-          </p:cNvPr>
-          <p:cNvCxnSpPr>
-            <a:cxnSpLocks/>
-          </p:cNvCxnSpPr>
-          <p:nvPr/>
-        </p:nvCxnSpPr>
-        <p:spPr>
-          <a:xfrm flipH="1">
-            <a:off x="3673889" y="3322025"/>
-            <a:ext cx="1488922" cy="0"/>
-          </a:xfrm>
-          <a:prstGeom prst="straightConnector1">
-            <a:avLst/>
-          </a:prstGeom>
-          <a:ln>
-            <a:tailEnd type="triangle"/>
-          </a:ln>
-        </p:spPr>
-        <p:style>
-          <a:lnRef idx="1">
-            <a:schemeClr val="dk1"/>
-          </a:lnRef>
-          <a:fillRef idx="0">
-            <a:schemeClr val="dk1"/>
-          </a:fillRef>
-          <a:effectRef idx="0">
-            <a:schemeClr val="dk1"/>
-          </a:effectRef>
-          <a:fontRef idx="minor">
-            <a:schemeClr val="tx1"/>
-          </a:fontRef>
-        </p:style>
-      </p:cxnSp>
-      <p:cxnSp>
-        <p:nvCxnSpPr>
-          <p:cNvPr id="45" name="Straight Arrow Connector 44">
-            <a:extLst>
-              <a:ext uri="{FF2B5EF4-FFF2-40B4-BE49-F238E27FC236}">
-                <a16:creationId xmlns:a16="http://schemas.microsoft.com/office/drawing/2014/main" id="{7CFF40DA-A72F-48AE-9C5C-0C83717B089A}"/>
-              </a:ext>
-            </a:extLst>
-          </p:cNvPr>
-          <p:cNvCxnSpPr>
-            <a:cxnSpLocks/>
-          </p:cNvCxnSpPr>
-          <p:nvPr/>
-        </p:nvCxnSpPr>
-        <p:spPr>
-          <a:xfrm>
-            <a:off x="3673889" y="3322025"/>
-            <a:ext cx="0" cy="601326"/>
-          </a:xfrm>
-          <a:prstGeom prst="straightConnector1">
-            <a:avLst/>
-          </a:prstGeom>
-          <a:ln>
-            <a:tailEnd type="triangle"/>
-          </a:ln>
-        </p:spPr>
-        <p:style>
-          <a:lnRef idx="1">
-            <a:schemeClr val="dk1"/>
-          </a:lnRef>
-          <a:fillRef idx="0">
-            <a:schemeClr val="dk1"/>
-          </a:fillRef>
-          <a:effectRef idx="0">
-            <a:schemeClr val="dk1"/>
-          </a:effectRef>
-          <a:fontRef idx="minor">
-            <a:schemeClr val="tx1"/>
-          </a:fontRef>
-        </p:style>
-      </p:cxnSp>
-      <p:sp>
-        <p:nvSpPr>
-          <p:cNvPr id="47" name="Rectangle 46">
-            <a:extLst>
-              <a:ext uri="{FF2B5EF4-FFF2-40B4-BE49-F238E27FC236}">
-                <a16:creationId xmlns:a16="http://schemas.microsoft.com/office/drawing/2014/main" id="{28D6C6B9-0C1F-4CC3-9962-BD744226A9F8}"/>
-              </a:ext>
-            </a:extLst>
-          </p:cNvPr>
-          <p:cNvSpPr/>
-          <p:nvPr/>
-        </p:nvSpPr>
-        <p:spPr>
-          <a:xfrm>
-            <a:off x="3028289" y="3923352"/>
-            <a:ext cx="1248027" cy="759833"/>
-          </a:xfrm>
-          <a:prstGeom prst="rect">
-            <a:avLst/>
-          </a:prstGeom>
-          <a:solidFill>
-            <a:schemeClr val="dk1">
-              <a:alpha val="50000"/>
-            </a:schemeClr>
-          </a:solidFill>
-          <a:ln>
-            <a:noFill/>
-          </a:ln>
-        </p:spPr>
-        <p:style>
-          <a:lnRef idx="0">
-            <a:scrgbClr r="0" g="0" b="0"/>
-          </a:lnRef>
-          <a:fillRef idx="0">
-            <a:scrgbClr r="0" g="0" b="0"/>
-          </a:fillRef>
-          <a:effectRef idx="0">
-            <a:scrgbClr r="0" g="0" b="0"/>
-          </a:effectRef>
-          <a:fontRef idx="minor">
-            <a:schemeClr val="lt1"/>
-          </a:fontRef>
-        </p:style>
-        <p:txBody>
-          <a:bodyPr rtlCol="0" anchor="ctr"/>
-          <a:lstStyle/>
-          <a:p>
-            <a:pPr algn="ctr"/>
-            <a:r>
-              <a:rPr lang="en-US" sz="1200" dirty="0">
-                <a:solidFill>
-                  <a:schemeClr val="bg1"/>
-                </a:solidFill>
-              </a:rPr>
-              <a:t>Best Route Found</a:t>
-            </a:r>
-          </a:p>
-        </p:txBody>
-      </p:sp>
-      <p:cxnSp>
-        <p:nvCxnSpPr>
-          <p:cNvPr id="49" name="Straight Arrow Connector 48">
-            <a:extLst>
-              <a:ext uri="{FF2B5EF4-FFF2-40B4-BE49-F238E27FC236}">
-                <a16:creationId xmlns:a16="http://schemas.microsoft.com/office/drawing/2014/main" id="{CC5B4184-9EFD-4323-9F58-01A5D2F4E58D}"/>
-              </a:ext>
-            </a:extLst>
-          </p:cNvPr>
-          <p:cNvCxnSpPr/>
-          <p:nvPr/>
-        </p:nvCxnSpPr>
-        <p:spPr>
-          <a:xfrm>
-            <a:off x="3621916" y="4727609"/>
-            <a:ext cx="0" cy="485083"/>
-          </a:xfrm>
-          <a:prstGeom prst="straightConnector1">
-            <a:avLst/>
-          </a:prstGeom>
-          <a:ln>
-            <a:tailEnd type="triangle"/>
-          </a:ln>
-        </p:spPr>
-        <p:style>
-          <a:lnRef idx="1">
-            <a:schemeClr val="dk1"/>
-          </a:lnRef>
-          <a:fillRef idx="0">
-            <a:schemeClr val="dk1"/>
-          </a:fillRef>
-          <a:effectRef idx="0">
-            <a:schemeClr val="dk1"/>
-          </a:effectRef>
-          <a:fontRef idx="minor">
-            <a:schemeClr val="tx1"/>
-          </a:fontRef>
-        </p:style>
-      </p:cxnSp>
-      <p:sp>
-        <p:nvSpPr>
-          <p:cNvPr id="50" name="Rectangle 49">
-            <a:extLst>
-              <a:ext uri="{FF2B5EF4-FFF2-40B4-BE49-F238E27FC236}">
-                <a16:creationId xmlns:a16="http://schemas.microsoft.com/office/drawing/2014/main" id="{8160402F-E857-495F-BD01-1721B0DA45DA}"/>
-              </a:ext>
-            </a:extLst>
-          </p:cNvPr>
-          <p:cNvSpPr/>
-          <p:nvPr/>
-        </p:nvSpPr>
-        <p:spPr>
-          <a:xfrm>
-            <a:off x="3214076" y="5212692"/>
-            <a:ext cx="766356" cy="407715"/>
-          </a:xfrm>
-          <a:prstGeom prst="rect">
-            <a:avLst/>
-          </a:prstGeom>
-          <a:solidFill>
-            <a:schemeClr val="dk1">
-              <a:alpha val="50000"/>
-            </a:schemeClr>
-          </a:solidFill>
-          <a:ln>
-            <a:noFill/>
-          </a:ln>
-        </p:spPr>
-        <p:style>
-          <a:lnRef idx="0">
-            <a:scrgbClr r="0" g="0" b="0"/>
-          </a:lnRef>
-          <a:fillRef idx="0">
-            <a:scrgbClr r="0" g="0" b="0"/>
-          </a:fillRef>
-          <a:effectRef idx="0">
-            <a:scrgbClr r="0" g="0" b="0"/>
-          </a:effectRef>
-          <a:fontRef idx="minor">
-            <a:schemeClr val="lt1"/>
-          </a:fontRef>
-        </p:style>
-        <p:txBody>
-          <a:bodyPr rtlCol="0" anchor="ctr"/>
-          <a:lstStyle/>
-          <a:p>
-            <a:pPr algn="ctr"/>
-            <a:r>
-              <a:rPr lang="en-US" sz="1200" dirty="0">
-                <a:solidFill>
-                  <a:schemeClr val="bg1"/>
-                </a:solidFill>
-              </a:rPr>
-              <a:t>END</a:t>
-            </a:r>
-          </a:p>
-        </p:txBody>
-      </p:sp>
-      <p:sp>
-        <p:nvSpPr>
-          <p:cNvPr id="30" name="Rectangle 29">
-            <a:extLst>
-              <a:ext uri="{FF2B5EF4-FFF2-40B4-BE49-F238E27FC236}">
-                <a16:creationId xmlns:a16="http://schemas.microsoft.com/office/drawing/2014/main" id="{70855347-2EA9-400F-84CD-D41E6B1DE335}"/>
-              </a:ext>
-            </a:extLst>
-          </p:cNvPr>
-          <p:cNvSpPr/>
-          <p:nvPr/>
-        </p:nvSpPr>
-        <p:spPr>
-          <a:xfrm>
-            <a:off x="4399248" y="966706"/>
-            <a:ext cx="4116429" cy="397229"/>
-          </a:xfrm>
-          <a:prstGeom prst="rect">
-            <a:avLst/>
-          </a:prstGeom>
-          <a:solidFill>
-            <a:srgbClr val="408CBF"/>
-          </a:solidFill>
-          <a:ln>
-            <a:noFill/>
-          </a:ln>
-        </p:spPr>
-        <p:style>
-          <a:lnRef idx="0">
-            <a:scrgbClr r="0" g="0" b="0"/>
-          </a:lnRef>
-          <a:fillRef idx="0">
-            <a:scrgbClr r="0" g="0" b="0"/>
-          </a:fillRef>
-          <a:effectRef idx="0">
-            <a:scrgbClr r="0" g="0" b="0"/>
-          </a:effectRef>
-          <a:fontRef idx="minor">
-            <a:schemeClr val="lt1"/>
-          </a:fontRef>
-        </p:style>
-        <p:txBody>
-          <a:bodyPr rtlCol="0" anchor="ctr"/>
-          <a:lstStyle/>
-          <a:p>
-            <a:pPr algn="ctr"/>
-            <a:r>
-              <a:rPr lang="en-US" sz="1200" dirty="0">
-                <a:solidFill>
-                  <a:schemeClr val="bg1"/>
-                </a:solidFill>
-              </a:rPr>
-              <a:t>Generate genome using random sequences of genes</a:t>
-            </a:r>
-          </a:p>
-        </p:txBody>
-      </p:sp>
-      <p:cxnSp>
-        <p:nvCxnSpPr>
-          <p:cNvPr id="32" name="Straight Arrow Connector 31">
-            <a:extLst>
-              <a:ext uri="{FF2B5EF4-FFF2-40B4-BE49-F238E27FC236}">
-                <a16:creationId xmlns:a16="http://schemas.microsoft.com/office/drawing/2014/main" id="{1E8FA2D6-A7B5-4B3B-9650-82565E029BE1}"/>
-              </a:ext>
-            </a:extLst>
-          </p:cNvPr>
-          <p:cNvCxnSpPr>
-            <a:cxnSpLocks/>
-          </p:cNvCxnSpPr>
-          <p:nvPr/>
-        </p:nvCxnSpPr>
-        <p:spPr>
-          <a:xfrm>
-            <a:off x="6265050" y="1426820"/>
-            <a:ext cx="7226" cy="305560"/>
-          </a:xfrm>
-          <a:prstGeom prst="straightConnector1">
-            <a:avLst/>
-          </a:prstGeom>
-          <a:ln>
-            <a:tailEnd type="triangle"/>
-          </a:ln>
-        </p:spPr>
-        <p:style>
-          <a:lnRef idx="1">
-            <a:schemeClr val="dk1"/>
-          </a:lnRef>
-          <a:fillRef idx="0">
-            <a:schemeClr val="dk1"/>
-          </a:fillRef>
-          <a:effectRef idx="0">
-            <a:schemeClr val="dk1"/>
-          </a:effectRef>
-          <a:fontRef idx="minor">
-            <a:schemeClr val="tx1"/>
-          </a:fontRef>
-        </p:style>
-      </p:cxnSp>
-      <p:sp>
-        <p:nvSpPr>
-          <p:cNvPr id="33" name="Rectangle 32">
-            <a:extLst>
-              <a:ext uri="{FF2B5EF4-FFF2-40B4-BE49-F238E27FC236}">
-                <a16:creationId xmlns:a16="http://schemas.microsoft.com/office/drawing/2014/main" id="{5BA335BE-B040-4A55-855E-FD18F4B93301}"/>
-              </a:ext>
-            </a:extLst>
-          </p:cNvPr>
-          <p:cNvSpPr/>
-          <p:nvPr/>
-        </p:nvSpPr>
-        <p:spPr>
-          <a:xfrm>
-            <a:off x="4399248" y="1666465"/>
-            <a:ext cx="4116429" cy="420146"/>
-          </a:xfrm>
-          <a:prstGeom prst="rect">
-            <a:avLst/>
-          </a:prstGeom>
-          <a:solidFill>
-            <a:srgbClr val="408CBF"/>
-          </a:solidFill>
-          <a:ln>
-            <a:noFill/>
-          </a:ln>
-        </p:spPr>
-        <p:style>
-          <a:lnRef idx="0">
-            <a:scrgbClr r="0" g="0" b="0"/>
-          </a:lnRef>
-          <a:fillRef idx="0">
-            <a:scrgbClr r="0" g="0" b="0"/>
-          </a:fillRef>
-          <a:effectRef idx="0">
-            <a:scrgbClr r="0" g="0" b="0"/>
-          </a:effectRef>
-          <a:fontRef idx="minor">
-            <a:schemeClr val="lt1"/>
-          </a:fontRef>
-        </p:style>
-        <p:txBody>
-          <a:bodyPr rtlCol="0" anchor="ctr"/>
-          <a:lstStyle/>
-          <a:p>
-            <a:pPr algn="ctr"/>
-            <a:r>
-              <a:rPr lang="en-US" sz="1200" dirty="0">
-                <a:solidFill>
-                  <a:schemeClr val="bg1"/>
-                </a:solidFill>
-              </a:rPr>
-              <a:t>Initiate Population by mapping genome to phenome(different routes of the cities)</a:t>
-            </a:r>
-          </a:p>
-        </p:txBody>
-      </p:sp>
-      <p:cxnSp>
-        <p:nvCxnSpPr>
-          <p:cNvPr id="35" name="Straight Arrow Connector 34">
-            <a:extLst>
-              <a:ext uri="{FF2B5EF4-FFF2-40B4-BE49-F238E27FC236}">
-                <a16:creationId xmlns:a16="http://schemas.microsoft.com/office/drawing/2014/main" id="{C4690FD1-DC72-4AA9-B6DC-AC00856551CA}"/>
-              </a:ext>
-            </a:extLst>
-          </p:cNvPr>
-          <p:cNvCxnSpPr>
-            <a:cxnSpLocks/>
-          </p:cNvCxnSpPr>
-          <p:nvPr/>
-        </p:nvCxnSpPr>
-        <p:spPr>
-          <a:xfrm>
-            <a:off x="6283224" y="2043628"/>
-            <a:ext cx="7226" cy="305560"/>
-          </a:xfrm>
-          <a:prstGeom prst="straightConnector1">
-            <a:avLst/>
-          </a:prstGeom>
-          <a:ln>
-            <a:tailEnd type="triangle"/>
-          </a:ln>
-        </p:spPr>
-        <p:style>
-          <a:lnRef idx="1">
-            <a:schemeClr val="dk1"/>
-          </a:lnRef>
-          <a:fillRef idx="0">
-            <a:schemeClr val="dk1"/>
-          </a:fillRef>
-          <a:effectRef idx="0">
-            <a:schemeClr val="dk1"/>
-          </a:effectRef>
-          <a:fontRef idx="minor">
-            <a:schemeClr val="tx1"/>
-          </a:fontRef>
-        </p:style>
-      </p:cxnSp>
-      <p:sp>
-        <p:nvSpPr>
-          <p:cNvPr id="37" name="Rectangle 36">
-            <a:extLst>
-              <a:ext uri="{FF2B5EF4-FFF2-40B4-BE49-F238E27FC236}">
-                <a16:creationId xmlns:a16="http://schemas.microsoft.com/office/drawing/2014/main" id="{229C2308-EEF2-4A72-A30B-F26B102D9F9B}"/>
-              </a:ext>
-            </a:extLst>
-          </p:cNvPr>
-          <p:cNvSpPr/>
-          <p:nvPr/>
-        </p:nvSpPr>
-        <p:spPr>
-          <a:xfrm>
-            <a:off x="4399249" y="2331342"/>
-            <a:ext cx="4116429" cy="385771"/>
-          </a:xfrm>
-          <a:prstGeom prst="rect">
-            <a:avLst/>
-          </a:prstGeom>
-          <a:solidFill>
-            <a:srgbClr val="408CBF"/>
-          </a:solidFill>
-          <a:ln>
-            <a:noFill/>
-          </a:ln>
-        </p:spPr>
-        <p:style>
-          <a:lnRef idx="0">
-            <a:scrgbClr r="0" g="0" b="0"/>
-          </a:lnRef>
-          <a:fillRef idx="0">
-            <a:scrgbClr r="0" g="0" b="0"/>
-          </a:fillRef>
-          <a:effectRef idx="0">
-            <a:scrgbClr r="0" g="0" b="0"/>
-          </a:effectRef>
-          <a:fontRef idx="minor">
-            <a:schemeClr val="lt1"/>
-          </a:fontRef>
-        </p:style>
-        <p:txBody>
-          <a:bodyPr rtlCol="0" anchor="ctr"/>
-          <a:lstStyle/>
-          <a:p>
-            <a:pPr algn="ctr"/>
-            <a:r>
-              <a:rPr lang="en-US" sz="1200" dirty="0">
-                <a:solidFill>
-                  <a:schemeClr val="bg1"/>
-                </a:solidFill>
-              </a:rPr>
-              <a:t>Evaluate fitness and distance of each child in the population and sort the population</a:t>
-            </a:r>
-          </a:p>
-        </p:txBody>
-      </p:sp>
-      <p:sp>
-        <p:nvSpPr>
-          <p:cNvPr id="39" name="Rectangle 38">
-            <a:extLst>
-              <a:ext uri="{FF2B5EF4-FFF2-40B4-BE49-F238E27FC236}">
-                <a16:creationId xmlns:a16="http://schemas.microsoft.com/office/drawing/2014/main" id="{3FFBD973-8C40-4EB9-8742-546B4EE60F78}"/>
-              </a:ext>
-            </a:extLst>
-          </p:cNvPr>
-          <p:cNvSpPr/>
-          <p:nvPr/>
-        </p:nvSpPr>
-        <p:spPr>
-          <a:xfrm>
-            <a:off x="4350820" y="3978647"/>
-            <a:ext cx="4116429" cy="689406"/>
-          </a:xfrm>
-          <a:prstGeom prst="rect">
-            <a:avLst/>
-          </a:prstGeom>
-          <a:solidFill>
-            <a:srgbClr val="408CBF"/>
-          </a:solidFill>
-          <a:ln>
-            <a:noFill/>
-          </a:ln>
-        </p:spPr>
-        <p:style>
-          <a:lnRef idx="0">
-            <a:scrgbClr r="0" g="0" b="0"/>
-          </a:lnRef>
-          <a:fillRef idx="0">
-            <a:scrgbClr r="0" g="0" b="0"/>
-          </a:fillRef>
-          <a:effectRef idx="0">
-            <a:scrgbClr r="0" g="0" b="0"/>
-          </a:effectRef>
-          <a:fontRef idx="minor">
-            <a:schemeClr val="lt1"/>
-          </a:fontRef>
-        </p:style>
-        <p:txBody>
-          <a:bodyPr rtlCol="0" anchor="ctr"/>
-          <a:lstStyle/>
-          <a:p>
-            <a:pPr algn="ctr"/>
-            <a:r>
-              <a:rPr lang="en-US" sz="1200" dirty="0">
-                <a:solidFill>
-                  <a:schemeClr val="bg1"/>
-                </a:solidFill>
-              </a:rPr>
-              <a:t>Select Parents for the next generation by picking top phenome(routes ) from the current generation</a:t>
-            </a:r>
-          </a:p>
-        </p:txBody>
-      </p:sp>
-      <p:cxnSp>
-        <p:nvCxnSpPr>
-          <p:cNvPr id="40" name="Straight Arrow Connector 39">
-            <a:extLst>
-              <a:ext uri="{FF2B5EF4-FFF2-40B4-BE49-F238E27FC236}">
-                <a16:creationId xmlns:a16="http://schemas.microsoft.com/office/drawing/2014/main" id="{39582D56-D7C5-4E18-9EFD-8F7E0B56A204}"/>
-              </a:ext>
-            </a:extLst>
-          </p:cNvPr>
-          <p:cNvCxnSpPr>
-            <a:cxnSpLocks/>
-          </p:cNvCxnSpPr>
-          <p:nvPr/>
-        </p:nvCxnSpPr>
-        <p:spPr>
-          <a:xfrm>
-            <a:off x="6257824" y="4649458"/>
-            <a:ext cx="7226" cy="305560"/>
-          </a:xfrm>
-          <a:prstGeom prst="straightConnector1">
-            <a:avLst/>
-          </a:prstGeom>
-          <a:ln>
-            <a:tailEnd type="triangle"/>
-          </a:ln>
-        </p:spPr>
-        <p:style>
-          <a:lnRef idx="1">
-            <a:schemeClr val="dk1"/>
-          </a:lnRef>
-          <a:fillRef idx="0">
-            <a:schemeClr val="dk1"/>
-          </a:fillRef>
-          <a:effectRef idx="0">
-            <a:schemeClr val="dk1"/>
-          </a:effectRef>
-          <a:fontRef idx="minor">
-            <a:schemeClr val="tx1"/>
-          </a:fontRef>
-        </p:style>
-      </p:cxnSp>
-      <p:sp>
-        <p:nvSpPr>
-          <p:cNvPr id="42" name="Rectangle 41">
-            <a:extLst>
-              <a:ext uri="{FF2B5EF4-FFF2-40B4-BE49-F238E27FC236}">
-                <a16:creationId xmlns:a16="http://schemas.microsoft.com/office/drawing/2014/main" id="{97B13BC3-F114-4A77-9F38-D01A8E4B18AF}"/>
-              </a:ext>
-            </a:extLst>
-          </p:cNvPr>
-          <p:cNvSpPr/>
-          <p:nvPr/>
-        </p:nvSpPr>
-        <p:spPr>
-          <a:xfrm>
-            <a:off x="4348979" y="4947443"/>
-            <a:ext cx="4116429" cy="635007"/>
-          </a:xfrm>
-          <a:prstGeom prst="rect">
-            <a:avLst/>
-          </a:prstGeom>
-          <a:solidFill>
-            <a:srgbClr val="408CBF"/>
-          </a:solidFill>
-          <a:ln>
-            <a:noFill/>
-          </a:ln>
-        </p:spPr>
-        <p:style>
-          <a:lnRef idx="0">
-            <a:scrgbClr r="0" g="0" b="0"/>
-          </a:lnRef>
-          <a:fillRef idx="0">
-            <a:scrgbClr r="0" g="0" b="0"/>
-          </a:fillRef>
-          <a:effectRef idx="0">
-            <a:scrgbClr r="0" g="0" b="0"/>
-          </a:effectRef>
-          <a:fontRef idx="minor">
-            <a:schemeClr val="lt1"/>
-          </a:fontRef>
-        </p:style>
-        <p:txBody>
-          <a:bodyPr rtlCol="0" anchor="ctr"/>
-          <a:lstStyle/>
-          <a:p>
-            <a:pPr algn="ctr"/>
-            <a:r>
-              <a:rPr lang="en-US" sz="1200" dirty="0">
-                <a:solidFill>
-                  <a:schemeClr val="bg1"/>
-                </a:solidFill>
-              </a:rPr>
-              <a:t>Generate next generation’s genome by crossover between top selected parents of current generation</a:t>
-            </a:r>
-          </a:p>
-        </p:txBody>
-      </p:sp>
-      <p:cxnSp>
-        <p:nvCxnSpPr>
-          <p:cNvPr id="43" name="Straight Arrow Connector 42">
-            <a:extLst>
-              <a:ext uri="{FF2B5EF4-FFF2-40B4-BE49-F238E27FC236}">
-                <a16:creationId xmlns:a16="http://schemas.microsoft.com/office/drawing/2014/main" id="{7A515F39-BA73-4C7E-9101-CA82620381A2}"/>
-              </a:ext>
-            </a:extLst>
-          </p:cNvPr>
-          <p:cNvCxnSpPr>
-            <a:cxnSpLocks/>
-          </p:cNvCxnSpPr>
-          <p:nvPr/>
-        </p:nvCxnSpPr>
-        <p:spPr>
-          <a:xfrm>
-            <a:off x="6272165" y="5607565"/>
-            <a:ext cx="7226" cy="305560"/>
-          </a:xfrm>
-          <a:prstGeom prst="straightConnector1">
-            <a:avLst/>
-          </a:prstGeom>
-          <a:ln>
-            <a:tailEnd type="triangle"/>
-          </a:ln>
-        </p:spPr>
-        <p:style>
-          <a:lnRef idx="1">
-            <a:schemeClr val="dk1"/>
-          </a:lnRef>
-          <a:fillRef idx="0">
-            <a:schemeClr val="dk1"/>
-          </a:fillRef>
-          <a:effectRef idx="0">
-            <a:schemeClr val="dk1"/>
-          </a:effectRef>
-          <a:fontRef idx="minor">
-            <a:schemeClr val="tx1"/>
-          </a:fontRef>
-        </p:style>
-      </p:cxnSp>
-      <p:sp>
-        <p:nvSpPr>
-          <p:cNvPr id="44" name="Rectangle 43">
-            <a:extLst>
-              <a:ext uri="{FF2B5EF4-FFF2-40B4-BE49-F238E27FC236}">
-                <a16:creationId xmlns:a16="http://schemas.microsoft.com/office/drawing/2014/main" id="{EDF476C7-5004-4F68-BECB-38FBCEEE09D8}"/>
-              </a:ext>
-            </a:extLst>
-          </p:cNvPr>
-          <p:cNvSpPr/>
-          <p:nvPr/>
-        </p:nvSpPr>
-        <p:spPr>
-          <a:xfrm>
-            <a:off x="4319818" y="5895077"/>
-            <a:ext cx="4116429" cy="399152"/>
-          </a:xfrm>
-          <a:prstGeom prst="rect">
-            <a:avLst/>
-          </a:prstGeom>
-          <a:solidFill>
-            <a:srgbClr val="408CBF"/>
-          </a:solidFill>
-          <a:ln>
-            <a:noFill/>
-          </a:ln>
-        </p:spPr>
-        <p:style>
-          <a:lnRef idx="0">
-            <a:scrgbClr r="0" g="0" b="0"/>
-          </a:lnRef>
-          <a:fillRef idx="0">
-            <a:scrgbClr r="0" g="0" b="0"/>
-          </a:fillRef>
-          <a:effectRef idx="0">
-            <a:scrgbClr r="0" g="0" b="0"/>
-          </a:effectRef>
-          <a:fontRef idx="minor">
-            <a:schemeClr val="lt1"/>
-          </a:fontRef>
-        </p:style>
-        <p:txBody>
-          <a:bodyPr rtlCol="0" anchor="ctr"/>
-          <a:lstStyle/>
-          <a:p>
-            <a:pPr algn="ctr"/>
-            <a:r>
-              <a:rPr lang="en-US" sz="1200" dirty="0">
-                <a:solidFill>
-                  <a:schemeClr val="bg1"/>
-                </a:solidFill>
-              </a:rPr>
-              <a:t>Generate new generation based on the new genome</a:t>
-            </a:r>
-          </a:p>
-        </p:txBody>
-      </p:sp>
-      <p:sp>
-        <p:nvSpPr>
-          <p:cNvPr id="46" name="Rectangle 45">
-            <a:extLst>
-              <a:ext uri="{FF2B5EF4-FFF2-40B4-BE49-F238E27FC236}">
-                <a16:creationId xmlns:a16="http://schemas.microsoft.com/office/drawing/2014/main" id="{A32495AE-580E-4EE1-AFE2-37058282937C}"/>
-              </a:ext>
-            </a:extLst>
-          </p:cNvPr>
-          <p:cNvSpPr/>
-          <p:nvPr/>
-        </p:nvSpPr>
-        <p:spPr>
-          <a:xfrm>
-            <a:off x="8684697" y="2982096"/>
-            <a:ext cx="1335649" cy="1015989"/>
-          </a:xfrm>
-          <a:prstGeom prst="rect">
-            <a:avLst/>
-          </a:prstGeom>
-          <a:solidFill>
-            <a:srgbClr val="408CBF"/>
-          </a:solidFill>
-          <a:ln>
-            <a:noFill/>
-          </a:ln>
-        </p:spPr>
-        <p:style>
-          <a:lnRef idx="0">
-            <a:scrgbClr r="0" g="0" b="0"/>
-          </a:lnRef>
-          <a:fillRef idx="0">
-            <a:scrgbClr r="0" g="0" b="0"/>
-          </a:fillRef>
-          <a:effectRef idx="0">
-            <a:scrgbClr r="0" g="0" b="0"/>
-          </a:effectRef>
-          <a:fontRef idx="minor">
-            <a:schemeClr val="lt1"/>
-          </a:fontRef>
-        </p:style>
-        <p:txBody>
-          <a:bodyPr rtlCol="0" anchor="ctr"/>
-          <a:lstStyle/>
-          <a:p>
-            <a:pPr algn="ctr"/>
-            <a:r>
-              <a:rPr lang="en-US" sz="1200" dirty="0">
-                <a:solidFill>
-                  <a:schemeClr val="bg1"/>
-                </a:solidFill>
-              </a:rPr>
-              <a:t>New Generation </a:t>
-            </a:r>
-          </a:p>
-        </p:txBody>
-      </p:sp>
-      <p:cxnSp>
-        <p:nvCxnSpPr>
-          <p:cNvPr id="51" name="Straight Arrow Connector 50">
-            <a:extLst>
-              <a:ext uri="{FF2B5EF4-FFF2-40B4-BE49-F238E27FC236}">
-                <a16:creationId xmlns:a16="http://schemas.microsoft.com/office/drawing/2014/main" id="{51C01CFD-5D95-4976-9E06-D54499D0A477}"/>
-              </a:ext>
-            </a:extLst>
-          </p:cNvPr>
-          <p:cNvCxnSpPr>
-            <a:cxnSpLocks/>
-            <a:endCxn id="46" idx="2"/>
-          </p:cNvCxnSpPr>
-          <p:nvPr/>
-        </p:nvCxnSpPr>
-        <p:spPr>
-          <a:xfrm flipV="1">
-            <a:off x="9352521" y="3998085"/>
-            <a:ext cx="1" cy="2014788"/>
-          </a:xfrm>
-          <a:prstGeom prst="straightConnector1">
-            <a:avLst/>
-          </a:prstGeom>
-          <a:ln>
-            <a:tailEnd type="triangle"/>
-          </a:ln>
-        </p:spPr>
-        <p:style>
-          <a:lnRef idx="1">
-            <a:schemeClr val="dk1"/>
-          </a:lnRef>
-          <a:fillRef idx="0">
-            <a:schemeClr val="dk1"/>
-          </a:fillRef>
-          <a:effectRef idx="0">
-            <a:schemeClr val="dk1"/>
-          </a:effectRef>
-          <a:fontRef idx="minor">
-            <a:schemeClr val="tx1"/>
-          </a:fontRef>
-        </p:style>
-      </p:cxnSp>
-      <p:sp>
-        <p:nvSpPr>
-          <p:cNvPr id="54" name="Diamond 53">
-            <a:extLst>
-              <a:ext uri="{FF2B5EF4-FFF2-40B4-BE49-F238E27FC236}">
-                <a16:creationId xmlns:a16="http://schemas.microsoft.com/office/drawing/2014/main" id="{C6E3B0D7-85AA-496A-92EC-6FA23D66C24A}"/>
-              </a:ext>
-            </a:extLst>
-          </p:cNvPr>
-          <p:cNvSpPr/>
-          <p:nvPr/>
-        </p:nvSpPr>
-        <p:spPr>
-          <a:xfrm>
-            <a:off x="5229800" y="2951501"/>
-            <a:ext cx="2149484" cy="722312"/>
-          </a:xfrm>
-          <a:prstGeom prst="diamond">
-            <a:avLst/>
-          </a:prstGeom>
-          <a:solidFill>
-            <a:srgbClr val="408CBF"/>
-          </a:solidFill>
-          <a:ln>
-            <a:noFill/>
-          </a:ln>
-        </p:spPr>
-        <p:style>
-          <a:lnRef idx="0">
-            <a:scrgbClr r="0" g="0" b="0"/>
-          </a:lnRef>
-          <a:fillRef idx="0">
-            <a:scrgbClr r="0" g="0" b="0"/>
-          </a:fillRef>
-          <a:effectRef idx="0">
-            <a:scrgbClr r="0" g="0" b="0"/>
-          </a:effectRef>
-          <a:fontRef idx="minor">
-            <a:schemeClr val="lt1"/>
-          </a:fontRef>
-        </p:style>
-        <p:txBody>
-          <a:bodyPr rtlCol="0" anchor="ctr"/>
-          <a:lstStyle/>
-          <a:p>
-            <a:pPr algn="ctr"/>
-            <a:r>
-              <a:rPr lang="en-US" sz="1200" dirty="0">
-                <a:solidFill>
-                  <a:schemeClr val="bg1"/>
-                </a:solidFill>
-              </a:rPr>
-              <a:t>Optimal solution met?</a:t>
-            </a:r>
-          </a:p>
-        </p:txBody>
-      </p:sp>
-      <p:cxnSp>
-        <p:nvCxnSpPr>
-          <p:cNvPr id="55" name="Straight Arrow Connector 54">
-            <a:extLst>
-              <a:ext uri="{FF2B5EF4-FFF2-40B4-BE49-F238E27FC236}">
-                <a16:creationId xmlns:a16="http://schemas.microsoft.com/office/drawing/2014/main" id="{E3CD56F6-09B9-4129-B5DA-BA6D46B880EC}"/>
-              </a:ext>
-            </a:extLst>
-          </p:cNvPr>
-          <p:cNvCxnSpPr>
-            <a:cxnSpLocks/>
-            <a:endCxn id="54" idx="0"/>
-          </p:cNvCxnSpPr>
-          <p:nvPr/>
-        </p:nvCxnSpPr>
-        <p:spPr>
-          <a:xfrm>
-            <a:off x="6302808" y="2661699"/>
-            <a:ext cx="1733" cy="289802"/>
-          </a:xfrm>
-          <a:prstGeom prst="straightConnector1">
-            <a:avLst/>
-          </a:prstGeom>
-          <a:ln>
-            <a:tailEnd type="triangle"/>
-          </a:ln>
-        </p:spPr>
-        <p:style>
-          <a:lnRef idx="1">
-            <a:schemeClr val="dk1"/>
-          </a:lnRef>
-          <a:fillRef idx="0">
-            <a:schemeClr val="dk1"/>
-          </a:fillRef>
-          <a:effectRef idx="0">
-            <a:schemeClr val="dk1"/>
-          </a:effectRef>
-          <a:fontRef idx="minor">
-            <a:schemeClr val="tx1"/>
-          </a:fontRef>
-        </p:style>
-      </p:cxnSp>
-      <p:cxnSp>
-        <p:nvCxnSpPr>
-          <p:cNvPr id="56" name="Straight Arrow Connector 55">
-            <a:extLst>
-              <a:ext uri="{FF2B5EF4-FFF2-40B4-BE49-F238E27FC236}">
-                <a16:creationId xmlns:a16="http://schemas.microsoft.com/office/drawing/2014/main" id="{E2FFFEFB-C3D2-45A9-80C7-296E79B27F2E}"/>
-              </a:ext>
-            </a:extLst>
-          </p:cNvPr>
-          <p:cNvCxnSpPr>
-            <a:cxnSpLocks/>
-            <a:stCxn id="54" idx="2"/>
-          </p:cNvCxnSpPr>
-          <p:nvPr/>
-        </p:nvCxnSpPr>
-        <p:spPr>
-          <a:xfrm flipH="1">
-            <a:off x="6297316" y="3673813"/>
-            <a:ext cx="7225" cy="331391"/>
-          </a:xfrm>
-          <a:prstGeom prst="straightConnector1">
-            <a:avLst/>
-          </a:prstGeom>
-          <a:ln>
-            <a:tailEnd type="triangle"/>
-          </a:ln>
-        </p:spPr>
-        <p:style>
-          <a:lnRef idx="1">
-            <a:schemeClr val="dk1"/>
-          </a:lnRef>
-          <a:fillRef idx="0">
-            <a:schemeClr val="dk1"/>
-          </a:fillRef>
-          <a:effectRef idx="0">
-            <a:schemeClr val="dk1"/>
-          </a:effectRef>
-          <a:fontRef idx="minor">
-            <a:schemeClr val="tx1"/>
-          </a:fontRef>
-        </p:style>
-      </p:cxnSp>
-      <p:sp>
-        <p:nvSpPr>
-          <p:cNvPr id="57" name="Rectangle 56">
-            <a:extLst>
-              <a:ext uri="{FF2B5EF4-FFF2-40B4-BE49-F238E27FC236}">
-                <a16:creationId xmlns:a16="http://schemas.microsoft.com/office/drawing/2014/main" id="{FFD4C5AB-7EC7-433D-B22E-3F92B4FB1FCF}"/>
-              </a:ext>
-            </a:extLst>
-          </p:cNvPr>
-          <p:cNvSpPr/>
-          <p:nvPr/>
-        </p:nvSpPr>
-        <p:spPr>
-          <a:xfrm>
-            <a:off x="6020165" y="3721068"/>
-            <a:ext cx="569294" cy="117557"/>
-          </a:xfrm>
-          <a:prstGeom prst="rect">
-            <a:avLst/>
-          </a:prstGeom>
-          <a:solidFill>
-            <a:srgbClr val="408CBF"/>
-          </a:solidFill>
-          <a:ln>
-            <a:noFill/>
-          </a:ln>
-        </p:spPr>
-        <p:style>
-          <a:lnRef idx="0">
-            <a:scrgbClr r="0" g="0" b="0"/>
-          </a:lnRef>
-          <a:fillRef idx="0">
-            <a:scrgbClr r="0" g="0" b="0"/>
-          </a:fillRef>
-          <a:effectRef idx="0">
-            <a:scrgbClr r="0" g="0" b="0"/>
-          </a:effectRef>
-          <a:fontRef idx="minor">
-            <a:schemeClr val="lt1"/>
-          </a:fontRef>
-        </p:style>
-        <p:txBody>
-          <a:bodyPr rtlCol="0" anchor="ctr"/>
-          <a:lstStyle/>
-          <a:p>
-            <a:pPr algn="ctr"/>
-            <a:r>
-              <a:rPr lang="en-US" sz="1200" dirty="0">
-                <a:solidFill>
-                  <a:schemeClr val="bg1"/>
-                </a:solidFill>
-              </a:rPr>
-              <a:t>NO</a:t>
-            </a:r>
-          </a:p>
-        </p:txBody>
-      </p:sp>
-      <p:cxnSp>
-        <p:nvCxnSpPr>
-          <p:cNvPr id="58" name="Straight Arrow Connector 57">
-            <a:extLst>
-              <a:ext uri="{FF2B5EF4-FFF2-40B4-BE49-F238E27FC236}">
-                <a16:creationId xmlns:a16="http://schemas.microsoft.com/office/drawing/2014/main" id="{CDD81F14-985A-4DC0-972A-890C637233AE}"/>
-              </a:ext>
-            </a:extLst>
-          </p:cNvPr>
-          <p:cNvCxnSpPr>
-            <a:cxnSpLocks/>
-            <a:endCxn id="54" idx="1"/>
-          </p:cNvCxnSpPr>
-          <p:nvPr/>
-        </p:nvCxnSpPr>
-        <p:spPr>
-          <a:xfrm flipV="1">
-            <a:off x="5229800" y="3312657"/>
-            <a:ext cx="0" cy="20796"/>
-          </a:xfrm>
-          <a:prstGeom prst="straightConnector1">
-            <a:avLst/>
-          </a:prstGeom>
-          <a:ln>
-            <a:tailEnd type="triangle"/>
-          </a:ln>
-        </p:spPr>
-        <p:style>
-          <a:lnRef idx="1">
-            <a:schemeClr val="dk1"/>
-          </a:lnRef>
-          <a:fillRef idx="0">
-            <a:schemeClr val="dk1"/>
-          </a:fillRef>
-          <a:effectRef idx="0">
-            <a:schemeClr val="dk1"/>
-          </a:effectRef>
-          <a:fontRef idx="minor">
-            <a:schemeClr val="tx1"/>
-          </a:fontRef>
-        </p:style>
-      </p:cxnSp>
-      <p:cxnSp>
-        <p:nvCxnSpPr>
-          <p:cNvPr id="60" name="Straight Arrow Connector 59">
-            <a:extLst>
-              <a:ext uri="{FF2B5EF4-FFF2-40B4-BE49-F238E27FC236}">
-                <a16:creationId xmlns:a16="http://schemas.microsoft.com/office/drawing/2014/main" id="{2948D361-AA92-4EEF-88DF-5B04CE61561A}"/>
-              </a:ext>
-            </a:extLst>
-          </p:cNvPr>
-          <p:cNvCxnSpPr>
-            <a:cxnSpLocks/>
-          </p:cNvCxnSpPr>
-          <p:nvPr/>
-        </p:nvCxnSpPr>
-        <p:spPr>
-          <a:xfrm>
-            <a:off x="3673889" y="3306894"/>
-            <a:ext cx="0" cy="601326"/>
-          </a:xfrm>
-          <a:prstGeom prst="straightConnector1">
-            <a:avLst/>
-          </a:prstGeom>
-          <a:ln>
-            <a:tailEnd type="triangle"/>
-          </a:ln>
-        </p:spPr>
-        <p:style>
-          <a:lnRef idx="1">
-            <a:schemeClr val="dk1"/>
-          </a:lnRef>
-          <a:fillRef idx="0">
-            <a:schemeClr val="dk1"/>
-          </a:fillRef>
-          <a:effectRef idx="0">
-            <a:schemeClr val="dk1"/>
-          </a:effectRef>
-          <a:fontRef idx="minor">
-            <a:schemeClr val="tx1"/>
-          </a:fontRef>
-        </p:style>
-      </p:cxnSp>
-      <p:sp>
-        <p:nvSpPr>
-          <p:cNvPr id="61" name="Rectangle 60">
-            <a:extLst>
-              <a:ext uri="{FF2B5EF4-FFF2-40B4-BE49-F238E27FC236}">
-                <a16:creationId xmlns:a16="http://schemas.microsoft.com/office/drawing/2014/main" id="{C72B84B8-A0C9-4C2C-B6D8-93F3604FDAC7}"/>
-              </a:ext>
-            </a:extLst>
-          </p:cNvPr>
-          <p:cNvSpPr/>
-          <p:nvPr/>
-        </p:nvSpPr>
-        <p:spPr>
-          <a:xfrm>
-            <a:off x="3028289" y="3908220"/>
-            <a:ext cx="1248027" cy="759833"/>
-          </a:xfrm>
-          <a:prstGeom prst="rect">
-            <a:avLst/>
-          </a:prstGeom>
-          <a:solidFill>
-            <a:srgbClr val="408CBF"/>
-          </a:solidFill>
-          <a:ln>
-            <a:noFill/>
-          </a:ln>
-        </p:spPr>
-        <p:style>
-          <a:lnRef idx="0">
-            <a:scrgbClr r="0" g="0" b="0"/>
-          </a:lnRef>
-          <a:fillRef idx="0">
-            <a:scrgbClr r="0" g="0" b="0"/>
-          </a:fillRef>
-          <a:effectRef idx="0">
-            <a:scrgbClr r="0" g="0" b="0"/>
-          </a:effectRef>
-          <a:fontRef idx="minor">
-            <a:schemeClr val="lt1"/>
-          </a:fontRef>
-        </p:style>
-        <p:txBody>
-          <a:bodyPr rtlCol="0" anchor="ctr"/>
-          <a:lstStyle/>
-          <a:p>
-            <a:pPr algn="ctr"/>
-            <a:r>
-              <a:rPr lang="en-US" sz="1200" dirty="0">
-                <a:solidFill>
-                  <a:schemeClr val="bg1"/>
-                </a:solidFill>
-              </a:rPr>
-              <a:t>Best Route Found</a:t>
-            </a:r>
-          </a:p>
-        </p:txBody>
-      </p:sp>
-      <p:cxnSp>
-        <p:nvCxnSpPr>
-          <p:cNvPr id="62" name="Straight Arrow Connector 61">
-            <a:extLst>
-              <a:ext uri="{FF2B5EF4-FFF2-40B4-BE49-F238E27FC236}">
-                <a16:creationId xmlns:a16="http://schemas.microsoft.com/office/drawing/2014/main" id="{F47A7358-93D4-4836-823A-91242ADBCBAB}"/>
-              </a:ext>
-            </a:extLst>
-          </p:cNvPr>
-          <p:cNvCxnSpPr/>
-          <p:nvPr/>
-        </p:nvCxnSpPr>
-        <p:spPr>
-          <a:xfrm>
-            <a:off x="3621916" y="4712478"/>
-            <a:ext cx="0" cy="485083"/>
-          </a:xfrm>
-          <a:prstGeom prst="straightConnector1">
-            <a:avLst/>
-          </a:prstGeom>
-          <a:ln>
-            <a:tailEnd type="triangle"/>
-          </a:ln>
-        </p:spPr>
-        <p:style>
-          <a:lnRef idx="1">
-            <a:schemeClr val="dk1"/>
-          </a:lnRef>
-          <a:fillRef idx="0">
-            <a:schemeClr val="dk1"/>
-          </a:fillRef>
-          <a:effectRef idx="0">
-            <a:schemeClr val="dk1"/>
-          </a:effectRef>
-          <a:fontRef idx="minor">
-            <a:schemeClr val="tx1"/>
-          </a:fontRef>
-        </p:style>
-      </p:cxnSp>
-      <p:sp>
-        <p:nvSpPr>
-          <p:cNvPr id="63" name="Rectangle 62">
-            <a:extLst>
-              <a:ext uri="{FF2B5EF4-FFF2-40B4-BE49-F238E27FC236}">
-                <a16:creationId xmlns:a16="http://schemas.microsoft.com/office/drawing/2014/main" id="{8D7B197F-79A0-4618-B57C-84867D78DDD2}"/>
-              </a:ext>
-            </a:extLst>
-          </p:cNvPr>
-          <p:cNvSpPr/>
-          <p:nvPr/>
-        </p:nvSpPr>
-        <p:spPr>
-          <a:xfrm>
-            <a:off x="3214076" y="5197560"/>
-            <a:ext cx="766356" cy="407715"/>
-          </a:xfrm>
-          <a:prstGeom prst="rect">
-            <a:avLst/>
-          </a:prstGeom>
-          <a:solidFill>
-            <a:srgbClr val="408CBF"/>
-          </a:solidFill>
-          <a:ln>
-            <a:noFill/>
-          </a:ln>
-        </p:spPr>
-        <p:style>
-          <a:lnRef idx="0">
-            <a:scrgbClr r="0" g="0" b="0"/>
-          </a:lnRef>
-          <a:fillRef idx="0">
-            <a:scrgbClr r="0" g="0" b="0"/>
-          </a:fillRef>
-          <a:effectRef idx="0">
-            <a:scrgbClr r="0" g="0" b="0"/>
-          </a:effectRef>
-          <a:fontRef idx="minor">
-            <a:schemeClr val="lt1"/>
-          </a:fontRef>
-        </p:style>
-        <p:txBody>
-          <a:bodyPr rtlCol="0" anchor="ctr"/>
-          <a:lstStyle/>
-          <a:p>
-            <a:pPr algn="ctr"/>
-            <a:r>
-              <a:rPr lang="en-US" sz="1200" dirty="0">
-                <a:solidFill>
-                  <a:schemeClr val="bg1"/>
-                </a:solidFill>
-              </a:rPr>
-              <a:t>END</a:t>
-            </a:r>
-          </a:p>
-        </p:txBody>
-      </p:sp>
-      <p:sp>
-        <p:nvSpPr>
-          <p:cNvPr id="64" name="Rectangle 63">
-            <a:extLst>
-              <a:ext uri="{FF2B5EF4-FFF2-40B4-BE49-F238E27FC236}">
-                <a16:creationId xmlns:a16="http://schemas.microsoft.com/office/drawing/2014/main" id="{B8016686-223C-4728-923C-AA3484E1FC40}"/>
-              </a:ext>
-            </a:extLst>
-          </p:cNvPr>
-          <p:cNvSpPr/>
-          <p:nvPr/>
-        </p:nvSpPr>
-        <p:spPr>
-          <a:xfrm>
-            <a:off x="4139407" y="3148829"/>
-            <a:ext cx="569294" cy="288841"/>
-          </a:xfrm>
-          <a:prstGeom prst="rect">
-            <a:avLst/>
-          </a:prstGeom>
-          <a:solidFill>
-            <a:srgbClr val="408CBF"/>
-          </a:solidFill>
-          <a:ln>
-            <a:noFill/>
-          </a:ln>
-        </p:spPr>
-        <p:style>
-          <a:lnRef idx="0">
-            <a:scrgbClr r="0" g="0" b="0"/>
-          </a:lnRef>
-          <a:fillRef idx="0">
-            <a:scrgbClr r="0" g="0" b="0"/>
-          </a:fillRef>
-          <a:effectRef idx="0">
-            <a:scrgbClr r="0" g="0" b="0"/>
-          </a:effectRef>
-          <a:fontRef idx="minor">
-            <a:schemeClr val="lt1"/>
-          </a:fontRef>
-        </p:style>
-        <p:txBody>
-          <a:bodyPr rtlCol="0" anchor="ctr"/>
-          <a:lstStyle/>
-          <a:p>
-            <a:pPr algn="ctr"/>
-            <a:r>
-              <a:rPr lang="en-US" sz="1200" dirty="0">
-                <a:solidFill>
-                  <a:schemeClr val="bg1"/>
-                </a:solidFill>
-              </a:rPr>
-              <a:t>YES</a:t>
-            </a:r>
-          </a:p>
-        </p:txBody>
-      </p:sp>
+        </p:grpSpPr>
+        <p:cxnSp>
+          <p:nvCxnSpPr>
+            <p:cNvPr id="9" name="Straight Arrow Connector 8">
+              <a:extLst>
+                <a:ext uri="{FF2B5EF4-FFF2-40B4-BE49-F238E27FC236}">
+                  <a16:creationId xmlns:a16="http://schemas.microsoft.com/office/drawing/2014/main" id="{689FF746-AF19-4B40-B1FE-1587197ECF03}"/>
+                </a:ext>
+              </a:extLst>
+            </p:cNvPr>
+            <p:cNvCxnSpPr>
+              <a:cxnSpLocks/>
+            </p:cNvCxnSpPr>
+            <p:nvPr/>
+          </p:nvCxnSpPr>
+          <p:spPr>
+            <a:xfrm>
+              <a:off x="6283224" y="2058759"/>
+              <a:ext cx="7226" cy="305560"/>
+            </a:xfrm>
+            <a:prstGeom prst="straightConnector1">
+              <a:avLst/>
+            </a:prstGeom>
+            <a:ln>
+              <a:tailEnd type="triangle"/>
+            </a:ln>
+          </p:spPr>
+          <p:style>
+            <a:lnRef idx="1">
+              <a:schemeClr val="dk1"/>
+            </a:lnRef>
+            <a:fillRef idx="0">
+              <a:schemeClr val="dk1"/>
+            </a:fillRef>
+            <a:effectRef idx="0">
+              <a:schemeClr val="dk1"/>
+            </a:effectRef>
+            <a:fontRef idx="minor">
+              <a:schemeClr val="tx1"/>
+            </a:fontRef>
+          </p:style>
+        </p:cxnSp>
+        <p:sp>
+          <p:nvSpPr>
+            <p:cNvPr id="12" name="Rectangle 11">
+              <a:extLst>
+                <a:ext uri="{FF2B5EF4-FFF2-40B4-BE49-F238E27FC236}">
+                  <a16:creationId xmlns:a16="http://schemas.microsoft.com/office/drawing/2014/main" id="{190600D7-ABF3-4B4F-9892-79A912D8C15A}"/>
+                </a:ext>
+              </a:extLst>
+            </p:cNvPr>
+            <p:cNvSpPr/>
+            <p:nvPr/>
+          </p:nvSpPr>
+          <p:spPr>
+            <a:xfrm>
+              <a:off x="4350820" y="3993778"/>
+              <a:ext cx="4116429" cy="689406"/>
+            </a:xfrm>
+            <a:prstGeom prst="rect">
+              <a:avLst/>
+            </a:prstGeom>
+            <a:solidFill>
+              <a:schemeClr val="dk1">
+                <a:alpha val="50000"/>
+              </a:schemeClr>
+            </a:solidFill>
+            <a:ln>
+              <a:noFill/>
+            </a:ln>
+          </p:spPr>
+          <p:style>
+            <a:lnRef idx="0">
+              <a:scrgbClr r="0" g="0" b="0"/>
+            </a:lnRef>
+            <a:fillRef idx="0">
+              <a:scrgbClr r="0" g="0" b="0"/>
+            </a:fillRef>
+            <a:effectRef idx="0">
+              <a:scrgbClr r="0" g="0" b="0"/>
+            </a:effectRef>
+            <a:fontRef idx="minor">
+              <a:schemeClr val="lt1"/>
+            </a:fontRef>
+          </p:style>
+          <p:txBody>
+            <a:bodyPr rtlCol="0" anchor="ctr"/>
+            <a:lstStyle/>
+            <a:p>
+              <a:pPr algn="ctr"/>
+              <a:r>
+                <a:rPr lang="en-US" sz="1200" dirty="0">
+                  <a:solidFill>
+                    <a:schemeClr val="bg1"/>
+                  </a:solidFill>
+                </a:rPr>
+                <a:t>Select Parents for the next generation by picking top phenome(routes ) from the current generation</a:t>
+              </a:r>
+            </a:p>
+          </p:txBody>
+        </p:sp>
+        <p:cxnSp>
+          <p:nvCxnSpPr>
+            <p:cNvPr id="13" name="Straight Arrow Connector 12">
+              <a:extLst>
+                <a:ext uri="{FF2B5EF4-FFF2-40B4-BE49-F238E27FC236}">
+                  <a16:creationId xmlns:a16="http://schemas.microsoft.com/office/drawing/2014/main" id="{9C095FB2-1A12-4B42-A8BC-9B8A2C391D79}"/>
+                </a:ext>
+              </a:extLst>
+            </p:cNvPr>
+            <p:cNvCxnSpPr>
+              <a:cxnSpLocks/>
+            </p:cNvCxnSpPr>
+            <p:nvPr/>
+          </p:nvCxnSpPr>
+          <p:spPr>
+            <a:xfrm>
+              <a:off x="6257824" y="4664590"/>
+              <a:ext cx="7226" cy="305560"/>
+            </a:xfrm>
+            <a:prstGeom prst="straightConnector1">
+              <a:avLst/>
+            </a:prstGeom>
+            <a:ln>
+              <a:tailEnd type="triangle"/>
+            </a:ln>
+          </p:spPr>
+          <p:style>
+            <a:lnRef idx="1">
+              <a:schemeClr val="dk1"/>
+            </a:lnRef>
+            <a:fillRef idx="0">
+              <a:schemeClr val="dk1"/>
+            </a:fillRef>
+            <a:effectRef idx="0">
+              <a:schemeClr val="dk1"/>
+            </a:effectRef>
+            <a:fontRef idx="minor">
+              <a:schemeClr val="tx1"/>
+            </a:fontRef>
+          </p:style>
+        </p:cxnSp>
+        <p:sp>
+          <p:nvSpPr>
+            <p:cNvPr id="14" name="Rectangle 13">
+              <a:extLst>
+                <a:ext uri="{FF2B5EF4-FFF2-40B4-BE49-F238E27FC236}">
+                  <a16:creationId xmlns:a16="http://schemas.microsoft.com/office/drawing/2014/main" id="{1BA6CB74-8C34-4DBE-B2A8-3A422EF7CA63}"/>
+                </a:ext>
+              </a:extLst>
+            </p:cNvPr>
+            <p:cNvSpPr/>
+            <p:nvPr/>
+          </p:nvSpPr>
+          <p:spPr>
+            <a:xfrm>
+              <a:off x="4348979" y="4962574"/>
+              <a:ext cx="4116429" cy="635007"/>
+            </a:xfrm>
+            <a:prstGeom prst="rect">
+              <a:avLst/>
+            </a:prstGeom>
+            <a:solidFill>
+              <a:schemeClr val="dk1">
+                <a:alpha val="50000"/>
+              </a:schemeClr>
+            </a:solidFill>
+            <a:ln>
+              <a:noFill/>
+            </a:ln>
+          </p:spPr>
+          <p:style>
+            <a:lnRef idx="0">
+              <a:scrgbClr r="0" g="0" b="0"/>
+            </a:lnRef>
+            <a:fillRef idx="0">
+              <a:scrgbClr r="0" g="0" b="0"/>
+            </a:fillRef>
+            <a:effectRef idx="0">
+              <a:scrgbClr r="0" g="0" b="0"/>
+            </a:effectRef>
+            <a:fontRef idx="minor">
+              <a:schemeClr val="lt1"/>
+            </a:fontRef>
+          </p:style>
+          <p:txBody>
+            <a:bodyPr rtlCol="0" anchor="ctr"/>
+            <a:lstStyle/>
+            <a:p>
+              <a:pPr algn="ctr"/>
+              <a:r>
+                <a:rPr lang="en-US" sz="1200" dirty="0">
+                  <a:solidFill>
+                    <a:schemeClr val="bg1"/>
+                  </a:solidFill>
+                </a:rPr>
+                <a:t>Generate next generation’s genome by crossover between top selected parents of current generation</a:t>
+              </a:r>
+            </a:p>
+          </p:txBody>
+        </p:sp>
+        <p:cxnSp>
+          <p:nvCxnSpPr>
+            <p:cNvPr id="15" name="Straight Arrow Connector 14">
+              <a:extLst>
+                <a:ext uri="{FF2B5EF4-FFF2-40B4-BE49-F238E27FC236}">
+                  <a16:creationId xmlns:a16="http://schemas.microsoft.com/office/drawing/2014/main" id="{A721384F-4643-43EA-AD0D-DB4B75F143F7}"/>
+                </a:ext>
+              </a:extLst>
+            </p:cNvPr>
+            <p:cNvCxnSpPr>
+              <a:cxnSpLocks/>
+            </p:cNvCxnSpPr>
+            <p:nvPr/>
+          </p:nvCxnSpPr>
+          <p:spPr>
+            <a:xfrm>
+              <a:off x="6272165" y="5622696"/>
+              <a:ext cx="7226" cy="305560"/>
+            </a:xfrm>
+            <a:prstGeom prst="straightConnector1">
+              <a:avLst/>
+            </a:prstGeom>
+            <a:ln>
+              <a:tailEnd type="triangle"/>
+            </a:ln>
+          </p:spPr>
+          <p:style>
+            <a:lnRef idx="1">
+              <a:schemeClr val="dk1"/>
+            </a:lnRef>
+            <a:fillRef idx="0">
+              <a:schemeClr val="dk1"/>
+            </a:fillRef>
+            <a:effectRef idx="0">
+              <a:schemeClr val="dk1"/>
+            </a:effectRef>
+            <a:fontRef idx="minor">
+              <a:schemeClr val="tx1"/>
+            </a:fontRef>
+          </p:style>
+        </p:cxnSp>
+        <p:sp>
+          <p:nvSpPr>
+            <p:cNvPr id="18" name="Rectangle 17">
+              <a:extLst>
+                <a:ext uri="{FF2B5EF4-FFF2-40B4-BE49-F238E27FC236}">
+                  <a16:creationId xmlns:a16="http://schemas.microsoft.com/office/drawing/2014/main" id="{406BC614-0C21-4097-85D0-768F27B72EFD}"/>
+                </a:ext>
+              </a:extLst>
+            </p:cNvPr>
+            <p:cNvSpPr/>
+            <p:nvPr/>
+          </p:nvSpPr>
+          <p:spPr>
+            <a:xfrm>
+              <a:off x="4319818" y="5910208"/>
+              <a:ext cx="4116429" cy="399152"/>
+            </a:xfrm>
+            <a:prstGeom prst="rect">
+              <a:avLst/>
+            </a:prstGeom>
+            <a:solidFill>
+              <a:schemeClr val="dk1">
+                <a:alpha val="50000"/>
+              </a:schemeClr>
+            </a:solidFill>
+            <a:ln>
+              <a:noFill/>
+            </a:ln>
+          </p:spPr>
+          <p:style>
+            <a:lnRef idx="0">
+              <a:scrgbClr r="0" g="0" b="0"/>
+            </a:lnRef>
+            <a:fillRef idx="0">
+              <a:scrgbClr r="0" g="0" b="0"/>
+            </a:fillRef>
+            <a:effectRef idx="0">
+              <a:scrgbClr r="0" g="0" b="0"/>
+            </a:effectRef>
+            <a:fontRef idx="minor">
+              <a:schemeClr val="lt1"/>
+            </a:fontRef>
+          </p:style>
+          <p:txBody>
+            <a:bodyPr rtlCol="0" anchor="ctr"/>
+            <a:lstStyle/>
+            <a:p>
+              <a:pPr algn="ctr"/>
+              <a:r>
+                <a:rPr lang="en-US" sz="1200" dirty="0">
+                  <a:solidFill>
+                    <a:schemeClr val="bg1"/>
+                  </a:solidFill>
+                </a:rPr>
+                <a:t>Generate new generation based on the new genome</a:t>
+              </a:r>
+            </a:p>
+          </p:txBody>
+        </p:sp>
+        <p:cxnSp>
+          <p:nvCxnSpPr>
+            <p:cNvPr id="21" name="Straight Arrow Connector 20">
+              <a:extLst>
+                <a:ext uri="{FF2B5EF4-FFF2-40B4-BE49-F238E27FC236}">
+                  <a16:creationId xmlns:a16="http://schemas.microsoft.com/office/drawing/2014/main" id="{8121911A-4D02-4327-B3F5-CCF21FC2CC99}"/>
+                </a:ext>
+              </a:extLst>
+            </p:cNvPr>
+            <p:cNvCxnSpPr>
+              <a:cxnSpLocks/>
+            </p:cNvCxnSpPr>
+            <p:nvPr/>
+          </p:nvCxnSpPr>
+          <p:spPr>
+            <a:xfrm>
+              <a:off x="8104123" y="6012873"/>
+              <a:ext cx="1240732" cy="0"/>
+            </a:xfrm>
+            <a:prstGeom prst="straightConnector1">
+              <a:avLst/>
+            </a:prstGeom>
+            <a:ln>
+              <a:tailEnd type="triangle"/>
+            </a:ln>
+          </p:spPr>
+          <p:style>
+            <a:lnRef idx="1">
+              <a:schemeClr val="dk1"/>
+            </a:lnRef>
+            <a:fillRef idx="0">
+              <a:schemeClr val="dk1"/>
+            </a:fillRef>
+            <a:effectRef idx="0">
+              <a:schemeClr val="dk1"/>
+            </a:effectRef>
+            <a:fontRef idx="minor">
+              <a:schemeClr val="tx1"/>
+            </a:fontRef>
+          </p:style>
+        </p:cxnSp>
+        <p:cxnSp>
+          <p:nvCxnSpPr>
+            <p:cNvPr id="34" name="Straight Arrow Connector 33">
+              <a:extLst>
+                <a:ext uri="{FF2B5EF4-FFF2-40B4-BE49-F238E27FC236}">
+                  <a16:creationId xmlns:a16="http://schemas.microsoft.com/office/drawing/2014/main" id="{D95DA0CE-5807-4D03-A687-FE6664CD9A9E}"/>
+                </a:ext>
+              </a:extLst>
+            </p:cNvPr>
+            <p:cNvCxnSpPr>
+              <a:cxnSpLocks/>
+            </p:cNvCxnSpPr>
+            <p:nvPr/>
+          </p:nvCxnSpPr>
+          <p:spPr>
+            <a:xfrm flipH="1">
+              <a:off x="6283224" y="3662387"/>
+              <a:ext cx="7225" cy="331391"/>
+            </a:xfrm>
+            <a:prstGeom prst="straightConnector1">
+              <a:avLst/>
+            </a:prstGeom>
+            <a:ln>
+              <a:tailEnd type="triangle"/>
+            </a:ln>
+          </p:spPr>
+          <p:style>
+            <a:lnRef idx="1">
+              <a:schemeClr val="dk1"/>
+            </a:lnRef>
+            <a:fillRef idx="0">
+              <a:schemeClr val="dk1"/>
+            </a:fillRef>
+            <a:effectRef idx="0">
+              <a:schemeClr val="dk1"/>
+            </a:effectRef>
+            <a:fontRef idx="minor">
+              <a:schemeClr val="tx1"/>
+            </a:fontRef>
+          </p:style>
+        </p:cxnSp>
+        <p:sp>
+          <p:nvSpPr>
+            <p:cNvPr id="36" name="Rectangle 35">
+              <a:extLst>
+                <a:ext uri="{FF2B5EF4-FFF2-40B4-BE49-F238E27FC236}">
+                  <a16:creationId xmlns:a16="http://schemas.microsoft.com/office/drawing/2014/main" id="{A4CB5D04-2FF2-4B13-89AA-1C8671E5C43A}"/>
+                </a:ext>
+              </a:extLst>
+            </p:cNvPr>
+            <p:cNvSpPr/>
+            <p:nvPr/>
+          </p:nvSpPr>
+          <p:spPr>
+            <a:xfrm>
+              <a:off x="6020165" y="3736200"/>
+              <a:ext cx="569294" cy="117557"/>
+            </a:xfrm>
+            <a:prstGeom prst="rect">
+              <a:avLst/>
+            </a:prstGeom>
+            <a:solidFill>
+              <a:schemeClr val="dk1">
+                <a:alpha val="50000"/>
+              </a:schemeClr>
+            </a:solidFill>
+            <a:ln>
+              <a:noFill/>
+            </a:ln>
+          </p:spPr>
+          <p:style>
+            <a:lnRef idx="0">
+              <a:scrgbClr r="0" g="0" b="0"/>
+            </a:lnRef>
+            <a:fillRef idx="0">
+              <a:scrgbClr r="0" g="0" b="0"/>
+            </a:fillRef>
+            <a:effectRef idx="0">
+              <a:scrgbClr r="0" g="0" b="0"/>
+            </a:effectRef>
+            <a:fontRef idx="minor">
+              <a:schemeClr val="lt1"/>
+            </a:fontRef>
+          </p:style>
+          <p:txBody>
+            <a:bodyPr rtlCol="0" anchor="ctr"/>
+            <a:lstStyle/>
+            <a:p>
+              <a:pPr algn="ctr"/>
+              <a:r>
+                <a:rPr lang="en-US" sz="1200" dirty="0">
+                  <a:solidFill>
+                    <a:schemeClr val="bg1"/>
+                  </a:solidFill>
+                </a:rPr>
+                <a:t>NO</a:t>
+              </a:r>
+            </a:p>
+          </p:txBody>
+        </p:sp>
+        <p:cxnSp>
+          <p:nvCxnSpPr>
+            <p:cNvPr id="38" name="Straight Arrow Connector 37">
+              <a:extLst>
+                <a:ext uri="{FF2B5EF4-FFF2-40B4-BE49-F238E27FC236}">
+                  <a16:creationId xmlns:a16="http://schemas.microsoft.com/office/drawing/2014/main" id="{56E065D4-8C4F-4B9F-A9A7-97BAD7DF95C9}"/>
+                </a:ext>
+              </a:extLst>
+            </p:cNvPr>
+            <p:cNvCxnSpPr>
+              <a:cxnSpLocks/>
+            </p:cNvCxnSpPr>
+            <p:nvPr/>
+          </p:nvCxnSpPr>
+          <p:spPr>
+            <a:xfrm flipV="1">
+              <a:off x="5215708" y="3301231"/>
+              <a:ext cx="0" cy="20796"/>
+            </a:xfrm>
+            <a:prstGeom prst="straightConnector1">
+              <a:avLst/>
+            </a:prstGeom>
+            <a:ln>
+              <a:tailEnd type="triangle"/>
+            </a:ln>
+          </p:spPr>
+          <p:style>
+            <a:lnRef idx="1">
+              <a:schemeClr val="dk1"/>
+            </a:lnRef>
+            <a:fillRef idx="0">
+              <a:schemeClr val="dk1"/>
+            </a:fillRef>
+            <a:effectRef idx="0">
+              <a:schemeClr val="dk1"/>
+            </a:effectRef>
+            <a:fontRef idx="minor">
+              <a:schemeClr val="tx1"/>
+            </a:fontRef>
+          </p:style>
+        </p:cxnSp>
+        <p:cxnSp>
+          <p:nvCxnSpPr>
+            <p:cNvPr id="41" name="Straight Arrow Connector 40">
+              <a:extLst>
+                <a:ext uri="{FF2B5EF4-FFF2-40B4-BE49-F238E27FC236}">
+                  <a16:creationId xmlns:a16="http://schemas.microsoft.com/office/drawing/2014/main" id="{03621F82-3FB3-480A-9E7F-76BBC184D90D}"/>
+                </a:ext>
+              </a:extLst>
+            </p:cNvPr>
+            <p:cNvCxnSpPr>
+              <a:cxnSpLocks/>
+            </p:cNvCxnSpPr>
+            <p:nvPr/>
+          </p:nvCxnSpPr>
+          <p:spPr>
+            <a:xfrm flipH="1">
+              <a:off x="3673889" y="3322025"/>
+              <a:ext cx="1488922" cy="0"/>
+            </a:xfrm>
+            <a:prstGeom prst="straightConnector1">
+              <a:avLst/>
+            </a:prstGeom>
+            <a:ln>
+              <a:tailEnd type="triangle"/>
+            </a:ln>
+          </p:spPr>
+          <p:style>
+            <a:lnRef idx="1">
+              <a:schemeClr val="dk1"/>
+            </a:lnRef>
+            <a:fillRef idx="0">
+              <a:schemeClr val="dk1"/>
+            </a:fillRef>
+            <a:effectRef idx="0">
+              <a:schemeClr val="dk1"/>
+            </a:effectRef>
+            <a:fontRef idx="minor">
+              <a:schemeClr val="tx1"/>
+            </a:fontRef>
+          </p:style>
+        </p:cxnSp>
+        <p:cxnSp>
+          <p:nvCxnSpPr>
+            <p:cNvPr id="45" name="Straight Arrow Connector 44">
+              <a:extLst>
+                <a:ext uri="{FF2B5EF4-FFF2-40B4-BE49-F238E27FC236}">
+                  <a16:creationId xmlns:a16="http://schemas.microsoft.com/office/drawing/2014/main" id="{7CFF40DA-A72F-48AE-9C5C-0C83717B089A}"/>
+                </a:ext>
+              </a:extLst>
+            </p:cNvPr>
+            <p:cNvCxnSpPr>
+              <a:cxnSpLocks/>
+            </p:cNvCxnSpPr>
+            <p:nvPr/>
+          </p:nvCxnSpPr>
+          <p:spPr>
+            <a:xfrm>
+              <a:off x="3673889" y="3322025"/>
+              <a:ext cx="0" cy="601326"/>
+            </a:xfrm>
+            <a:prstGeom prst="straightConnector1">
+              <a:avLst/>
+            </a:prstGeom>
+            <a:ln>
+              <a:tailEnd type="triangle"/>
+            </a:ln>
+          </p:spPr>
+          <p:style>
+            <a:lnRef idx="1">
+              <a:schemeClr val="dk1"/>
+            </a:lnRef>
+            <a:fillRef idx="0">
+              <a:schemeClr val="dk1"/>
+            </a:fillRef>
+            <a:effectRef idx="0">
+              <a:schemeClr val="dk1"/>
+            </a:effectRef>
+            <a:fontRef idx="minor">
+              <a:schemeClr val="tx1"/>
+            </a:fontRef>
+          </p:style>
+        </p:cxnSp>
+        <p:sp>
+          <p:nvSpPr>
+            <p:cNvPr id="47" name="Rectangle 46">
+              <a:extLst>
+                <a:ext uri="{FF2B5EF4-FFF2-40B4-BE49-F238E27FC236}">
+                  <a16:creationId xmlns:a16="http://schemas.microsoft.com/office/drawing/2014/main" id="{28D6C6B9-0C1F-4CC3-9962-BD744226A9F8}"/>
+                </a:ext>
+              </a:extLst>
+            </p:cNvPr>
+            <p:cNvSpPr/>
+            <p:nvPr/>
+          </p:nvSpPr>
+          <p:spPr>
+            <a:xfrm>
+              <a:off x="3028289" y="3923352"/>
+              <a:ext cx="1248027" cy="759833"/>
+            </a:xfrm>
+            <a:prstGeom prst="rect">
+              <a:avLst/>
+            </a:prstGeom>
+            <a:solidFill>
+              <a:schemeClr val="dk1">
+                <a:alpha val="50000"/>
+              </a:schemeClr>
+            </a:solidFill>
+            <a:ln>
+              <a:noFill/>
+            </a:ln>
+          </p:spPr>
+          <p:style>
+            <a:lnRef idx="0">
+              <a:scrgbClr r="0" g="0" b="0"/>
+            </a:lnRef>
+            <a:fillRef idx="0">
+              <a:scrgbClr r="0" g="0" b="0"/>
+            </a:fillRef>
+            <a:effectRef idx="0">
+              <a:scrgbClr r="0" g="0" b="0"/>
+            </a:effectRef>
+            <a:fontRef idx="minor">
+              <a:schemeClr val="lt1"/>
+            </a:fontRef>
+          </p:style>
+          <p:txBody>
+            <a:bodyPr rtlCol="0" anchor="ctr"/>
+            <a:lstStyle/>
+            <a:p>
+              <a:pPr algn="ctr"/>
+              <a:r>
+                <a:rPr lang="en-US" sz="1200" dirty="0">
+                  <a:solidFill>
+                    <a:schemeClr val="bg1"/>
+                  </a:solidFill>
+                </a:rPr>
+                <a:t>Best Route Found</a:t>
+              </a:r>
+            </a:p>
+          </p:txBody>
+        </p:sp>
+        <p:cxnSp>
+          <p:nvCxnSpPr>
+            <p:cNvPr id="49" name="Straight Arrow Connector 48">
+              <a:extLst>
+                <a:ext uri="{FF2B5EF4-FFF2-40B4-BE49-F238E27FC236}">
+                  <a16:creationId xmlns:a16="http://schemas.microsoft.com/office/drawing/2014/main" id="{CC5B4184-9EFD-4323-9F58-01A5D2F4E58D}"/>
+                </a:ext>
+              </a:extLst>
+            </p:cNvPr>
+            <p:cNvCxnSpPr>
+              <a:cxnSpLocks/>
+            </p:cNvCxnSpPr>
+            <p:nvPr/>
+          </p:nvCxnSpPr>
+          <p:spPr>
+            <a:xfrm>
+              <a:off x="3621916" y="4727609"/>
+              <a:ext cx="0" cy="485083"/>
+            </a:xfrm>
+            <a:prstGeom prst="straightConnector1">
+              <a:avLst/>
+            </a:prstGeom>
+            <a:ln>
+              <a:tailEnd type="triangle"/>
+            </a:ln>
+          </p:spPr>
+          <p:style>
+            <a:lnRef idx="1">
+              <a:schemeClr val="dk1"/>
+            </a:lnRef>
+            <a:fillRef idx="0">
+              <a:schemeClr val="dk1"/>
+            </a:fillRef>
+            <a:effectRef idx="0">
+              <a:schemeClr val="dk1"/>
+            </a:effectRef>
+            <a:fontRef idx="minor">
+              <a:schemeClr val="tx1"/>
+            </a:fontRef>
+          </p:style>
+        </p:cxnSp>
+        <p:sp>
+          <p:nvSpPr>
+            <p:cNvPr id="50" name="Rectangle 49">
+              <a:extLst>
+                <a:ext uri="{FF2B5EF4-FFF2-40B4-BE49-F238E27FC236}">
+                  <a16:creationId xmlns:a16="http://schemas.microsoft.com/office/drawing/2014/main" id="{8160402F-E857-495F-BD01-1721B0DA45DA}"/>
+                </a:ext>
+              </a:extLst>
+            </p:cNvPr>
+            <p:cNvSpPr/>
+            <p:nvPr/>
+          </p:nvSpPr>
+          <p:spPr>
+            <a:xfrm>
+              <a:off x="3214076" y="5212692"/>
+              <a:ext cx="766356" cy="407715"/>
+            </a:xfrm>
+            <a:prstGeom prst="rect">
+              <a:avLst/>
+            </a:prstGeom>
+            <a:solidFill>
+              <a:schemeClr val="dk1">
+                <a:alpha val="50000"/>
+              </a:schemeClr>
+            </a:solidFill>
+            <a:ln>
+              <a:noFill/>
+            </a:ln>
+          </p:spPr>
+          <p:style>
+            <a:lnRef idx="0">
+              <a:scrgbClr r="0" g="0" b="0"/>
+            </a:lnRef>
+            <a:fillRef idx="0">
+              <a:scrgbClr r="0" g="0" b="0"/>
+            </a:fillRef>
+            <a:effectRef idx="0">
+              <a:scrgbClr r="0" g="0" b="0"/>
+            </a:effectRef>
+            <a:fontRef idx="minor">
+              <a:schemeClr val="lt1"/>
+            </a:fontRef>
+          </p:style>
+          <p:txBody>
+            <a:bodyPr rtlCol="0" anchor="ctr"/>
+            <a:lstStyle/>
+            <a:p>
+              <a:pPr algn="ctr"/>
+              <a:r>
+                <a:rPr lang="en-US" sz="1200" dirty="0">
+                  <a:solidFill>
+                    <a:schemeClr val="bg1"/>
+                  </a:solidFill>
+                </a:rPr>
+                <a:t>END</a:t>
+              </a:r>
+            </a:p>
+          </p:txBody>
+        </p:sp>
+        <p:sp>
+          <p:nvSpPr>
+            <p:cNvPr id="30" name="Rectangle 29">
+              <a:extLst>
+                <a:ext uri="{FF2B5EF4-FFF2-40B4-BE49-F238E27FC236}">
+                  <a16:creationId xmlns:a16="http://schemas.microsoft.com/office/drawing/2014/main" id="{70855347-2EA9-400F-84CD-D41E6B1DE335}"/>
+                </a:ext>
+              </a:extLst>
+            </p:cNvPr>
+            <p:cNvSpPr/>
+            <p:nvPr/>
+          </p:nvSpPr>
+          <p:spPr>
+            <a:xfrm>
+              <a:off x="4399248" y="966706"/>
+              <a:ext cx="4116429" cy="397229"/>
+            </a:xfrm>
+            <a:prstGeom prst="rect">
+              <a:avLst/>
+            </a:prstGeom>
+            <a:solidFill>
+              <a:srgbClr val="408CBF"/>
+            </a:solidFill>
+            <a:ln>
+              <a:noFill/>
+            </a:ln>
+          </p:spPr>
+          <p:style>
+            <a:lnRef idx="0">
+              <a:scrgbClr r="0" g="0" b="0"/>
+            </a:lnRef>
+            <a:fillRef idx="0">
+              <a:scrgbClr r="0" g="0" b="0"/>
+            </a:fillRef>
+            <a:effectRef idx="0">
+              <a:scrgbClr r="0" g="0" b="0"/>
+            </a:effectRef>
+            <a:fontRef idx="minor">
+              <a:schemeClr val="lt1"/>
+            </a:fontRef>
+          </p:style>
+          <p:txBody>
+            <a:bodyPr rtlCol="0" anchor="ctr"/>
+            <a:lstStyle/>
+            <a:p>
+              <a:pPr algn="ctr"/>
+              <a:r>
+                <a:rPr lang="en-US" sz="1200" dirty="0">
+                  <a:solidFill>
+                    <a:schemeClr val="bg1"/>
+                  </a:solidFill>
+                </a:rPr>
+                <a:t>Generate genome using random sequences of genes</a:t>
+              </a:r>
+            </a:p>
+          </p:txBody>
+        </p:sp>
+        <p:cxnSp>
+          <p:nvCxnSpPr>
+            <p:cNvPr id="32" name="Straight Arrow Connector 31">
+              <a:extLst>
+                <a:ext uri="{FF2B5EF4-FFF2-40B4-BE49-F238E27FC236}">
+                  <a16:creationId xmlns:a16="http://schemas.microsoft.com/office/drawing/2014/main" id="{1E8FA2D6-A7B5-4B3B-9650-82565E029BE1}"/>
+                </a:ext>
+              </a:extLst>
+            </p:cNvPr>
+            <p:cNvCxnSpPr>
+              <a:cxnSpLocks/>
+            </p:cNvCxnSpPr>
+            <p:nvPr/>
+          </p:nvCxnSpPr>
+          <p:spPr>
+            <a:xfrm>
+              <a:off x="6308443" y="1350433"/>
+              <a:ext cx="7226" cy="305560"/>
+            </a:xfrm>
+            <a:prstGeom prst="straightConnector1">
+              <a:avLst/>
+            </a:prstGeom>
+            <a:ln>
+              <a:tailEnd type="triangle"/>
+            </a:ln>
+          </p:spPr>
+          <p:style>
+            <a:lnRef idx="1">
+              <a:schemeClr val="dk1"/>
+            </a:lnRef>
+            <a:fillRef idx="0">
+              <a:schemeClr val="dk1"/>
+            </a:fillRef>
+            <a:effectRef idx="0">
+              <a:schemeClr val="dk1"/>
+            </a:effectRef>
+            <a:fontRef idx="minor">
+              <a:schemeClr val="tx1"/>
+            </a:fontRef>
+          </p:style>
+        </p:cxnSp>
+        <p:sp>
+          <p:nvSpPr>
+            <p:cNvPr id="33" name="Rectangle 32">
+              <a:extLst>
+                <a:ext uri="{FF2B5EF4-FFF2-40B4-BE49-F238E27FC236}">
+                  <a16:creationId xmlns:a16="http://schemas.microsoft.com/office/drawing/2014/main" id="{5BA335BE-B040-4A55-855E-FD18F4B93301}"/>
+                </a:ext>
+              </a:extLst>
+            </p:cNvPr>
+            <p:cNvSpPr/>
+            <p:nvPr/>
+          </p:nvSpPr>
+          <p:spPr>
+            <a:xfrm>
+              <a:off x="4399248" y="1666465"/>
+              <a:ext cx="4116429" cy="420146"/>
+            </a:xfrm>
+            <a:prstGeom prst="rect">
+              <a:avLst/>
+            </a:prstGeom>
+            <a:solidFill>
+              <a:srgbClr val="408CBF"/>
+            </a:solidFill>
+            <a:ln>
+              <a:noFill/>
+            </a:ln>
+          </p:spPr>
+          <p:style>
+            <a:lnRef idx="0">
+              <a:scrgbClr r="0" g="0" b="0"/>
+            </a:lnRef>
+            <a:fillRef idx="0">
+              <a:scrgbClr r="0" g="0" b="0"/>
+            </a:fillRef>
+            <a:effectRef idx="0">
+              <a:scrgbClr r="0" g="0" b="0"/>
+            </a:effectRef>
+            <a:fontRef idx="minor">
+              <a:schemeClr val="lt1"/>
+            </a:fontRef>
+          </p:style>
+          <p:txBody>
+            <a:bodyPr rtlCol="0" anchor="ctr"/>
+            <a:lstStyle/>
+            <a:p>
+              <a:pPr algn="ctr"/>
+              <a:r>
+                <a:rPr lang="en-US" sz="1200" dirty="0">
+                  <a:solidFill>
+                    <a:schemeClr val="bg1"/>
+                  </a:solidFill>
+                </a:rPr>
+                <a:t>Initiate Population by mapping genome to phenome(different routes of the cities)</a:t>
+              </a:r>
+            </a:p>
+          </p:txBody>
+        </p:sp>
+        <p:cxnSp>
+          <p:nvCxnSpPr>
+            <p:cNvPr id="35" name="Straight Arrow Connector 34">
+              <a:extLst>
+                <a:ext uri="{FF2B5EF4-FFF2-40B4-BE49-F238E27FC236}">
+                  <a16:creationId xmlns:a16="http://schemas.microsoft.com/office/drawing/2014/main" id="{C4690FD1-DC72-4AA9-B6DC-AC00856551CA}"/>
+                </a:ext>
+              </a:extLst>
+            </p:cNvPr>
+            <p:cNvCxnSpPr>
+              <a:cxnSpLocks/>
+            </p:cNvCxnSpPr>
+            <p:nvPr/>
+          </p:nvCxnSpPr>
+          <p:spPr>
+            <a:xfrm>
+              <a:off x="6283224" y="2043628"/>
+              <a:ext cx="7226" cy="305560"/>
+            </a:xfrm>
+            <a:prstGeom prst="straightConnector1">
+              <a:avLst/>
+            </a:prstGeom>
+            <a:ln>
+              <a:tailEnd type="triangle"/>
+            </a:ln>
+          </p:spPr>
+          <p:style>
+            <a:lnRef idx="1">
+              <a:schemeClr val="dk1"/>
+            </a:lnRef>
+            <a:fillRef idx="0">
+              <a:schemeClr val="dk1"/>
+            </a:fillRef>
+            <a:effectRef idx="0">
+              <a:schemeClr val="dk1"/>
+            </a:effectRef>
+            <a:fontRef idx="minor">
+              <a:schemeClr val="tx1"/>
+            </a:fontRef>
+          </p:style>
+        </p:cxnSp>
+        <p:sp>
+          <p:nvSpPr>
+            <p:cNvPr id="37" name="Rectangle 36">
+              <a:extLst>
+                <a:ext uri="{FF2B5EF4-FFF2-40B4-BE49-F238E27FC236}">
+                  <a16:creationId xmlns:a16="http://schemas.microsoft.com/office/drawing/2014/main" id="{229C2308-EEF2-4A72-A30B-F26B102D9F9B}"/>
+                </a:ext>
+              </a:extLst>
+            </p:cNvPr>
+            <p:cNvSpPr/>
+            <p:nvPr/>
+          </p:nvSpPr>
+          <p:spPr>
+            <a:xfrm>
+              <a:off x="4399249" y="2331342"/>
+              <a:ext cx="4116429" cy="385771"/>
+            </a:xfrm>
+            <a:prstGeom prst="rect">
+              <a:avLst/>
+            </a:prstGeom>
+            <a:solidFill>
+              <a:srgbClr val="408CBF"/>
+            </a:solidFill>
+            <a:ln>
+              <a:noFill/>
+            </a:ln>
+          </p:spPr>
+          <p:style>
+            <a:lnRef idx="0">
+              <a:scrgbClr r="0" g="0" b="0"/>
+            </a:lnRef>
+            <a:fillRef idx="0">
+              <a:scrgbClr r="0" g="0" b="0"/>
+            </a:fillRef>
+            <a:effectRef idx="0">
+              <a:scrgbClr r="0" g="0" b="0"/>
+            </a:effectRef>
+            <a:fontRef idx="minor">
+              <a:schemeClr val="lt1"/>
+            </a:fontRef>
+          </p:style>
+          <p:txBody>
+            <a:bodyPr rtlCol="0" anchor="ctr"/>
+            <a:lstStyle/>
+            <a:p>
+              <a:pPr algn="ctr"/>
+              <a:r>
+                <a:rPr lang="en-US" sz="1200" dirty="0">
+                  <a:solidFill>
+                    <a:schemeClr val="bg1"/>
+                  </a:solidFill>
+                </a:rPr>
+                <a:t>Evaluate fitness and distance of each child in the population and sort the population</a:t>
+              </a:r>
+            </a:p>
+          </p:txBody>
+        </p:sp>
+        <p:sp>
+          <p:nvSpPr>
+            <p:cNvPr id="39" name="Rectangle 38">
+              <a:extLst>
+                <a:ext uri="{FF2B5EF4-FFF2-40B4-BE49-F238E27FC236}">
+                  <a16:creationId xmlns:a16="http://schemas.microsoft.com/office/drawing/2014/main" id="{3FFBD973-8C40-4EB9-8742-546B4EE60F78}"/>
+                </a:ext>
+              </a:extLst>
+            </p:cNvPr>
+            <p:cNvSpPr/>
+            <p:nvPr/>
+          </p:nvSpPr>
+          <p:spPr>
+            <a:xfrm>
+              <a:off x="4350820" y="3978647"/>
+              <a:ext cx="4164855" cy="689406"/>
+            </a:xfrm>
+            <a:prstGeom prst="rect">
+              <a:avLst/>
+            </a:prstGeom>
+            <a:solidFill>
+              <a:srgbClr val="408CBF"/>
+            </a:solidFill>
+            <a:ln>
+              <a:noFill/>
+            </a:ln>
+          </p:spPr>
+          <p:style>
+            <a:lnRef idx="0">
+              <a:scrgbClr r="0" g="0" b="0"/>
+            </a:lnRef>
+            <a:fillRef idx="0">
+              <a:scrgbClr r="0" g="0" b="0"/>
+            </a:fillRef>
+            <a:effectRef idx="0">
+              <a:scrgbClr r="0" g="0" b="0"/>
+            </a:effectRef>
+            <a:fontRef idx="minor">
+              <a:schemeClr val="lt1"/>
+            </a:fontRef>
+          </p:style>
+          <p:txBody>
+            <a:bodyPr rtlCol="0" anchor="ctr"/>
+            <a:lstStyle/>
+            <a:p>
+              <a:pPr algn="ctr"/>
+              <a:r>
+                <a:rPr lang="en-US" sz="1200" dirty="0">
+                  <a:solidFill>
+                    <a:schemeClr val="bg1"/>
+                  </a:solidFill>
+                </a:rPr>
+                <a:t>Select Parents for the next generation by picking top phenome(routes ) from the current generation</a:t>
+              </a:r>
+            </a:p>
+          </p:txBody>
+        </p:sp>
+        <p:cxnSp>
+          <p:nvCxnSpPr>
+            <p:cNvPr id="40" name="Straight Arrow Connector 39">
+              <a:extLst>
+                <a:ext uri="{FF2B5EF4-FFF2-40B4-BE49-F238E27FC236}">
+                  <a16:creationId xmlns:a16="http://schemas.microsoft.com/office/drawing/2014/main" id="{39582D56-D7C5-4E18-9EFD-8F7E0B56A204}"/>
+                </a:ext>
+              </a:extLst>
+            </p:cNvPr>
+            <p:cNvCxnSpPr>
+              <a:cxnSpLocks/>
+            </p:cNvCxnSpPr>
+            <p:nvPr/>
+          </p:nvCxnSpPr>
+          <p:spPr>
+            <a:xfrm>
+              <a:off x="6257824" y="4649458"/>
+              <a:ext cx="7226" cy="305560"/>
+            </a:xfrm>
+            <a:prstGeom prst="straightConnector1">
+              <a:avLst/>
+            </a:prstGeom>
+            <a:ln>
+              <a:tailEnd type="triangle"/>
+            </a:ln>
+          </p:spPr>
+          <p:style>
+            <a:lnRef idx="1">
+              <a:schemeClr val="dk1"/>
+            </a:lnRef>
+            <a:fillRef idx="0">
+              <a:schemeClr val="dk1"/>
+            </a:fillRef>
+            <a:effectRef idx="0">
+              <a:schemeClr val="dk1"/>
+            </a:effectRef>
+            <a:fontRef idx="minor">
+              <a:schemeClr val="tx1"/>
+            </a:fontRef>
+          </p:style>
+        </p:cxnSp>
+        <p:sp>
+          <p:nvSpPr>
+            <p:cNvPr id="42" name="Rectangle 41">
+              <a:extLst>
+                <a:ext uri="{FF2B5EF4-FFF2-40B4-BE49-F238E27FC236}">
+                  <a16:creationId xmlns:a16="http://schemas.microsoft.com/office/drawing/2014/main" id="{97B13BC3-F114-4A77-9F38-D01A8E4B18AF}"/>
+                </a:ext>
+              </a:extLst>
+            </p:cNvPr>
+            <p:cNvSpPr/>
+            <p:nvPr/>
+          </p:nvSpPr>
+          <p:spPr>
+            <a:xfrm>
+              <a:off x="4348979" y="4947443"/>
+              <a:ext cx="4164850" cy="635007"/>
+            </a:xfrm>
+            <a:prstGeom prst="rect">
+              <a:avLst/>
+            </a:prstGeom>
+            <a:solidFill>
+              <a:srgbClr val="408CBF"/>
+            </a:solidFill>
+            <a:ln>
+              <a:noFill/>
+            </a:ln>
+          </p:spPr>
+          <p:style>
+            <a:lnRef idx="0">
+              <a:scrgbClr r="0" g="0" b="0"/>
+            </a:lnRef>
+            <a:fillRef idx="0">
+              <a:scrgbClr r="0" g="0" b="0"/>
+            </a:fillRef>
+            <a:effectRef idx="0">
+              <a:scrgbClr r="0" g="0" b="0"/>
+            </a:effectRef>
+            <a:fontRef idx="minor">
+              <a:schemeClr val="lt1"/>
+            </a:fontRef>
+          </p:style>
+          <p:txBody>
+            <a:bodyPr rtlCol="0" anchor="ctr"/>
+            <a:lstStyle/>
+            <a:p>
+              <a:pPr algn="ctr"/>
+              <a:r>
+                <a:rPr lang="en-US" sz="1200" dirty="0">
+                  <a:solidFill>
+                    <a:schemeClr val="bg1"/>
+                  </a:solidFill>
+                </a:rPr>
+                <a:t>Generate next generation’s genome by crossover between top selected parents of current generation</a:t>
+              </a:r>
+            </a:p>
+          </p:txBody>
+        </p:sp>
+        <p:cxnSp>
+          <p:nvCxnSpPr>
+            <p:cNvPr id="43" name="Straight Arrow Connector 42">
+              <a:extLst>
+                <a:ext uri="{FF2B5EF4-FFF2-40B4-BE49-F238E27FC236}">
+                  <a16:creationId xmlns:a16="http://schemas.microsoft.com/office/drawing/2014/main" id="{7A515F39-BA73-4C7E-9101-CA82620381A2}"/>
+                </a:ext>
+              </a:extLst>
+            </p:cNvPr>
+            <p:cNvCxnSpPr>
+              <a:cxnSpLocks/>
+            </p:cNvCxnSpPr>
+            <p:nvPr/>
+          </p:nvCxnSpPr>
+          <p:spPr>
+            <a:xfrm>
+              <a:off x="6272165" y="5607565"/>
+              <a:ext cx="7226" cy="305560"/>
+            </a:xfrm>
+            <a:prstGeom prst="straightConnector1">
+              <a:avLst/>
+            </a:prstGeom>
+            <a:ln>
+              <a:tailEnd type="triangle"/>
+            </a:ln>
+          </p:spPr>
+          <p:style>
+            <a:lnRef idx="1">
+              <a:schemeClr val="dk1"/>
+            </a:lnRef>
+            <a:fillRef idx="0">
+              <a:schemeClr val="dk1"/>
+            </a:fillRef>
+            <a:effectRef idx="0">
+              <a:schemeClr val="dk1"/>
+            </a:effectRef>
+            <a:fontRef idx="minor">
+              <a:schemeClr val="tx1"/>
+            </a:fontRef>
+          </p:style>
+        </p:cxnSp>
+        <p:sp>
+          <p:nvSpPr>
+            <p:cNvPr id="44" name="Rectangle 43">
+              <a:extLst>
+                <a:ext uri="{FF2B5EF4-FFF2-40B4-BE49-F238E27FC236}">
+                  <a16:creationId xmlns:a16="http://schemas.microsoft.com/office/drawing/2014/main" id="{EDF476C7-5004-4F68-BECB-38FBCEEE09D8}"/>
+                </a:ext>
+              </a:extLst>
+            </p:cNvPr>
+            <p:cNvSpPr/>
+            <p:nvPr/>
+          </p:nvSpPr>
+          <p:spPr>
+            <a:xfrm>
+              <a:off x="4319818" y="5895077"/>
+              <a:ext cx="4164847" cy="399152"/>
+            </a:xfrm>
+            <a:prstGeom prst="rect">
+              <a:avLst/>
+            </a:prstGeom>
+            <a:solidFill>
+              <a:srgbClr val="408CBF"/>
+            </a:solidFill>
+            <a:ln>
+              <a:noFill/>
+            </a:ln>
+          </p:spPr>
+          <p:style>
+            <a:lnRef idx="0">
+              <a:scrgbClr r="0" g="0" b="0"/>
+            </a:lnRef>
+            <a:fillRef idx="0">
+              <a:scrgbClr r="0" g="0" b="0"/>
+            </a:fillRef>
+            <a:effectRef idx="0">
+              <a:scrgbClr r="0" g="0" b="0"/>
+            </a:effectRef>
+            <a:fontRef idx="minor">
+              <a:schemeClr val="lt1"/>
+            </a:fontRef>
+          </p:style>
+          <p:txBody>
+            <a:bodyPr rtlCol="0" anchor="ctr"/>
+            <a:lstStyle/>
+            <a:p>
+              <a:pPr algn="ctr"/>
+              <a:r>
+                <a:rPr lang="en-US" sz="1200" dirty="0">
+                  <a:solidFill>
+                    <a:schemeClr val="bg1"/>
+                  </a:solidFill>
+                </a:rPr>
+                <a:t>Generate new generation based on the new genome</a:t>
+              </a:r>
+            </a:p>
+          </p:txBody>
+        </p:sp>
+        <p:sp>
+          <p:nvSpPr>
+            <p:cNvPr id="46" name="Rectangle 45">
+              <a:extLst>
+                <a:ext uri="{FF2B5EF4-FFF2-40B4-BE49-F238E27FC236}">
+                  <a16:creationId xmlns:a16="http://schemas.microsoft.com/office/drawing/2014/main" id="{A32495AE-580E-4EE1-AFE2-37058282937C}"/>
+                </a:ext>
+              </a:extLst>
+            </p:cNvPr>
+            <p:cNvSpPr/>
+            <p:nvPr/>
+          </p:nvSpPr>
+          <p:spPr>
+            <a:xfrm>
+              <a:off x="8684697" y="2982096"/>
+              <a:ext cx="1335649" cy="1015989"/>
+            </a:xfrm>
+            <a:prstGeom prst="rect">
+              <a:avLst/>
+            </a:prstGeom>
+            <a:solidFill>
+              <a:srgbClr val="408CBF"/>
+            </a:solidFill>
+            <a:ln>
+              <a:noFill/>
+            </a:ln>
+          </p:spPr>
+          <p:style>
+            <a:lnRef idx="0">
+              <a:scrgbClr r="0" g="0" b="0"/>
+            </a:lnRef>
+            <a:fillRef idx="0">
+              <a:scrgbClr r="0" g="0" b="0"/>
+            </a:fillRef>
+            <a:effectRef idx="0">
+              <a:scrgbClr r="0" g="0" b="0"/>
+            </a:effectRef>
+            <a:fontRef idx="minor">
+              <a:schemeClr val="lt1"/>
+            </a:fontRef>
+          </p:style>
+          <p:txBody>
+            <a:bodyPr rtlCol="0" anchor="ctr"/>
+            <a:lstStyle/>
+            <a:p>
+              <a:pPr algn="ctr"/>
+              <a:r>
+                <a:rPr lang="en-US" sz="1200" dirty="0">
+                  <a:solidFill>
+                    <a:schemeClr val="bg1"/>
+                  </a:solidFill>
+                </a:rPr>
+                <a:t>New Generation </a:t>
+              </a:r>
+            </a:p>
+          </p:txBody>
+        </p:sp>
+        <p:cxnSp>
+          <p:nvCxnSpPr>
+            <p:cNvPr id="51" name="Straight Arrow Connector 50">
+              <a:extLst>
+                <a:ext uri="{FF2B5EF4-FFF2-40B4-BE49-F238E27FC236}">
+                  <a16:creationId xmlns:a16="http://schemas.microsoft.com/office/drawing/2014/main" id="{51C01CFD-5D95-4976-9E06-D54499D0A477}"/>
+                </a:ext>
+              </a:extLst>
+            </p:cNvPr>
+            <p:cNvCxnSpPr>
+              <a:cxnSpLocks/>
+              <a:endCxn id="46" idx="2"/>
+            </p:cNvCxnSpPr>
+            <p:nvPr/>
+          </p:nvCxnSpPr>
+          <p:spPr>
+            <a:xfrm flipV="1">
+              <a:off x="9352521" y="3998085"/>
+              <a:ext cx="1" cy="2014788"/>
+            </a:xfrm>
+            <a:prstGeom prst="straightConnector1">
+              <a:avLst/>
+            </a:prstGeom>
+            <a:ln>
+              <a:tailEnd type="triangle"/>
+            </a:ln>
+          </p:spPr>
+          <p:style>
+            <a:lnRef idx="1">
+              <a:schemeClr val="dk1"/>
+            </a:lnRef>
+            <a:fillRef idx="0">
+              <a:schemeClr val="dk1"/>
+            </a:fillRef>
+            <a:effectRef idx="0">
+              <a:schemeClr val="dk1"/>
+            </a:effectRef>
+            <a:fontRef idx="minor">
+              <a:schemeClr val="tx1"/>
+            </a:fontRef>
+          </p:style>
+        </p:cxnSp>
+        <p:sp>
+          <p:nvSpPr>
+            <p:cNvPr id="54" name="Diamond 53">
+              <a:extLst>
+                <a:ext uri="{FF2B5EF4-FFF2-40B4-BE49-F238E27FC236}">
+                  <a16:creationId xmlns:a16="http://schemas.microsoft.com/office/drawing/2014/main" id="{C6E3B0D7-85AA-496A-92EC-6FA23D66C24A}"/>
+                </a:ext>
+              </a:extLst>
+            </p:cNvPr>
+            <p:cNvSpPr/>
+            <p:nvPr/>
+          </p:nvSpPr>
+          <p:spPr>
+            <a:xfrm>
+              <a:off x="5229800" y="2951501"/>
+              <a:ext cx="2149484" cy="722312"/>
+            </a:xfrm>
+            <a:prstGeom prst="diamond">
+              <a:avLst/>
+            </a:prstGeom>
+            <a:solidFill>
+              <a:srgbClr val="408CBF"/>
+            </a:solidFill>
+            <a:ln>
+              <a:noFill/>
+            </a:ln>
+          </p:spPr>
+          <p:style>
+            <a:lnRef idx="0">
+              <a:scrgbClr r="0" g="0" b="0"/>
+            </a:lnRef>
+            <a:fillRef idx="0">
+              <a:scrgbClr r="0" g="0" b="0"/>
+            </a:fillRef>
+            <a:effectRef idx="0">
+              <a:scrgbClr r="0" g="0" b="0"/>
+            </a:effectRef>
+            <a:fontRef idx="minor">
+              <a:schemeClr val="lt1"/>
+            </a:fontRef>
+          </p:style>
+          <p:txBody>
+            <a:bodyPr rtlCol="0" anchor="ctr"/>
+            <a:lstStyle/>
+            <a:p>
+              <a:pPr algn="ctr"/>
+              <a:r>
+                <a:rPr lang="en-US" sz="1200" dirty="0">
+                  <a:solidFill>
+                    <a:schemeClr val="bg1"/>
+                  </a:solidFill>
+                </a:rPr>
+                <a:t>Optimal solution met?</a:t>
+              </a:r>
+            </a:p>
+          </p:txBody>
+        </p:sp>
+        <p:cxnSp>
+          <p:nvCxnSpPr>
+            <p:cNvPr id="55" name="Straight Arrow Connector 54">
+              <a:extLst>
+                <a:ext uri="{FF2B5EF4-FFF2-40B4-BE49-F238E27FC236}">
+                  <a16:creationId xmlns:a16="http://schemas.microsoft.com/office/drawing/2014/main" id="{E3CD56F6-09B9-4129-B5DA-BA6D46B880EC}"/>
+                </a:ext>
+              </a:extLst>
+            </p:cNvPr>
+            <p:cNvCxnSpPr>
+              <a:cxnSpLocks/>
+              <a:endCxn id="54" idx="0"/>
+            </p:cNvCxnSpPr>
+            <p:nvPr/>
+          </p:nvCxnSpPr>
+          <p:spPr>
+            <a:xfrm>
+              <a:off x="6302808" y="2661699"/>
+              <a:ext cx="1733" cy="289802"/>
+            </a:xfrm>
+            <a:prstGeom prst="straightConnector1">
+              <a:avLst/>
+            </a:prstGeom>
+            <a:ln>
+              <a:tailEnd type="triangle"/>
+            </a:ln>
+          </p:spPr>
+          <p:style>
+            <a:lnRef idx="1">
+              <a:schemeClr val="dk1"/>
+            </a:lnRef>
+            <a:fillRef idx="0">
+              <a:schemeClr val="dk1"/>
+            </a:fillRef>
+            <a:effectRef idx="0">
+              <a:schemeClr val="dk1"/>
+            </a:effectRef>
+            <a:fontRef idx="minor">
+              <a:schemeClr val="tx1"/>
+            </a:fontRef>
+          </p:style>
+        </p:cxnSp>
+        <p:cxnSp>
+          <p:nvCxnSpPr>
+            <p:cNvPr id="56" name="Straight Arrow Connector 55">
+              <a:extLst>
+                <a:ext uri="{FF2B5EF4-FFF2-40B4-BE49-F238E27FC236}">
+                  <a16:creationId xmlns:a16="http://schemas.microsoft.com/office/drawing/2014/main" id="{E2FFFEFB-C3D2-45A9-80C7-296E79B27F2E}"/>
+                </a:ext>
+              </a:extLst>
+            </p:cNvPr>
+            <p:cNvCxnSpPr>
+              <a:cxnSpLocks/>
+              <a:stCxn id="54" idx="2"/>
+            </p:cNvCxnSpPr>
+            <p:nvPr/>
+          </p:nvCxnSpPr>
+          <p:spPr>
+            <a:xfrm flipH="1">
+              <a:off x="6297316" y="3673813"/>
+              <a:ext cx="7225" cy="331391"/>
+            </a:xfrm>
+            <a:prstGeom prst="straightConnector1">
+              <a:avLst/>
+            </a:prstGeom>
+            <a:ln>
+              <a:tailEnd type="triangle"/>
+            </a:ln>
+          </p:spPr>
+          <p:style>
+            <a:lnRef idx="1">
+              <a:schemeClr val="dk1"/>
+            </a:lnRef>
+            <a:fillRef idx="0">
+              <a:schemeClr val="dk1"/>
+            </a:fillRef>
+            <a:effectRef idx="0">
+              <a:schemeClr val="dk1"/>
+            </a:effectRef>
+            <a:fontRef idx="minor">
+              <a:schemeClr val="tx1"/>
+            </a:fontRef>
+          </p:style>
+        </p:cxnSp>
+        <p:sp>
+          <p:nvSpPr>
+            <p:cNvPr id="57" name="Rectangle 56">
+              <a:extLst>
+                <a:ext uri="{FF2B5EF4-FFF2-40B4-BE49-F238E27FC236}">
+                  <a16:creationId xmlns:a16="http://schemas.microsoft.com/office/drawing/2014/main" id="{FFD4C5AB-7EC7-433D-B22E-3F92B4FB1FCF}"/>
+                </a:ext>
+              </a:extLst>
+            </p:cNvPr>
+            <p:cNvSpPr/>
+            <p:nvPr/>
+          </p:nvSpPr>
+          <p:spPr>
+            <a:xfrm>
+              <a:off x="6020165" y="3721068"/>
+              <a:ext cx="569294" cy="117557"/>
+            </a:xfrm>
+            <a:prstGeom prst="rect">
+              <a:avLst/>
+            </a:prstGeom>
+            <a:solidFill>
+              <a:srgbClr val="408CBF"/>
+            </a:solidFill>
+            <a:ln>
+              <a:noFill/>
+            </a:ln>
+          </p:spPr>
+          <p:style>
+            <a:lnRef idx="0">
+              <a:scrgbClr r="0" g="0" b="0"/>
+            </a:lnRef>
+            <a:fillRef idx="0">
+              <a:scrgbClr r="0" g="0" b="0"/>
+            </a:fillRef>
+            <a:effectRef idx="0">
+              <a:scrgbClr r="0" g="0" b="0"/>
+            </a:effectRef>
+            <a:fontRef idx="minor">
+              <a:schemeClr val="lt1"/>
+            </a:fontRef>
+          </p:style>
+          <p:txBody>
+            <a:bodyPr rtlCol="0" anchor="ctr"/>
+            <a:lstStyle/>
+            <a:p>
+              <a:pPr algn="ctr"/>
+              <a:r>
+                <a:rPr lang="en-US" sz="1200" dirty="0">
+                  <a:solidFill>
+                    <a:schemeClr val="bg1"/>
+                  </a:solidFill>
+                </a:rPr>
+                <a:t>NO</a:t>
+              </a:r>
+            </a:p>
+          </p:txBody>
+        </p:sp>
+        <p:cxnSp>
+          <p:nvCxnSpPr>
+            <p:cNvPr id="58" name="Straight Arrow Connector 57">
+              <a:extLst>
+                <a:ext uri="{FF2B5EF4-FFF2-40B4-BE49-F238E27FC236}">
+                  <a16:creationId xmlns:a16="http://schemas.microsoft.com/office/drawing/2014/main" id="{CDD81F14-985A-4DC0-972A-890C637233AE}"/>
+                </a:ext>
+              </a:extLst>
+            </p:cNvPr>
+            <p:cNvCxnSpPr>
+              <a:cxnSpLocks/>
+              <a:endCxn id="54" idx="1"/>
+            </p:cNvCxnSpPr>
+            <p:nvPr/>
+          </p:nvCxnSpPr>
+          <p:spPr>
+            <a:xfrm flipV="1">
+              <a:off x="5229800" y="3312657"/>
+              <a:ext cx="0" cy="20796"/>
+            </a:xfrm>
+            <a:prstGeom prst="straightConnector1">
+              <a:avLst/>
+            </a:prstGeom>
+            <a:ln>
+              <a:tailEnd type="triangle"/>
+            </a:ln>
+          </p:spPr>
+          <p:style>
+            <a:lnRef idx="1">
+              <a:schemeClr val="dk1"/>
+            </a:lnRef>
+            <a:fillRef idx="0">
+              <a:schemeClr val="dk1"/>
+            </a:fillRef>
+            <a:effectRef idx="0">
+              <a:schemeClr val="dk1"/>
+            </a:effectRef>
+            <a:fontRef idx="minor">
+              <a:schemeClr val="tx1"/>
+            </a:fontRef>
+          </p:style>
+        </p:cxnSp>
+        <p:cxnSp>
+          <p:nvCxnSpPr>
+            <p:cNvPr id="60" name="Straight Arrow Connector 59">
+              <a:extLst>
+                <a:ext uri="{FF2B5EF4-FFF2-40B4-BE49-F238E27FC236}">
+                  <a16:creationId xmlns:a16="http://schemas.microsoft.com/office/drawing/2014/main" id="{2948D361-AA92-4EEF-88DF-5B04CE61561A}"/>
+                </a:ext>
+              </a:extLst>
+            </p:cNvPr>
+            <p:cNvCxnSpPr>
+              <a:cxnSpLocks/>
+            </p:cNvCxnSpPr>
+            <p:nvPr/>
+          </p:nvCxnSpPr>
+          <p:spPr>
+            <a:xfrm>
+              <a:off x="3673889" y="3306894"/>
+              <a:ext cx="0" cy="601326"/>
+            </a:xfrm>
+            <a:prstGeom prst="straightConnector1">
+              <a:avLst/>
+            </a:prstGeom>
+            <a:ln>
+              <a:tailEnd type="triangle"/>
+            </a:ln>
+          </p:spPr>
+          <p:style>
+            <a:lnRef idx="1">
+              <a:schemeClr val="dk1"/>
+            </a:lnRef>
+            <a:fillRef idx="0">
+              <a:schemeClr val="dk1"/>
+            </a:fillRef>
+            <a:effectRef idx="0">
+              <a:schemeClr val="dk1"/>
+            </a:effectRef>
+            <a:fontRef idx="minor">
+              <a:schemeClr val="tx1"/>
+            </a:fontRef>
+          </p:style>
+        </p:cxnSp>
+        <p:sp>
+          <p:nvSpPr>
+            <p:cNvPr id="61" name="Rectangle 60">
+              <a:extLst>
+                <a:ext uri="{FF2B5EF4-FFF2-40B4-BE49-F238E27FC236}">
+                  <a16:creationId xmlns:a16="http://schemas.microsoft.com/office/drawing/2014/main" id="{C72B84B8-A0C9-4C2C-B6D8-93F3604FDAC7}"/>
+                </a:ext>
+              </a:extLst>
+            </p:cNvPr>
+            <p:cNvSpPr/>
+            <p:nvPr/>
+          </p:nvSpPr>
+          <p:spPr>
+            <a:xfrm>
+              <a:off x="3028289" y="3908220"/>
+              <a:ext cx="1248027" cy="759833"/>
+            </a:xfrm>
+            <a:prstGeom prst="rect">
+              <a:avLst/>
+            </a:prstGeom>
+            <a:solidFill>
+              <a:srgbClr val="408CBF"/>
+            </a:solidFill>
+            <a:ln>
+              <a:noFill/>
+            </a:ln>
+          </p:spPr>
+          <p:style>
+            <a:lnRef idx="0">
+              <a:scrgbClr r="0" g="0" b="0"/>
+            </a:lnRef>
+            <a:fillRef idx="0">
+              <a:scrgbClr r="0" g="0" b="0"/>
+            </a:fillRef>
+            <a:effectRef idx="0">
+              <a:scrgbClr r="0" g="0" b="0"/>
+            </a:effectRef>
+            <a:fontRef idx="minor">
+              <a:schemeClr val="lt1"/>
+            </a:fontRef>
+          </p:style>
+          <p:txBody>
+            <a:bodyPr rtlCol="0" anchor="ctr"/>
+            <a:lstStyle/>
+            <a:p>
+              <a:pPr algn="ctr"/>
+              <a:r>
+                <a:rPr lang="en-US" sz="1200" dirty="0">
+                  <a:solidFill>
+                    <a:schemeClr val="bg1"/>
+                  </a:solidFill>
+                </a:rPr>
+                <a:t>Best Route Found</a:t>
+              </a:r>
+            </a:p>
+          </p:txBody>
+        </p:sp>
+        <p:cxnSp>
+          <p:nvCxnSpPr>
+            <p:cNvPr id="62" name="Straight Arrow Connector 61">
+              <a:extLst>
+                <a:ext uri="{FF2B5EF4-FFF2-40B4-BE49-F238E27FC236}">
+                  <a16:creationId xmlns:a16="http://schemas.microsoft.com/office/drawing/2014/main" id="{F47A7358-93D4-4836-823A-91242ADBCBAB}"/>
+                </a:ext>
+              </a:extLst>
+            </p:cNvPr>
+            <p:cNvCxnSpPr>
+              <a:cxnSpLocks/>
+            </p:cNvCxnSpPr>
+            <p:nvPr/>
+          </p:nvCxnSpPr>
+          <p:spPr>
+            <a:xfrm>
+              <a:off x="3621916" y="4712478"/>
+              <a:ext cx="0" cy="485083"/>
+            </a:xfrm>
+            <a:prstGeom prst="straightConnector1">
+              <a:avLst/>
+            </a:prstGeom>
+            <a:ln>
+              <a:tailEnd type="triangle"/>
+            </a:ln>
+          </p:spPr>
+          <p:style>
+            <a:lnRef idx="1">
+              <a:schemeClr val="dk1"/>
+            </a:lnRef>
+            <a:fillRef idx="0">
+              <a:schemeClr val="dk1"/>
+            </a:fillRef>
+            <a:effectRef idx="0">
+              <a:schemeClr val="dk1"/>
+            </a:effectRef>
+            <a:fontRef idx="minor">
+              <a:schemeClr val="tx1"/>
+            </a:fontRef>
+          </p:style>
+        </p:cxnSp>
+        <p:sp>
+          <p:nvSpPr>
+            <p:cNvPr id="63" name="Rectangle 62">
+              <a:extLst>
+                <a:ext uri="{FF2B5EF4-FFF2-40B4-BE49-F238E27FC236}">
+                  <a16:creationId xmlns:a16="http://schemas.microsoft.com/office/drawing/2014/main" id="{8D7B197F-79A0-4618-B57C-84867D78DDD2}"/>
+                </a:ext>
+              </a:extLst>
+            </p:cNvPr>
+            <p:cNvSpPr/>
+            <p:nvPr/>
+          </p:nvSpPr>
+          <p:spPr>
+            <a:xfrm>
+              <a:off x="3214076" y="5197560"/>
+              <a:ext cx="766356" cy="407715"/>
+            </a:xfrm>
+            <a:prstGeom prst="rect">
+              <a:avLst/>
+            </a:prstGeom>
+            <a:solidFill>
+              <a:srgbClr val="408CBF"/>
+            </a:solidFill>
+            <a:ln>
+              <a:noFill/>
+            </a:ln>
+          </p:spPr>
+          <p:style>
+            <a:lnRef idx="0">
+              <a:scrgbClr r="0" g="0" b="0"/>
+            </a:lnRef>
+            <a:fillRef idx="0">
+              <a:scrgbClr r="0" g="0" b="0"/>
+            </a:fillRef>
+            <a:effectRef idx="0">
+              <a:scrgbClr r="0" g="0" b="0"/>
+            </a:effectRef>
+            <a:fontRef idx="minor">
+              <a:schemeClr val="lt1"/>
+            </a:fontRef>
+          </p:style>
+          <p:txBody>
+            <a:bodyPr rtlCol="0" anchor="ctr"/>
+            <a:lstStyle/>
+            <a:p>
+              <a:pPr algn="ctr"/>
+              <a:r>
+                <a:rPr lang="en-US" sz="1200" dirty="0">
+                  <a:solidFill>
+                    <a:schemeClr val="bg1"/>
+                  </a:solidFill>
+                </a:rPr>
+                <a:t>END</a:t>
+              </a:r>
+            </a:p>
+          </p:txBody>
+        </p:sp>
+        <p:sp>
+          <p:nvSpPr>
+            <p:cNvPr id="64" name="Rectangle 63">
+              <a:extLst>
+                <a:ext uri="{FF2B5EF4-FFF2-40B4-BE49-F238E27FC236}">
+                  <a16:creationId xmlns:a16="http://schemas.microsoft.com/office/drawing/2014/main" id="{B8016686-223C-4728-923C-AA3484E1FC40}"/>
+                </a:ext>
+              </a:extLst>
+            </p:cNvPr>
+            <p:cNvSpPr/>
+            <p:nvPr/>
+          </p:nvSpPr>
+          <p:spPr>
+            <a:xfrm>
+              <a:off x="4139407" y="3148829"/>
+              <a:ext cx="569294" cy="288841"/>
+            </a:xfrm>
+            <a:prstGeom prst="rect">
+              <a:avLst/>
+            </a:prstGeom>
+            <a:solidFill>
+              <a:srgbClr val="408CBF"/>
+            </a:solidFill>
+            <a:ln>
+              <a:noFill/>
+            </a:ln>
+          </p:spPr>
+          <p:style>
+            <a:lnRef idx="0">
+              <a:scrgbClr r="0" g="0" b="0"/>
+            </a:lnRef>
+            <a:fillRef idx="0">
+              <a:scrgbClr r="0" g="0" b="0"/>
+            </a:fillRef>
+            <a:effectRef idx="0">
+              <a:scrgbClr r="0" g="0" b="0"/>
+            </a:effectRef>
+            <a:fontRef idx="minor">
+              <a:schemeClr val="lt1"/>
+            </a:fontRef>
+          </p:style>
+          <p:txBody>
+            <a:bodyPr rtlCol="0" anchor="ctr"/>
+            <a:lstStyle/>
+            <a:p>
+              <a:pPr algn="ctr"/>
+              <a:r>
+                <a:rPr lang="en-US" sz="1200" dirty="0">
+                  <a:solidFill>
+                    <a:schemeClr val="bg1"/>
+                  </a:solidFill>
+                </a:rPr>
+                <a:t>YES</a:t>
+              </a:r>
+            </a:p>
+          </p:txBody>
+        </p:sp>
+      </p:grpSp>
     </p:spTree>
     <p:extLst>
       <p:ext uri="{BB962C8B-B14F-4D97-AF65-F5344CB8AC3E}">
@@ -6713,8 +6661,12 @@
               </a:spcAft>
             </a:pPr>
             <a:r>
+              <a:rPr lang="en-US"/>
+              <a:t>Genotype                         </a:t>
+            </a:r>
+            <a:r>
               <a:rPr lang="en-US" dirty="0"/>
-              <a:t>Genotype                        Gene Expression and Phenotype</a:t>
+              <a:t>Gene Expression and Phenotype</a:t>
             </a:r>
           </a:p>
           <a:p>

--- a/report/TSP_Report.pptx
+++ b/report/TSP_Report.pptx
@@ -12,11 +12,12 @@
     <p:sldId id="261" r:id="rId6"/>
     <p:sldId id="262" r:id="rId7"/>
     <p:sldId id="263" r:id="rId8"/>
-    <p:sldId id="264" r:id="rId9"/>
-    <p:sldId id="265" r:id="rId10"/>
-    <p:sldId id="266" r:id="rId11"/>
-    <p:sldId id="267" r:id="rId12"/>
-    <p:sldId id="260" r:id="rId13"/>
+    <p:sldId id="268" r:id="rId9"/>
+    <p:sldId id="264" r:id="rId10"/>
+    <p:sldId id="265" r:id="rId11"/>
+    <p:sldId id="266" r:id="rId12"/>
+    <p:sldId id="267" r:id="rId13"/>
+    <p:sldId id="260" r:id="rId14"/>
   </p:sldIdLst>
   <p:sldSz cx="12192000" cy="6858000"/>
   <p:notesSz cx="6858000" cy="9144000"/>
@@ -4149,6 +4150,96 @@
           <p:cNvPr id="2" name="Title 1">
             <a:extLst>
               <a:ext uri="{FF2B5EF4-FFF2-40B4-BE49-F238E27FC236}">
+                <a16:creationId xmlns:a16="http://schemas.microsoft.com/office/drawing/2014/main" id="{1CEB015E-6A73-4D01-B52F-8E11065C97B6}"/>
+              </a:ext>
+            </a:extLst>
+          </p:cNvPr>
+          <p:cNvSpPr>
+            <a:spLocks noGrp="1"/>
+          </p:cNvSpPr>
+          <p:nvPr>
+            <p:ph type="title"/>
+          </p:nvPr>
+        </p:nvSpPr>
+        <p:spPr/>
+        <p:txBody>
+          <a:bodyPr/>
+          <a:lstStyle/>
+          <a:p>
+            <a:r>
+              <a:rPr lang="en-US" dirty="0"/>
+              <a:t>UNIT TEST (Population)</a:t>
+            </a:r>
+          </a:p>
+        </p:txBody>
+      </p:sp>
+      <p:pic>
+        <p:nvPicPr>
+          <p:cNvPr id="4" name="Content Placeholder 3">
+            <a:extLst>
+              <a:ext uri="{FF2B5EF4-FFF2-40B4-BE49-F238E27FC236}">
+                <a16:creationId xmlns:a16="http://schemas.microsoft.com/office/drawing/2014/main" id="{C64D5670-FCA2-4570-8D2B-B224F9EC298B}"/>
+              </a:ext>
+            </a:extLst>
+          </p:cNvPr>
+          <p:cNvPicPr>
+            <a:picLocks noGrp="1" noChangeAspect="1"/>
+          </p:cNvPicPr>
+          <p:nvPr>
+            <p:ph idx="1"/>
+          </p:nvPr>
+        </p:nvPicPr>
+        <p:blipFill>
+          <a:blip r:embed="rId2"/>
+          <a:stretch>
+            <a:fillRect/>
+          </a:stretch>
+        </p:blipFill>
+        <p:spPr>
+          <a:xfrm>
+            <a:off x="1280558" y="2120900"/>
+            <a:ext cx="7755756" cy="4051300"/>
+          </a:xfrm>
+          <a:prstGeom prst="rect">
+            <a:avLst/>
+          </a:prstGeom>
+        </p:spPr>
+      </p:pic>
+    </p:spTree>
+    <p:extLst>
+      <p:ext uri="{BB962C8B-B14F-4D97-AF65-F5344CB8AC3E}">
+        <p14:creationId xmlns:p14="http://schemas.microsoft.com/office/powerpoint/2010/main" val="1219139516"/>
+      </p:ext>
+    </p:extLst>
+  </p:cSld>
+  <p:clrMapOvr>
+    <a:masterClrMapping/>
+  </p:clrMapOvr>
+</p:sld>
+</file>
+
+<file path=ppt/slides/slide11.xml><?xml version="1.0" encoding="utf-8"?>
+<p:sld xmlns:a="http://schemas.openxmlformats.org/drawingml/2006/main" xmlns:r="http://schemas.openxmlformats.org/officeDocument/2006/relationships" xmlns:p="http://schemas.openxmlformats.org/presentationml/2006/main">
+  <p:cSld>
+    <p:spTree>
+      <p:nvGrpSpPr>
+        <p:cNvPr id="1" name=""/>
+        <p:cNvGrpSpPr/>
+        <p:nvPr/>
+      </p:nvGrpSpPr>
+      <p:grpSpPr>
+        <a:xfrm>
+          <a:off x="0" y="0"/>
+          <a:ext cx="0" cy="0"/>
+          <a:chOff x="0" y="0"/>
+          <a:chExt cx="0" cy="0"/>
+        </a:xfrm>
+      </p:grpSpPr>
+      <p:sp>
+        <p:nvSpPr>
+          <p:cNvPr id="2" name="Title 1">
+            <a:extLst>
+              <a:ext uri="{FF2B5EF4-FFF2-40B4-BE49-F238E27FC236}">
                 <a16:creationId xmlns:a16="http://schemas.microsoft.com/office/drawing/2014/main" id="{A35E7C9F-FBA1-40A0-A642-8B2090E0130E}"/>
               </a:ext>
             </a:extLst>
@@ -4172,7 +4263,7 @@
           <a:p>
             <a:r>
               <a:rPr lang="en-US" dirty="0"/>
-              <a:t>UNIT TEST CASE (Genotype)</a:t>
+              <a:t>UNIT TEST (Genotype)</a:t>
             </a:r>
           </a:p>
         </p:txBody>
@@ -4222,7 +4313,7 @@
 </p:sld>
 </file>
 
-<file path=ppt/slides/slide11.xml><?xml version="1.0" encoding="utf-8"?>
+<file path=ppt/slides/slide12.xml><?xml version="1.0" encoding="utf-8"?>
 <p:sld xmlns:a="http://schemas.openxmlformats.org/drawingml/2006/main" xmlns:r="http://schemas.openxmlformats.org/officeDocument/2006/relationships" xmlns:p="http://schemas.openxmlformats.org/presentationml/2006/main">
   <p:cSld>
     <p:spTree>
@@ -4262,7 +4353,7 @@
           <a:p>
             <a:r>
               <a:rPr lang="en-US" dirty="0"/>
-              <a:t>UNIT TEST CASE (Phenotype)</a:t>
+              <a:t>UNIT TEST (Phenotype)</a:t>
             </a:r>
           </a:p>
         </p:txBody>
@@ -4341,7 +4432,7 @@
 </p:sld>
 </file>
 
-<file path=ppt/slides/slide12.xml><?xml version="1.0" encoding="utf-8"?>
+<file path=ppt/slides/slide13.xml><?xml version="1.0" encoding="utf-8"?>
 <p:sld xmlns:a="http://schemas.openxmlformats.org/drawingml/2006/main" xmlns:r="http://schemas.openxmlformats.org/officeDocument/2006/relationships" xmlns:p="http://schemas.openxmlformats.org/presentationml/2006/main">
   <p:cSld>
     <p:spTree>
@@ -4409,8 +4500,8 @@
         </p:nvSpPr>
         <p:spPr>
           <a:xfrm>
-            <a:off x="1069848" y="1278384"/>
-            <a:ext cx="10058400" cy="4893816"/>
+            <a:off x="1069848" y="1415562"/>
+            <a:ext cx="10058400" cy="4756638"/>
           </a:xfrm>
         </p:spPr>
         <p:txBody>
@@ -4421,6 +4512,69 @@
               <a:buNone/>
             </a:pPr>
             <a:endParaRPr lang="en-US" dirty="0"/>
+          </a:p>
+          <a:p>
+            <a:pPr marL="0" indent="0">
+              <a:buNone/>
+            </a:pPr>
+            <a:r>
+              <a:rPr lang="en-US" dirty="0"/>
+              <a:t> We are able to reach an optimal solution with one-fourth of total possible solution space using GA approach for solving Travelling Salesman problem. </a:t>
+            </a:r>
+          </a:p>
+          <a:p>
+            <a:pPr marL="0" indent="0">
+              <a:buNone/>
+            </a:pPr>
+            <a:r>
+              <a:rPr lang="en-US" dirty="0"/>
+              <a:t>Statistics :</a:t>
+            </a:r>
+          </a:p>
+          <a:p>
+            <a:pPr marL="0" indent="0">
+              <a:buNone/>
+            </a:pPr>
+            <a:r>
+              <a:rPr lang="en-US" dirty="0"/>
+              <a:t>Total Cities = 8</a:t>
+            </a:r>
+          </a:p>
+          <a:p>
+            <a:pPr marL="0" indent="0">
+              <a:buNone/>
+            </a:pPr>
+            <a:r>
+              <a:rPr lang="en-US" dirty="0"/>
+              <a:t>Genotype Length = 8</a:t>
+            </a:r>
+          </a:p>
+          <a:p>
+            <a:pPr marL="0" indent="0">
+              <a:buNone/>
+            </a:pPr>
+            <a:r>
+              <a:rPr lang="en-US" dirty="0"/>
+              <a:t>Total Solution by brute force = 8!</a:t>
+            </a:r>
+          </a:p>
+          <a:p>
+            <a:pPr marL="0" indent="0">
+              <a:buNone/>
+            </a:pPr>
+            <a:r>
+              <a:rPr lang="en-US" dirty="0"/>
+              <a:t>Population = 1000</a:t>
+            </a:r>
+          </a:p>
+          <a:p>
+            <a:pPr marL="0" indent="0">
+              <a:buNone/>
+            </a:pPr>
+            <a:r>
+              <a:rPr lang="en-US" dirty="0"/>
+              <a:t>Number of Generations Spawned = 24</a:t>
+            </a:r>
           </a:p>
           <a:p>
             <a:pPr marL="0" indent="0">
@@ -6661,12 +6815,8 @@
               </a:spcAft>
             </a:pPr>
             <a:r>
-              <a:rPr lang="en-US"/>
-              <a:t>Genotype                         </a:t>
-            </a:r>
-            <a:r>
               <a:rPr lang="en-US" dirty="0"/>
-              <a:t>Gene Expression and Phenotype</a:t>
+              <a:t>Genotype                         Gene Expression and Phenotype</a:t>
             </a:r>
           </a:p>
           <a:p>
@@ -7159,7 +7309,7 @@
           <p:cNvPr id="2" name="Title 1">
             <a:extLst>
               <a:ext uri="{FF2B5EF4-FFF2-40B4-BE49-F238E27FC236}">
-                <a16:creationId xmlns:a16="http://schemas.microsoft.com/office/drawing/2014/main" id="{E9923FAD-DDEC-453A-8575-682F4FDDF272}"/>
+                <a16:creationId xmlns:a16="http://schemas.microsoft.com/office/drawing/2014/main" id="{26B70439-1419-4CD2-8F9F-352971A0168E}"/>
               </a:ext>
             </a:extLst>
           </p:cNvPr>
@@ -7177,7 +7327,7 @@
           <a:p>
             <a:r>
               <a:rPr lang="en-US" dirty="0"/>
-              <a:t>Unit Test Case (City)</a:t>
+              <a:t>Application Logs</a:t>
             </a:r>
           </a:p>
         </p:txBody>
@@ -7187,7 +7337,7 @@
           <p:cNvPr id="4" name="Content Placeholder 3">
             <a:extLst>
               <a:ext uri="{FF2B5EF4-FFF2-40B4-BE49-F238E27FC236}">
-                <a16:creationId xmlns:a16="http://schemas.microsoft.com/office/drawing/2014/main" id="{6B634439-306D-41A4-91F0-9DC9C53E3DD5}"/>
+                <a16:creationId xmlns:a16="http://schemas.microsoft.com/office/drawing/2014/main" id="{66718A5E-A9BA-4C53-B7EE-EE0AB47F3846}"/>
               </a:ext>
             </a:extLst>
           </p:cNvPr>
@@ -7206,8 +7356,8 @@
         </p:blipFill>
         <p:spPr>
           <a:xfrm>
-            <a:off x="1197824" y="2120900"/>
-            <a:ext cx="6635832" cy="4051300"/>
+            <a:off x="1069975" y="2189934"/>
+            <a:ext cx="10058400" cy="3913231"/>
           </a:xfrm>
           <a:prstGeom prst="rect">
             <a:avLst/>
@@ -7217,7 +7367,7 @@
     </p:spTree>
     <p:extLst>
       <p:ext uri="{BB962C8B-B14F-4D97-AF65-F5344CB8AC3E}">
-        <p14:creationId xmlns:p14="http://schemas.microsoft.com/office/powerpoint/2010/main" val="3808817626"/>
+        <p14:creationId xmlns:p14="http://schemas.microsoft.com/office/powerpoint/2010/main" val="4257278324"/>
       </p:ext>
     </p:extLst>
   </p:cSld>
@@ -7249,7 +7399,7 @@
           <p:cNvPr id="2" name="Title 1">
             <a:extLst>
               <a:ext uri="{FF2B5EF4-FFF2-40B4-BE49-F238E27FC236}">
-                <a16:creationId xmlns:a16="http://schemas.microsoft.com/office/drawing/2014/main" id="{1CEB015E-6A73-4D01-B52F-8E11065C97B6}"/>
+                <a16:creationId xmlns:a16="http://schemas.microsoft.com/office/drawing/2014/main" id="{E9923FAD-DDEC-453A-8575-682F4FDDF272}"/>
               </a:ext>
             </a:extLst>
           </p:cNvPr>
@@ -7267,7 +7417,7 @@
           <a:p>
             <a:r>
               <a:rPr lang="en-US" dirty="0"/>
-              <a:t>UNIT TEST CASE (Population)</a:t>
+              <a:t>Unit Test (City)</a:t>
             </a:r>
           </a:p>
         </p:txBody>
@@ -7277,7 +7427,7 @@
           <p:cNvPr id="4" name="Content Placeholder 3">
             <a:extLst>
               <a:ext uri="{FF2B5EF4-FFF2-40B4-BE49-F238E27FC236}">
-                <a16:creationId xmlns:a16="http://schemas.microsoft.com/office/drawing/2014/main" id="{C64D5670-FCA2-4570-8D2B-B224F9EC298B}"/>
+                <a16:creationId xmlns:a16="http://schemas.microsoft.com/office/drawing/2014/main" id="{6B634439-306D-41A4-91F0-9DC9C53E3DD5}"/>
               </a:ext>
             </a:extLst>
           </p:cNvPr>
@@ -7296,8 +7446,8 @@
         </p:blipFill>
         <p:spPr>
           <a:xfrm>
-            <a:off x="1280558" y="2120900"/>
-            <a:ext cx="7755756" cy="4051300"/>
+            <a:off x="1197824" y="2120900"/>
+            <a:ext cx="6635832" cy="4051300"/>
           </a:xfrm>
           <a:prstGeom prst="rect">
             <a:avLst/>
@@ -7307,7 +7457,7 @@
     </p:spTree>
     <p:extLst>
       <p:ext uri="{BB962C8B-B14F-4D97-AF65-F5344CB8AC3E}">
-        <p14:creationId xmlns:p14="http://schemas.microsoft.com/office/powerpoint/2010/main" val="1219139516"/>
+        <p14:creationId xmlns:p14="http://schemas.microsoft.com/office/powerpoint/2010/main" val="3808817626"/>
       </p:ext>
     </p:extLst>
   </p:cSld>

--- a/report/TSP_Report.pptx
+++ b/report/TSP_Report.pptx
@@ -4519,7 +4519,7 @@
             </a:pPr>
             <a:r>
               <a:rPr lang="en-US" dirty="0"/>
-              <a:t> We are able to reach an optimal solution with one-fourth of total possible solution space using GA approach for solving Travelling Salesman problem. </a:t>
+              <a:t>We are able to reach an optimal solution with one-fourth of total possible solution space using GA approach for solving Travelling Salesman problem. </a:t>
             </a:r>
           </a:p>
           <a:p>
@@ -4555,7 +4555,7 @@
             </a:pPr>
             <a:r>
               <a:rPr lang="en-US" dirty="0"/>
-              <a:t>Total Solution by brute force = 8!</a:t>
+              <a:t>Total Solution by brute force = 8! (40320)</a:t>
             </a:r>
           </a:p>
           <a:p>
@@ -4573,7 +4573,24 @@
             </a:pPr>
             <a:r>
               <a:rPr lang="en-US" dirty="0"/>
-              <a:t>Number of Generations Spawned = 24</a:t>
+              <a:t>Optimal solutions is found by keeping 40320/1000 ~ 40% of the Solution space</a:t>
+            </a:r>
+          </a:p>
+          <a:p>
+            <a:pPr marL="0" indent="0">
+              <a:buNone/>
+            </a:pPr>
+            <a:r>
+              <a:rPr lang="en-US" dirty="0"/>
+              <a:t>Optimal Solution found in  4</a:t>
+            </a:r>
+            <a:r>
+              <a:rPr lang="en-US" baseline="30000" dirty="0"/>
+              <a:t>th</a:t>
+            </a:r>
+            <a:r>
+              <a:rPr lang="en-US" dirty="0"/>
+              <a:t> generation</a:t>
             </a:r>
           </a:p>
           <a:p>
@@ -4879,9 +4896,9 @@
         <p:grpSpPr>
           <a:xfrm>
             <a:off x="770910" y="1283230"/>
-            <a:ext cx="9163711" cy="5090138"/>
+            <a:ext cx="9163711" cy="5075722"/>
             <a:chOff x="3028289" y="966706"/>
-            <a:chExt cx="6992057" cy="5342654"/>
+            <a:chExt cx="6992057" cy="5327523"/>
           </a:xfrm>
         </p:grpSpPr>
         <p:cxnSp>
@@ -4925,65 +4942,6 @@
             </a:fontRef>
           </p:style>
         </p:cxnSp>
-        <p:sp>
-          <p:nvSpPr>
-            <p:cNvPr id="12" name="Rectangle 11">
-              <a:extLst>
-                <a:ext uri="{FF2B5EF4-FFF2-40B4-BE49-F238E27FC236}">
-                  <a16:creationId xmlns:a16="http://schemas.microsoft.com/office/drawing/2014/main" id="{190600D7-ABF3-4B4F-9892-79A912D8C15A}"/>
-                </a:ext>
-              </a:extLst>
-            </p:cNvPr>
-            <p:cNvSpPr/>
-            <p:nvPr/>
-          </p:nvSpPr>
-          <p:spPr>
-            <a:xfrm>
-              <a:off x="4350820" y="3993778"/>
-              <a:ext cx="4116429" cy="689406"/>
-            </a:xfrm>
-            <a:prstGeom prst="rect">
-              <a:avLst/>
-            </a:prstGeom>
-            <a:solidFill>
-              <a:schemeClr val="dk1">
-                <a:alpha val="50000"/>
-              </a:schemeClr>
-            </a:solidFill>
-            <a:ln>
-              <a:noFill/>
-            </a:ln>
-          </p:spPr>
-          <p:style>
-            <a:lnRef idx="0">
-              <a:scrgbClr r="0" g="0" b="0"/>
-            </a:lnRef>
-            <a:fillRef idx="0">
-              <a:scrgbClr r="0" g="0" b="0"/>
-            </a:fillRef>
-            <a:effectRef idx="0">
-              <a:scrgbClr r="0" g="0" b="0"/>
-            </a:effectRef>
-            <a:fontRef idx="minor">
-              <a:schemeClr val="lt1"/>
-            </a:fontRef>
-          </p:style>
-          <p:txBody>
-            <a:bodyPr rtlCol="0" anchor="ctr"/>
-            <a:lstStyle/>
-            <a:p>
-              <a:pPr algn="ctr"/>
-              <a:r>
-                <a:rPr lang="en-US" sz="1200" dirty="0">
-                  <a:solidFill>
-                    <a:schemeClr val="bg1"/>
-                  </a:solidFill>
-                </a:rPr>
-                <a:t>Select Parents for the next generation by picking top phenome(routes ) from the current generation</a:t>
-              </a:r>
-            </a:p>
-          </p:txBody>
-        </p:sp>
         <p:cxnSp>
           <p:nvCxnSpPr>
             <p:cNvPr id="13" name="Straight Arrow Connector 12">
@@ -5025,65 +4983,6 @@
             </a:fontRef>
           </p:style>
         </p:cxnSp>
-        <p:sp>
-          <p:nvSpPr>
-            <p:cNvPr id="14" name="Rectangle 13">
-              <a:extLst>
-                <a:ext uri="{FF2B5EF4-FFF2-40B4-BE49-F238E27FC236}">
-                  <a16:creationId xmlns:a16="http://schemas.microsoft.com/office/drawing/2014/main" id="{1BA6CB74-8C34-4DBE-B2A8-3A422EF7CA63}"/>
-                </a:ext>
-              </a:extLst>
-            </p:cNvPr>
-            <p:cNvSpPr/>
-            <p:nvPr/>
-          </p:nvSpPr>
-          <p:spPr>
-            <a:xfrm>
-              <a:off x="4348979" y="4962574"/>
-              <a:ext cx="4116429" cy="635007"/>
-            </a:xfrm>
-            <a:prstGeom prst="rect">
-              <a:avLst/>
-            </a:prstGeom>
-            <a:solidFill>
-              <a:schemeClr val="dk1">
-                <a:alpha val="50000"/>
-              </a:schemeClr>
-            </a:solidFill>
-            <a:ln>
-              <a:noFill/>
-            </a:ln>
-          </p:spPr>
-          <p:style>
-            <a:lnRef idx="0">
-              <a:scrgbClr r="0" g="0" b="0"/>
-            </a:lnRef>
-            <a:fillRef idx="0">
-              <a:scrgbClr r="0" g="0" b="0"/>
-            </a:fillRef>
-            <a:effectRef idx="0">
-              <a:scrgbClr r="0" g="0" b="0"/>
-            </a:effectRef>
-            <a:fontRef idx="minor">
-              <a:schemeClr val="lt1"/>
-            </a:fontRef>
-          </p:style>
-          <p:txBody>
-            <a:bodyPr rtlCol="0" anchor="ctr"/>
-            <a:lstStyle/>
-            <a:p>
-              <a:pPr algn="ctr"/>
-              <a:r>
-                <a:rPr lang="en-US" sz="1200" dirty="0">
-                  <a:solidFill>
-                    <a:schemeClr val="bg1"/>
-                  </a:solidFill>
-                </a:rPr>
-                <a:t>Generate next generation’s genome by crossover between top selected parents of current generation</a:t>
-              </a:r>
-            </a:p>
-          </p:txBody>
-        </p:sp>
         <p:cxnSp>
           <p:nvCxnSpPr>
             <p:cNvPr id="15" name="Straight Arrow Connector 14">
@@ -5125,65 +5024,6 @@
             </a:fontRef>
           </p:style>
         </p:cxnSp>
-        <p:sp>
-          <p:nvSpPr>
-            <p:cNvPr id="18" name="Rectangle 17">
-              <a:extLst>
-                <a:ext uri="{FF2B5EF4-FFF2-40B4-BE49-F238E27FC236}">
-                  <a16:creationId xmlns:a16="http://schemas.microsoft.com/office/drawing/2014/main" id="{406BC614-0C21-4097-85D0-768F27B72EFD}"/>
-                </a:ext>
-              </a:extLst>
-            </p:cNvPr>
-            <p:cNvSpPr/>
-            <p:nvPr/>
-          </p:nvSpPr>
-          <p:spPr>
-            <a:xfrm>
-              <a:off x="4319818" y="5910208"/>
-              <a:ext cx="4116429" cy="399152"/>
-            </a:xfrm>
-            <a:prstGeom prst="rect">
-              <a:avLst/>
-            </a:prstGeom>
-            <a:solidFill>
-              <a:schemeClr val="dk1">
-                <a:alpha val="50000"/>
-              </a:schemeClr>
-            </a:solidFill>
-            <a:ln>
-              <a:noFill/>
-            </a:ln>
-          </p:spPr>
-          <p:style>
-            <a:lnRef idx="0">
-              <a:scrgbClr r="0" g="0" b="0"/>
-            </a:lnRef>
-            <a:fillRef idx="0">
-              <a:scrgbClr r="0" g="0" b="0"/>
-            </a:fillRef>
-            <a:effectRef idx="0">
-              <a:scrgbClr r="0" g="0" b="0"/>
-            </a:effectRef>
-            <a:fontRef idx="minor">
-              <a:schemeClr val="lt1"/>
-            </a:fontRef>
-          </p:style>
-          <p:txBody>
-            <a:bodyPr rtlCol="0" anchor="ctr"/>
-            <a:lstStyle/>
-            <a:p>
-              <a:pPr algn="ctr"/>
-              <a:r>
-                <a:rPr lang="en-US" sz="1200" dirty="0">
-                  <a:solidFill>
-                    <a:schemeClr val="bg1"/>
-                  </a:solidFill>
-                </a:rPr>
-                <a:t>Generate new generation based on the new genome</a:t>
-              </a:r>
-            </a:p>
-          </p:txBody>
-        </p:sp>
         <p:cxnSp>
           <p:nvCxnSpPr>
             <p:cNvPr id="21" name="Straight Arrow Connector 20">
@@ -5266,65 +5106,6 @@
             </a:fontRef>
           </p:style>
         </p:cxnSp>
-        <p:sp>
-          <p:nvSpPr>
-            <p:cNvPr id="36" name="Rectangle 35">
-              <a:extLst>
-                <a:ext uri="{FF2B5EF4-FFF2-40B4-BE49-F238E27FC236}">
-                  <a16:creationId xmlns:a16="http://schemas.microsoft.com/office/drawing/2014/main" id="{A4CB5D04-2FF2-4B13-89AA-1C8671E5C43A}"/>
-                </a:ext>
-              </a:extLst>
-            </p:cNvPr>
-            <p:cNvSpPr/>
-            <p:nvPr/>
-          </p:nvSpPr>
-          <p:spPr>
-            <a:xfrm>
-              <a:off x="6020165" y="3736200"/>
-              <a:ext cx="569294" cy="117557"/>
-            </a:xfrm>
-            <a:prstGeom prst="rect">
-              <a:avLst/>
-            </a:prstGeom>
-            <a:solidFill>
-              <a:schemeClr val="dk1">
-                <a:alpha val="50000"/>
-              </a:schemeClr>
-            </a:solidFill>
-            <a:ln>
-              <a:noFill/>
-            </a:ln>
-          </p:spPr>
-          <p:style>
-            <a:lnRef idx="0">
-              <a:scrgbClr r="0" g="0" b="0"/>
-            </a:lnRef>
-            <a:fillRef idx="0">
-              <a:scrgbClr r="0" g="0" b="0"/>
-            </a:fillRef>
-            <a:effectRef idx="0">
-              <a:scrgbClr r="0" g="0" b="0"/>
-            </a:effectRef>
-            <a:fontRef idx="minor">
-              <a:schemeClr val="lt1"/>
-            </a:fontRef>
-          </p:style>
-          <p:txBody>
-            <a:bodyPr rtlCol="0" anchor="ctr"/>
-            <a:lstStyle/>
-            <a:p>
-              <a:pPr algn="ctr"/>
-              <a:r>
-                <a:rPr lang="en-US" sz="1200" dirty="0">
-                  <a:solidFill>
-                    <a:schemeClr val="bg1"/>
-                  </a:solidFill>
-                </a:rPr>
-                <a:t>NO</a:t>
-              </a:r>
-            </a:p>
-          </p:txBody>
-        </p:sp>
         <p:cxnSp>
           <p:nvCxnSpPr>
             <p:cNvPr id="38" name="Straight Arrow Connector 37">
@@ -5621,8 +5402,8 @@
           </p:nvSpPr>
           <p:spPr>
             <a:xfrm>
-              <a:off x="4399248" y="966706"/>
-              <a:ext cx="4116429" cy="397229"/>
+              <a:off x="4348977" y="966706"/>
+              <a:ext cx="4166699" cy="397229"/>
             </a:xfrm>
             <a:prstGeom prst="rect">
               <a:avLst/>
@@ -5719,8 +5500,8 @@
           </p:nvSpPr>
           <p:spPr>
             <a:xfrm>
-              <a:off x="4399248" y="1666465"/>
-              <a:ext cx="4116429" cy="420146"/>
+              <a:off x="4363429" y="1666465"/>
+              <a:ext cx="4152248" cy="420146"/>
             </a:xfrm>
             <a:prstGeom prst="rect">
               <a:avLst/>
@@ -5817,8 +5598,8 @@
           </p:nvSpPr>
           <p:spPr>
             <a:xfrm>
-              <a:off x="4399249" y="2331342"/>
-              <a:ext cx="4116429" cy="385771"/>
+              <a:off x="4348979" y="2331342"/>
+              <a:ext cx="4166699" cy="385771"/>
             </a:xfrm>
             <a:prstGeom prst="rect">
               <a:avLst/>
@@ -5917,47 +5698,6 @@
             </a:p>
           </p:txBody>
         </p:sp>
-        <p:cxnSp>
-          <p:nvCxnSpPr>
-            <p:cNvPr id="40" name="Straight Arrow Connector 39">
-              <a:extLst>
-                <a:ext uri="{FF2B5EF4-FFF2-40B4-BE49-F238E27FC236}">
-                  <a16:creationId xmlns:a16="http://schemas.microsoft.com/office/drawing/2014/main" id="{39582D56-D7C5-4E18-9EFD-8F7E0B56A204}"/>
-                </a:ext>
-              </a:extLst>
-            </p:cNvPr>
-            <p:cNvCxnSpPr>
-              <a:cxnSpLocks/>
-            </p:cNvCxnSpPr>
-            <p:nvPr/>
-          </p:nvCxnSpPr>
-          <p:spPr>
-            <a:xfrm>
-              <a:off x="6257824" y="4649458"/>
-              <a:ext cx="7226" cy="305560"/>
-            </a:xfrm>
-            <a:prstGeom prst="straightConnector1">
-              <a:avLst/>
-            </a:prstGeom>
-            <a:ln>
-              <a:tailEnd type="triangle"/>
-            </a:ln>
-          </p:spPr>
-          <p:style>
-            <a:lnRef idx="1">
-              <a:schemeClr val="dk1"/>
-            </a:lnRef>
-            <a:fillRef idx="0">
-              <a:schemeClr val="dk1"/>
-            </a:fillRef>
-            <a:effectRef idx="0">
-              <a:schemeClr val="dk1"/>
-            </a:effectRef>
-            <a:fontRef idx="minor">
-              <a:schemeClr val="tx1"/>
-            </a:fontRef>
-          </p:style>
-        </p:cxnSp>
         <p:sp>
           <p:nvSpPr>
             <p:cNvPr id="42" name="Rectangle 41">
@@ -6015,47 +5755,6 @@
             </a:p>
           </p:txBody>
         </p:sp>
-        <p:cxnSp>
-          <p:nvCxnSpPr>
-            <p:cNvPr id="43" name="Straight Arrow Connector 42">
-              <a:extLst>
-                <a:ext uri="{FF2B5EF4-FFF2-40B4-BE49-F238E27FC236}">
-                  <a16:creationId xmlns:a16="http://schemas.microsoft.com/office/drawing/2014/main" id="{7A515F39-BA73-4C7E-9101-CA82620381A2}"/>
-                </a:ext>
-              </a:extLst>
-            </p:cNvPr>
-            <p:cNvCxnSpPr>
-              <a:cxnSpLocks/>
-            </p:cNvCxnSpPr>
-            <p:nvPr/>
-          </p:nvCxnSpPr>
-          <p:spPr>
-            <a:xfrm>
-              <a:off x="6272165" y="5607565"/>
-              <a:ext cx="7226" cy="305560"/>
-            </a:xfrm>
-            <a:prstGeom prst="straightConnector1">
-              <a:avLst/>
-            </a:prstGeom>
-            <a:ln>
-              <a:tailEnd type="triangle"/>
-            </a:ln>
-          </p:spPr>
-          <p:style>
-            <a:lnRef idx="1">
-              <a:schemeClr val="dk1"/>
-            </a:lnRef>
-            <a:fillRef idx="0">
-              <a:schemeClr val="dk1"/>
-            </a:fillRef>
-            <a:effectRef idx="0">
-              <a:schemeClr val="dk1"/>
-            </a:effectRef>
-            <a:fontRef idx="minor">
-              <a:schemeClr val="tx1"/>
-            </a:fontRef>
-          </p:style>
-        </p:cxnSp>
         <p:sp>
           <p:nvSpPr>
             <p:cNvPr id="44" name="Rectangle 43">
@@ -6070,8 +5769,8 @@
           </p:nvSpPr>
           <p:spPr>
             <a:xfrm>
-              <a:off x="4319818" y="5895077"/>
-              <a:ext cx="4164847" cy="399152"/>
+              <a:off x="4348979" y="5895077"/>
+              <a:ext cx="4169149" cy="399152"/>
             </a:xfrm>
             <a:prstGeom prst="rect">
               <a:avLst/>
@@ -6226,8 +5925,8 @@
           </p:nvSpPr>
           <p:spPr>
             <a:xfrm>
-              <a:off x="5229800" y="2951501"/>
-              <a:ext cx="2149484" cy="722312"/>
+              <a:off x="5183919" y="2951501"/>
+              <a:ext cx="2195365" cy="722313"/>
             </a:xfrm>
             <a:prstGeom prst="diamond">
               <a:avLst/>
@@ -6285,51 +5984,9 @@
             <p:nvPr/>
           </p:nvCxnSpPr>
           <p:spPr>
-            <a:xfrm>
-              <a:off x="6302808" y="2661699"/>
-              <a:ext cx="1733" cy="289802"/>
-            </a:xfrm>
-            <a:prstGeom prst="straightConnector1">
-              <a:avLst/>
-            </a:prstGeom>
-            <a:ln>
-              <a:tailEnd type="triangle"/>
-            </a:ln>
-          </p:spPr>
-          <p:style>
-            <a:lnRef idx="1">
-              <a:schemeClr val="dk1"/>
-            </a:lnRef>
-            <a:fillRef idx="0">
-              <a:schemeClr val="dk1"/>
-            </a:fillRef>
-            <a:effectRef idx="0">
-              <a:schemeClr val="dk1"/>
-            </a:effectRef>
-            <a:fontRef idx="minor">
-              <a:schemeClr val="tx1"/>
-            </a:fontRef>
-          </p:style>
-        </p:cxnSp>
-        <p:cxnSp>
-          <p:nvCxnSpPr>
-            <p:cNvPr id="56" name="Straight Arrow Connector 55">
-              <a:extLst>
-                <a:ext uri="{FF2B5EF4-FFF2-40B4-BE49-F238E27FC236}">
-                  <a16:creationId xmlns:a16="http://schemas.microsoft.com/office/drawing/2014/main" id="{E2FFFEFB-C3D2-45A9-80C7-296E79B27F2E}"/>
-                </a:ext>
-              </a:extLst>
-            </p:cNvPr>
-            <p:cNvCxnSpPr>
-              <a:cxnSpLocks/>
-              <a:stCxn id="54" idx="2"/>
-            </p:cNvCxnSpPr>
-            <p:nvPr/>
-          </p:nvCxnSpPr>
-          <p:spPr>
             <a:xfrm flipH="1">
-              <a:off x="6297316" y="3673813"/>
-              <a:ext cx="7225" cy="331391"/>
+              <a:off x="6281602" y="2661699"/>
+              <a:ext cx="21207" cy="289801"/>
             </a:xfrm>
             <a:prstGeom prst="straightConnector1">
               <a:avLst/>
@@ -6367,7 +6024,7 @@
           </p:nvSpPr>
           <p:spPr>
             <a:xfrm>
-              <a:off x="6020165" y="3721068"/>
+              <a:off x="6007559" y="3721394"/>
               <a:ext cx="569294" cy="117557"/>
             </a:xfrm>
             <a:prstGeom prst="rect">
@@ -6410,48 +6067,6 @@
             </a:p>
           </p:txBody>
         </p:sp>
-        <p:cxnSp>
-          <p:nvCxnSpPr>
-            <p:cNvPr id="58" name="Straight Arrow Connector 57">
-              <a:extLst>
-                <a:ext uri="{FF2B5EF4-FFF2-40B4-BE49-F238E27FC236}">
-                  <a16:creationId xmlns:a16="http://schemas.microsoft.com/office/drawing/2014/main" id="{CDD81F14-985A-4DC0-972A-890C637233AE}"/>
-                </a:ext>
-              </a:extLst>
-            </p:cNvPr>
-            <p:cNvCxnSpPr>
-              <a:cxnSpLocks/>
-              <a:endCxn id="54" idx="1"/>
-            </p:cNvCxnSpPr>
-            <p:nvPr/>
-          </p:nvCxnSpPr>
-          <p:spPr>
-            <a:xfrm flipV="1">
-              <a:off x="5229800" y="3312657"/>
-              <a:ext cx="0" cy="20796"/>
-            </a:xfrm>
-            <a:prstGeom prst="straightConnector1">
-              <a:avLst/>
-            </a:prstGeom>
-            <a:ln>
-              <a:tailEnd type="triangle"/>
-            </a:ln>
-          </p:spPr>
-          <p:style>
-            <a:lnRef idx="1">
-              <a:schemeClr val="dk1"/>
-            </a:lnRef>
-            <a:fillRef idx="0">
-              <a:schemeClr val="dk1"/>
-            </a:fillRef>
-            <a:effectRef idx="0">
-              <a:schemeClr val="dk1"/>
-            </a:effectRef>
-            <a:fontRef idx="minor">
-              <a:schemeClr val="tx1"/>
-            </a:fontRef>
-          </p:style>
-        </p:cxnSp>
         <p:cxnSp>
           <p:nvCxnSpPr>
             <p:cNvPr id="60" name="Straight Arrow Connector 59">
@@ -6871,7 +6486,7 @@
             </a:pPr>
             <a:r>
               <a:rPr lang="en-US" dirty="0"/>
-              <a:t>Evolution Mechanism    Find the optimal solution until the minimum distance is                        			    constant in a range for 20 generations. Creation of new 				    generations would go until maximum of 100 generations</a:t>
+              <a:t>Evolution Mechanism    Find the optimal solution until the minimum distance is                        			    constant for 10 generations. Creation of new  generations would 			    go until maximum of 100 generations</a:t>
             </a:r>
           </a:p>
           <a:p>

--- a/report/TSP_Report.pptx
+++ b/report/TSP_Report.pptx
@@ -4582,15 +4582,32 @@
             </a:pPr>
             <a:r>
               <a:rPr lang="en-US" dirty="0"/>
-              <a:t>Optimal Solution found in  4</a:t>
+              <a:t>Optimal Solution found in  2</a:t>
             </a:r>
             <a:r>
               <a:rPr lang="en-US" baseline="30000" dirty="0"/>
-              <a:t>th</a:t>
+              <a:t>nd </a:t>
             </a:r>
             <a:r>
               <a:rPr lang="en-US" dirty="0"/>
-              <a:t> generation</a:t>
+              <a:t>generation</a:t>
+            </a:r>
+          </a:p>
+          <a:p>
+            <a:pPr marL="0" indent="0">
+              <a:buNone/>
+            </a:pPr>
+            <a:r>
+              <a:rPr lang="en-US" dirty="0"/>
+              <a:t>Since the best solution is not changed for 10 generation our program concludes </a:t>
+            </a:r>
+            <a:r>
+              <a:rPr lang="en-US"/>
+              <a:t>the optimal </a:t>
+            </a:r>
+            <a:r>
+              <a:rPr lang="en-US" dirty="0"/>
+              <a:t>solution has reached</a:t>
             </a:r>
           </a:p>
           <a:p>

--- a/report/TSP_Report.pptx
+++ b/report/TSP_Report.pptx
@@ -17,7 +17,8 @@
     <p:sldId id="265" r:id="rId11"/>
     <p:sldId id="266" r:id="rId12"/>
     <p:sldId id="267" r:id="rId13"/>
-    <p:sldId id="260" r:id="rId14"/>
+    <p:sldId id="269" r:id="rId14"/>
+    <p:sldId id="260" r:id="rId15"/>
   </p:sldIdLst>
   <p:sldSz cx="12192000" cy="6858000"/>
   <p:notesSz cx="6858000" cy="9144000"/>
@@ -4454,6 +4455,101 @@
           <p:cNvPr id="2" name="Title 1">
             <a:extLst>
               <a:ext uri="{FF2B5EF4-FFF2-40B4-BE49-F238E27FC236}">
+                <a16:creationId xmlns:a16="http://schemas.microsoft.com/office/drawing/2014/main" id="{9E1CDF4A-A5A6-45C0-8F53-328312138624}"/>
+              </a:ext>
+            </a:extLst>
+          </p:cNvPr>
+          <p:cNvSpPr>
+            <a:spLocks noGrp="1"/>
+          </p:cNvSpPr>
+          <p:nvPr>
+            <p:ph type="title"/>
+          </p:nvPr>
+        </p:nvSpPr>
+        <p:spPr/>
+        <p:txBody>
+          <a:bodyPr/>
+          <a:lstStyle/>
+          <a:p>
+            <a:r>
+              <a:rPr lang="en-US" dirty="0"/>
+              <a:t>Variable change findings</a:t>
+            </a:r>
+          </a:p>
+        </p:txBody>
+      </p:sp>
+      <p:sp>
+        <p:nvSpPr>
+          <p:cNvPr id="3" name="Content Placeholder 2">
+            <a:extLst>
+              <a:ext uri="{FF2B5EF4-FFF2-40B4-BE49-F238E27FC236}">
+                <a16:creationId xmlns:a16="http://schemas.microsoft.com/office/drawing/2014/main" id="{AA3B8C0C-0FB5-40D8-A7A1-05B54B63ED03}"/>
+              </a:ext>
+            </a:extLst>
+          </p:cNvPr>
+          <p:cNvSpPr>
+            <a:spLocks noGrp="1"/>
+          </p:cNvSpPr>
+          <p:nvPr>
+            <p:ph idx="1"/>
+          </p:nvPr>
+        </p:nvSpPr>
+        <p:spPr/>
+        <p:txBody>
+          <a:bodyPr/>
+          <a:lstStyle/>
+          <a:p>
+            <a:r>
+              <a:rPr lang="en-US" dirty="0"/>
+              <a:t>For population size as 500 the optimal solution is found after 5 generations</a:t>
+            </a:r>
+          </a:p>
+          <a:p>
+            <a:r>
+              <a:rPr lang="en-US" dirty="0"/>
+              <a:t>For population size as 1000 the optimal solution is found after 3 generations</a:t>
+            </a:r>
+          </a:p>
+          <a:p>
+            <a:endParaRPr lang="en-US" dirty="0"/>
+          </a:p>
+        </p:txBody>
+      </p:sp>
+    </p:spTree>
+    <p:extLst>
+      <p:ext uri="{BB962C8B-B14F-4D97-AF65-F5344CB8AC3E}">
+        <p14:creationId xmlns:p14="http://schemas.microsoft.com/office/powerpoint/2010/main" val="1346604966"/>
+      </p:ext>
+    </p:extLst>
+  </p:cSld>
+  <p:clrMapOvr>
+    <a:masterClrMapping/>
+  </p:clrMapOvr>
+</p:sld>
+</file>
+
+<file path=ppt/slides/slide14.xml><?xml version="1.0" encoding="utf-8"?>
+<p:sld xmlns:a="http://schemas.openxmlformats.org/drawingml/2006/main" xmlns:r="http://schemas.openxmlformats.org/officeDocument/2006/relationships" xmlns:p="http://schemas.openxmlformats.org/presentationml/2006/main">
+  <p:cSld>
+    <p:spTree>
+      <p:nvGrpSpPr>
+        <p:cNvPr id="1" name=""/>
+        <p:cNvGrpSpPr/>
+        <p:nvPr/>
+      </p:nvGrpSpPr>
+      <p:grpSpPr>
+        <a:xfrm>
+          <a:off x="0" y="0"/>
+          <a:ext cx="0" cy="0"/>
+          <a:chOff x="0" y="0"/>
+          <a:chExt cx="0" cy="0"/>
+        </a:xfrm>
+      </p:grpSpPr>
+      <p:sp>
+        <p:nvSpPr>
+          <p:cNvPr id="2" name="Title 1">
+            <a:extLst>
+              <a:ext uri="{FF2B5EF4-FFF2-40B4-BE49-F238E27FC236}">
                 <a16:creationId xmlns:a16="http://schemas.microsoft.com/office/drawing/2014/main" id="{A94EF48D-62D5-41AD-AF5C-D6E7E3250B86}"/>
               </a:ext>
             </a:extLst>
@@ -4582,16 +4678,21 @@
             </a:pPr>
             <a:r>
               <a:rPr lang="en-US" dirty="0"/>
-              <a:t>Optimal Solution found in  2</a:t>
+              <a:t>Optimal Solution found in  4</a:t>
             </a:r>
             <a:r>
               <a:rPr lang="en-US" baseline="30000" dirty="0"/>
-              <a:t>nd </a:t>
+              <a:t>th </a:t>
             </a:r>
             <a:r>
               <a:rPr lang="en-US" dirty="0"/>
-              <a:t>generation</a:t>
-            </a:r>
+              <a:t>generation (</a:t>
+            </a:r>
+            <a:r>
+              <a:rPr lang="en-US"/>
+              <a:t>on average)</a:t>
+            </a:r>
+            <a:endParaRPr lang="en-US" dirty="0"/>
           </a:p>
           <a:p>
             <a:pPr marL="0" indent="0">
@@ -4599,15 +4700,7 @@
             </a:pPr>
             <a:r>
               <a:rPr lang="en-US" dirty="0"/>
-              <a:t>Since the best solution is not changed for 10 generation our program concludes </a:t>
-            </a:r>
-            <a:r>
-              <a:rPr lang="en-US"/>
-              <a:t>the optimal </a:t>
-            </a:r>
-            <a:r>
-              <a:rPr lang="en-US" dirty="0"/>
-              <a:t>solution has reached</a:t>
+              <a:t>Since the best solution is not changed for 10 generation our program concludes the optimal solution has reached</a:t>
             </a:r>
           </a:p>
           <a:p>

--- a/report/TSP_Report.pptx
+++ b/report/TSP_Report.pptx
@@ -17,8 +17,7 @@
     <p:sldId id="265" r:id="rId11"/>
     <p:sldId id="266" r:id="rId12"/>
     <p:sldId id="267" r:id="rId13"/>
-    <p:sldId id="269" r:id="rId14"/>
-    <p:sldId id="260" r:id="rId15"/>
+    <p:sldId id="260" r:id="rId14"/>
   </p:sldIdLst>
   <p:sldSz cx="12192000" cy="6858000"/>
   <p:notesSz cx="6858000" cy="9144000"/>
@@ -4455,101 +4454,6 @@
           <p:cNvPr id="2" name="Title 1">
             <a:extLst>
               <a:ext uri="{FF2B5EF4-FFF2-40B4-BE49-F238E27FC236}">
-                <a16:creationId xmlns:a16="http://schemas.microsoft.com/office/drawing/2014/main" id="{9E1CDF4A-A5A6-45C0-8F53-328312138624}"/>
-              </a:ext>
-            </a:extLst>
-          </p:cNvPr>
-          <p:cNvSpPr>
-            <a:spLocks noGrp="1"/>
-          </p:cNvSpPr>
-          <p:nvPr>
-            <p:ph type="title"/>
-          </p:nvPr>
-        </p:nvSpPr>
-        <p:spPr/>
-        <p:txBody>
-          <a:bodyPr/>
-          <a:lstStyle/>
-          <a:p>
-            <a:r>
-              <a:rPr lang="en-US" dirty="0"/>
-              <a:t>Variable change findings</a:t>
-            </a:r>
-          </a:p>
-        </p:txBody>
-      </p:sp>
-      <p:sp>
-        <p:nvSpPr>
-          <p:cNvPr id="3" name="Content Placeholder 2">
-            <a:extLst>
-              <a:ext uri="{FF2B5EF4-FFF2-40B4-BE49-F238E27FC236}">
-                <a16:creationId xmlns:a16="http://schemas.microsoft.com/office/drawing/2014/main" id="{AA3B8C0C-0FB5-40D8-A7A1-05B54B63ED03}"/>
-              </a:ext>
-            </a:extLst>
-          </p:cNvPr>
-          <p:cNvSpPr>
-            <a:spLocks noGrp="1"/>
-          </p:cNvSpPr>
-          <p:nvPr>
-            <p:ph idx="1"/>
-          </p:nvPr>
-        </p:nvSpPr>
-        <p:spPr/>
-        <p:txBody>
-          <a:bodyPr/>
-          <a:lstStyle/>
-          <a:p>
-            <a:r>
-              <a:rPr lang="en-US" dirty="0"/>
-              <a:t>For population size as 500 the optimal solution is found after 5 generations</a:t>
-            </a:r>
-          </a:p>
-          <a:p>
-            <a:r>
-              <a:rPr lang="en-US" dirty="0"/>
-              <a:t>For population size as 1000 the optimal solution is found after 3 generations</a:t>
-            </a:r>
-          </a:p>
-          <a:p>
-            <a:endParaRPr lang="en-US" dirty="0"/>
-          </a:p>
-        </p:txBody>
-      </p:sp>
-    </p:spTree>
-    <p:extLst>
-      <p:ext uri="{BB962C8B-B14F-4D97-AF65-F5344CB8AC3E}">
-        <p14:creationId xmlns:p14="http://schemas.microsoft.com/office/powerpoint/2010/main" val="1346604966"/>
-      </p:ext>
-    </p:extLst>
-  </p:cSld>
-  <p:clrMapOvr>
-    <a:masterClrMapping/>
-  </p:clrMapOvr>
-</p:sld>
-</file>
-
-<file path=ppt/slides/slide14.xml><?xml version="1.0" encoding="utf-8"?>
-<p:sld xmlns:a="http://schemas.openxmlformats.org/drawingml/2006/main" xmlns:r="http://schemas.openxmlformats.org/officeDocument/2006/relationships" xmlns:p="http://schemas.openxmlformats.org/presentationml/2006/main">
-  <p:cSld>
-    <p:spTree>
-      <p:nvGrpSpPr>
-        <p:cNvPr id="1" name=""/>
-        <p:cNvGrpSpPr/>
-        <p:nvPr/>
-      </p:nvGrpSpPr>
-      <p:grpSpPr>
-        <a:xfrm>
-          <a:off x="0" y="0"/>
-          <a:ext cx="0" cy="0"/>
-          <a:chOff x="0" y="0"/>
-          <a:chExt cx="0" cy="0"/>
-        </a:xfrm>
-      </p:grpSpPr>
-      <p:sp>
-        <p:nvSpPr>
-          <p:cNvPr id="2" name="Title 1">
-            <a:extLst>
-              <a:ext uri="{FF2B5EF4-FFF2-40B4-BE49-F238E27FC236}">
                 <a16:creationId xmlns:a16="http://schemas.microsoft.com/office/drawing/2014/main" id="{A94EF48D-62D5-41AD-AF5C-D6E7E3250B86}"/>
               </a:ext>
             </a:extLst>
@@ -4597,11 +4501,13 @@
         <p:spPr>
           <a:xfrm>
             <a:off x="1069848" y="1415562"/>
-            <a:ext cx="10058400" cy="4756638"/>
+            <a:ext cx="10058400" cy="4957806"/>
           </a:xfrm>
         </p:spPr>
         <p:txBody>
-          <a:bodyPr/>
+          <a:bodyPr>
+            <a:normAutofit fontScale="92500" lnSpcReduction="10000"/>
+          </a:bodyPr>
           <a:lstStyle/>
           <a:p>
             <a:pPr marL="0" indent="0">
@@ -4624,6 +4530,15 @@
             </a:pPr>
             <a:r>
               <a:rPr lang="en-US" dirty="0"/>
+              <a:t>We have chosen 1000 population as it gives optimal solution earlier when ran against population size of 100, 500, 800</a:t>
+            </a:r>
+          </a:p>
+          <a:p>
+            <a:pPr marL="0" indent="0">
+              <a:buNone/>
+            </a:pPr>
+            <a:r>
+              <a:rPr lang="en-US" dirty="0"/>
               <a:t>Statistics :</a:t>
             </a:r>
           </a:p>
@@ -4686,13 +4601,8 @@
             </a:r>
             <a:r>
               <a:rPr lang="en-US" dirty="0"/>
-              <a:t>generation (</a:t>
-            </a:r>
-            <a:r>
-              <a:rPr lang="en-US"/>
-              <a:t>on average)</a:t>
-            </a:r>
-            <a:endParaRPr lang="en-US" dirty="0"/>
+              <a:t>generation (on average)</a:t>
+            </a:r>
           </a:p>
           <a:p>
             <a:pPr marL="0" indent="0">
@@ -7059,10 +6969,10 @@
       </p:sp>
       <p:pic>
         <p:nvPicPr>
-          <p:cNvPr id="4" name="Content Placeholder 3">
+          <p:cNvPr id="11" name="Content Placeholder 10">
             <a:extLst>
               <a:ext uri="{FF2B5EF4-FFF2-40B4-BE49-F238E27FC236}">
-                <a16:creationId xmlns:a16="http://schemas.microsoft.com/office/drawing/2014/main" id="{66718A5E-A9BA-4C53-B7EE-EE0AB47F3846}"/>
+                <a16:creationId xmlns:a16="http://schemas.microsoft.com/office/drawing/2014/main" id="{FFC6C5D2-BA4D-4687-B608-0B07A87A794F}"/>
               </a:ext>
             </a:extLst>
           </p:cNvPr>
@@ -7081,14 +6991,55 @@
         </p:blipFill>
         <p:spPr>
           <a:xfrm>
-            <a:off x="1069975" y="2189934"/>
-            <a:ext cx="10058400" cy="3913231"/>
+            <a:off x="1069975" y="2162908"/>
+            <a:ext cx="10058400" cy="3440647"/>
           </a:xfrm>
           <a:prstGeom prst="rect">
             <a:avLst/>
           </a:prstGeom>
         </p:spPr>
       </p:pic>
+      <p:sp>
+        <p:nvSpPr>
+          <p:cNvPr id="12" name="TextBox 11">
+            <a:extLst>
+              <a:ext uri="{FF2B5EF4-FFF2-40B4-BE49-F238E27FC236}">
+                <a16:creationId xmlns:a16="http://schemas.microsoft.com/office/drawing/2014/main" id="{4EE3C65D-6EBD-43D0-8269-A3510D16C842}"/>
+              </a:ext>
+            </a:extLst>
+          </p:cNvPr>
+          <p:cNvSpPr txBox="1"/>
+          <p:nvPr/>
+        </p:nvSpPr>
+        <p:spPr>
+          <a:xfrm>
+            <a:off x="1063752" y="1724644"/>
+            <a:ext cx="6834243" cy="923330"/>
+          </a:xfrm>
+          <a:prstGeom prst="rect">
+            <a:avLst/>
+          </a:prstGeom>
+          <a:noFill/>
+        </p:spPr>
+        <p:txBody>
+          <a:bodyPr wrap="none" rtlCol="0">
+            <a:spAutoFit/>
+          </a:bodyPr>
+          <a:lstStyle/>
+          <a:p>
+            <a:r>
+              <a:rPr lang="en-US" dirty="0"/>
+              <a:t>Recreation of new Generation Using Crossover of parent genes</a:t>
+            </a:r>
+          </a:p>
+          <a:p>
+            <a:endParaRPr lang="en-US" dirty="0"/>
+          </a:p>
+          <a:p>
+            <a:endParaRPr lang="en-US" dirty="0"/>
+          </a:p>
+        </p:txBody>
+      </p:sp>
     </p:spTree>
     <p:extLst>
       <p:ext uri="{BB962C8B-B14F-4D97-AF65-F5344CB8AC3E}">

--- a/report/TSP_Report.pptx
+++ b/report/TSP_Report.pptx
@@ -18,6 +18,7 @@
     <p:sldId id="266" r:id="rId12"/>
     <p:sldId id="267" r:id="rId13"/>
     <p:sldId id="260" r:id="rId14"/>
+    <p:sldId id="269" r:id="rId15"/>
   </p:sldIdLst>
   <p:sldSz cx="12192000" cy="6858000"/>
   <p:notesSz cx="6858000" cy="9144000"/>
@@ -4506,7 +4507,7 @@
         </p:spPr>
         <p:txBody>
           <a:bodyPr>
-            <a:normAutofit fontScale="92500" lnSpcReduction="10000"/>
+            <a:normAutofit/>
           </a:bodyPr>
           <a:lstStyle/>
           <a:p>
@@ -4543,7 +4544,7 @@
             </a:r>
           </a:p>
           <a:p>
-            <a:pPr marL="0" indent="0">
+            <a:pPr marL="274320" lvl="1" indent="0">
               <a:buNone/>
             </a:pPr>
             <a:r>
@@ -4552,7 +4553,7 @@
             </a:r>
           </a:p>
           <a:p>
-            <a:pPr marL="0" indent="0">
+            <a:pPr marL="274320" lvl="1" indent="0">
               <a:buNone/>
             </a:pPr>
             <a:r>
@@ -4561,7 +4562,7 @@
             </a:r>
           </a:p>
           <a:p>
-            <a:pPr marL="0" indent="0">
+            <a:pPr marL="274320" lvl="1" indent="0">
               <a:buNone/>
             </a:pPr>
             <a:r>
@@ -4570,7 +4571,7 @@
             </a:r>
           </a:p>
           <a:p>
-            <a:pPr marL="0" indent="0">
+            <a:pPr marL="274320" lvl="1" indent="0">
               <a:buNone/>
             </a:pPr>
             <a:r>
@@ -4579,7 +4580,7 @@
             </a:r>
           </a:p>
           <a:p>
-            <a:pPr marL="0" indent="0">
+            <a:pPr marL="274320" lvl="1" indent="0">
               <a:buNone/>
             </a:pPr>
             <a:r>
@@ -4588,7 +4589,7 @@
             </a:r>
           </a:p>
           <a:p>
-            <a:pPr marL="0" indent="0">
+            <a:pPr marL="274320" lvl="1" indent="0">
               <a:buNone/>
             </a:pPr>
             <a:r>
@@ -4605,7 +4606,7 @@
             </a:r>
           </a:p>
           <a:p>
-            <a:pPr marL="0" indent="0">
+            <a:pPr marL="274320" lvl="1" indent="0">
               <a:buNone/>
             </a:pPr>
             <a:r>
@@ -4625,6 +4626,126 @@
     <p:extLst>
       <p:ext uri="{BB962C8B-B14F-4D97-AF65-F5344CB8AC3E}">
         <p14:creationId xmlns:p14="http://schemas.microsoft.com/office/powerpoint/2010/main" val="1349963762"/>
+      </p:ext>
+    </p:extLst>
+  </p:cSld>
+  <p:clrMapOvr>
+    <a:masterClrMapping/>
+  </p:clrMapOvr>
+</p:sld>
+</file>
+
+<file path=ppt/slides/slide14.xml><?xml version="1.0" encoding="utf-8"?>
+<p:sld xmlns:a="http://schemas.openxmlformats.org/drawingml/2006/main" xmlns:r="http://schemas.openxmlformats.org/officeDocument/2006/relationships" xmlns:p="http://schemas.openxmlformats.org/presentationml/2006/main">
+  <p:cSld>
+    <p:spTree>
+      <p:nvGrpSpPr>
+        <p:cNvPr id="1" name=""/>
+        <p:cNvGrpSpPr/>
+        <p:nvPr/>
+      </p:nvGrpSpPr>
+      <p:grpSpPr>
+        <a:xfrm>
+          <a:off x="0" y="0"/>
+          <a:ext cx="0" cy="0"/>
+          <a:chOff x="0" y="0"/>
+          <a:chExt cx="0" cy="0"/>
+        </a:xfrm>
+      </p:grpSpPr>
+      <p:sp>
+        <p:nvSpPr>
+          <p:cNvPr id="2" name="Title 1">
+            <a:extLst>
+              <a:ext uri="{FF2B5EF4-FFF2-40B4-BE49-F238E27FC236}">
+                <a16:creationId xmlns:a16="http://schemas.microsoft.com/office/drawing/2014/main" id="{2F711939-5A51-46E6-BD0D-60E374119FA1}"/>
+              </a:ext>
+            </a:extLst>
+          </p:cNvPr>
+          <p:cNvSpPr>
+            <a:spLocks noGrp="1"/>
+          </p:cNvSpPr>
+          <p:nvPr>
+            <p:ph type="title"/>
+          </p:nvPr>
+        </p:nvSpPr>
+        <p:spPr/>
+        <p:txBody>
+          <a:bodyPr/>
+          <a:lstStyle/>
+          <a:p>
+            <a:r>
+              <a:rPr lang="en-US" dirty="0"/>
+              <a:t>Running the Application</a:t>
+            </a:r>
+          </a:p>
+        </p:txBody>
+      </p:sp>
+      <p:sp>
+        <p:nvSpPr>
+          <p:cNvPr id="3" name="Content Placeholder 2">
+            <a:extLst>
+              <a:ext uri="{FF2B5EF4-FFF2-40B4-BE49-F238E27FC236}">
+                <a16:creationId xmlns:a16="http://schemas.microsoft.com/office/drawing/2014/main" id="{17A83F68-3B7A-4FD3-B322-1CE456FA16BF}"/>
+              </a:ext>
+            </a:extLst>
+          </p:cNvPr>
+          <p:cNvSpPr>
+            <a:spLocks noGrp="1"/>
+          </p:cNvSpPr>
+          <p:nvPr>
+            <p:ph idx="1"/>
+          </p:nvPr>
+        </p:nvSpPr>
+        <p:spPr/>
+        <p:txBody>
+          <a:bodyPr/>
+          <a:lstStyle/>
+          <a:p>
+            <a:r>
+              <a:rPr lang="en-US" dirty="0"/>
+              <a:t>Download the source code from :</a:t>
+            </a:r>
+          </a:p>
+          <a:p>
+            <a:r>
+              <a:rPr lang="en-US" dirty="0"/>
+              <a:t>https://github.com/bhanushaliv/INFO6205_536</a:t>
+            </a:r>
+          </a:p>
+          <a:p>
+            <a:endParaRPr lang="en-US" dirty="0"/>
+          </a:p>
+          <a:p>
+            <a:r>
+              <a:rPr lang="en-US" dirty="0" err="1"/>
+              <a:t>mvn</a:t>
+            </a:r>
+            <a:r>
+              <a:rPr lang="en-US" dirty="0"/>
+              <a:t> clean install (Have Maven and Java preinstalled)</a:t>
+            </a:r>
+          </a:p>
+          <a:p>
+            <a:r>
+              <a:rPr lang="en-US" dirty="0"/>
+              <a:t>After successfully running unit test cases and maven build </a:t>
+            </a:r>
+          </a:p>
+          <a:p>
+            <a:endParaRPr lang="en-US" dirty="0"/>
+          </a:p>
+          <a:p>
+            <a:r>
+              <a:rPr lang="en-US" dirty="0"/>
+              <a:t>java –jar ./target/final-project-1.0-SNAPSHOT.jar</a:t>
+            </a:r>
+          </a:p>
+        </p:txBody>
+      </p:sp>
+    </p:spTree>
+    <p:extLst>
+      <p:ext uri="{BB962C8B-B14F-4D97-AF65-F5344CB8AC3E}">
+        <p14:creationId xmlns:p14="http://schemas.microsoft.com/office/powerpoint/2010/main" val="2122344968"/>
       </p:ext>
     </p:extLst>
   </p:cSld>

--- a/report/TSP_Report.pptx
+++ b/report/TSP_Report.pptx
@@ -4094,7 +4094,7 @@
         </p:spPr>
         <p:txBody>
           <a:bodyPr>
-            <a:normAutofit/>
+            <a:normAutofit fontScale="92500" lnSpcReduction="20000"/>
           </a:bodyPr>
           <a:lstStyle/>
           <a:p>
@@ -4111,8 +4111,20 @@
           <a:p>
             <a:r>
               <a:rPr lang="en-US" dirty="0"/>
-              <a:t>Varsha Bhanushali</a:t>
-            </a:r>
+              <a:t>Varsha </a:t>
+            </a:r>
+            <a:r>
+              <a:rPr lang="en-US" dirty="0" err="1"/>
+              <a:t>Bhanushali</a:t>
+            </a:r>
+            <a:endParaRPr lang="en-US" dirty="0"/>
+          </a:p>
+          <a:p>
+            <a:r>
+              <a:rPr lang="en-US"/>
+              <a:t>Team Number: 536</a:t>
+            </a:r>
+            <a:endParaRPr lang="en-US" dirty="0"/>
           </a:p>
         </p:txBody>
       </p:sp>
